--- a/KMARKET_5팀_PPT.pptx
+++ b/KMARKET_5팀_PPT.pptx
@@ -11568,15 +11568,7 @@
                 <a:ea typeface="함초롬돋움" panose="020B0604000101010101" pitchFamily="50" charset="-127"/>
                 <a:cs typeface="함초롬돋움" panose="020B0604000101010101" pitchFamily="50" charset="-127"/>
               </a:rPr>
-              <a:t>프로젝트 팀 </a:t>
-            </a:r>
-            <a:r>
-              <a:rPr lang="ko-KR" altLang="en-US" b="1" dirty="0" smtClean="0">
-                <a:latin typeface="함초롬돋움" panose="020B0604000101010101" pitchFamily="50" charset="-127"/>
-                <a:ea typeface="함초롬돋움" panose="020B0604000101010101" pitchFamily="50" charset="-127"/>
-                <a:cs typeface="함초롬돋움" panose="020B0604000101010101" pitchFamily="50" charset="-127"/>
-              </a:rPr>
-              <a:t>구성</a:t>
+              <a:t>프로젝트 팀 구성</a:t>
             </a:r>
             <a:endParaRPr lang="en-US" altLang="ko-KR" b="1" dirty="0" smtClean="0">
               <a:latin typeface="함초롬돋움" panose="020B0604000101010101" pitchFamily="50" charset="-127"/>
@@ -13888,7 +13880,7 @@
           <p:nvPr>
             <p:extLst>
               <p:ext uri="{D42A27DB-BD31-4B8C-83A1-F6EECF244321}">
-                <p14:modId xmlns:p14="http://schemas.microsoft.com/office/powerpoint/2010/main" val="1319080858"/>
+                <p14:modId xmlns:p14="http://schemas.microsoft.com/office/powerpoint/2010/main" val="1208656548"/>
               </p:ext>
             </p:extLst>
           </p:nvPr>
@@ -14528,7 +14520,7 @@
                         <a:t>총 </a:t>
                       </a:r>
                       <a:r>
-                        <a:rPr lang="en-US" altLang="ko-KR" sz="1000" kern="0" spc="0" dirty="0">
+                        <a:rPr lang="en-US" altLang="ko-KR" sz="1000" kern="0" spc="0" dirty="0" smtClean="0">
                           <a:solidFill>
                             <a:srgbClr val="000000"/>
                           </a:solidFill>
@@ -14536,7 +14528,7 @@
                           <a:latin typeface="맑은 고딕" panose="020B0503020000020004" pitchFamily="50" charset="-127"/>
                           <a:ea typeface="맑은 고딕" panose="020B0503020000020004" pitchFamily="50" charset="-127"/>
                         </a:rPr>
-                        <a:t>18 </a:t>
+                        <a:t>23 </a:t>
                       </a:r>
                       <a:r>
                         <a:rPr lang="ko-KR" altLang="en-US" sz="1000" kern="0" spc="0" dirty="0">
@@ -18434,7 +18426,7 @@
         </p:nvGraphicFramePr>
         <p:xfrm>
           <a:off x="5313702" y="1899554"/>
-          <a:ext cx="5980520" cy="2907094"/>
+          <a:ext cx="5980520" cy="2987900"/>
         </p:xfrm>
         <a:graphic>
           <a:graphicData uri="http://schemas.openxmlformats.org/drawingml/2006/table">

--- a/KMARKET_5팀_PPT.pptx
+++ b/KMARKET_5팀_PPT.pptx
@@ -11,10 +11,11 @@
     <p:sldId id="264" r:id="rId5"/>
     <p:sldId id="269" r:id="rId6"/>
     <p:sldId id="270" r:id="rId7"/>
-    <p:sldId id="265" r:id="rId8"/>
-    <p:sldId id="266" r:id="rId9"/>
-    <p:sldId id="267" r:id="rId10"/>
-    <p:sldId id="268" r:id="rId11"/>
+    <p:sldId id="271" r:id="rId8"/>
+    <p:sldId id="265" r:id="rId9"/>
+    <p:sldId id="266" r:id="rId10"/>
+    <p:sldId id="267" r:id="rId11"/>
+    <p:sldId id="268" r:id="rId12"/>
   </p:sldIdLst>
   <p:sldSz cx="12192000" cy="6858000"/>
   <p:notesSz cx="6858000" cy="9144000"/>
@@ -6619,6 +6620,2351 @@
         </p:nvGrpSpPr>
         <p:grpSpPr>
           <a:xfrm>
+            <a:off x="595841" y="290955"/>
+            <a:ext cx="11350256" cy="5962860"/>
+            <a:chOff x="442443" y="285749"/>
+            <a:chExt cx="11350256" cy="5962860"/>
+          </a:xfrm>
+        </p:grpSpPr>
+        <p:sp>
+          <p:nvSpPr>
+            <p:cNvPr id="4" name="사각형: 둥근 모서리 3">
+              <a:extLst>
+                <a:ext uri="{FF2B5EF4-FFF2-40B4-BE49-F238E27FC236}">
+                  <a16:creationId xmlns:a16="http://schemas.microsoft.com/office/drawing/2014/main" id="{7E70D90F-65C9-C903-5321-044BB5E0D378}"/>
+                </a:ext>
+              </a:extLst>
+            </p:cNvPr>
+            <p:cNvSpPr/>
+            <p:nvPr/>
+          </p:nvSpPr>
+          <p:spPr>
+            <a:xfrm>
+              <a:off x="442443" y="323901"/>
+              <a:ext cx="11350256" cy="5924708"/>
+            </a:xfrm>
+            <a:prstGeom prst="roundRect">
+              <a:avLst>
+                <a:gd name="adj" fmla="val 3635"/>
+              </a:avLst>
+            </a:prstGeom>
+            <a:solidFill>
+              <a:schemeClr val="bg1"/>
+            </a:solidFill>
+            <a:ln w="47625">
+              <a:solidFill>
+                <a:schemeClr val="tx1">
+                  <a:lumMod val="85000"/>
+                  <a:lumOff val="15000"/>
+                </a:schemeClr>
+              </a:solidFill>
+            </a:ln>
+          </p:spPr>
+          <p:style>
+            <a:lnRef idx="2">
+              <a:schemeClr val="accent1">
+                <a:shade val="50000"/>
+              </a:schemeClr>
+            </a:lnRef>
+            <a:fillRef idx="1">
+              <a:schemeClr val="accent1"/>
+            </a:fillRef>
+            <a:effectRef idx="0">
+              <a:schemeClr val="accent1"/>
+            </a:effectRef>
+            <a:fontRef idx="minor">
+              <a:schemeClr val="lt1"/>
+            </a:fontRef>
+          </p:style>
+          <p:txBody>
+            <a:bodyPr rtlCol="0" anchor="t"/>
+            <a:lstStyle/>
+            <a:p>
+              <a:pPr algn="ctr">
+                <a:defRPr/>
+              </a:pPr>
+              <a:r>
+                <a:rPr lang="en-US" altLang="ko-KR" i="1" kern="0" dirty="0" smtClean="0">
+                  <a:ln w="9525">
+                    <a:noFill/>
+                  </a:ln>
+                  <a:solidFill>
+                    <a:prstClr val="black">
+                      <a:lumMod val="75000"/>
+                      <a:lumOff val="25000"/>
+                    </a:prstClr>
+                  </a:solidFill>
+                  <a:latin typeface="Tmon몬소리 Black" panose="02000A03000000000000" pitchFamily="2" charset="-127"/>
+                  <a:ea typeface="Tmon몬소리 Black" panose="02000A03000000000000" pitchFamily="2" charset="-127"/>
+                </a:rPr>
+                <a:t>K-MARKET</a:t>
+              </a:r>
+              <a:endParaRPr lang="en-US" altLang="ko-KR" i="1" kern="0" dirty="0">
+                <a:ln w="9525">
+                  <a:noFill/>
+                </a:ln>
+                <a:solidFill>
+                  <a:prstClr val="black">
+                    <a:lumMod val="75000"/>
+                    <a:lumOff val="25000"/>
+                  </a:prstClr>
+                </a:solidFill>
+                <a:latin typeface="Tmon몬소리 Black" panose="02000A03000000000000" pitchFamily="2" charset="-127"/>
+                <a:ea typeface="Tmon몬소리 Black" panose="02000A03000000000000" pitchFamily="2" charset="-127"/>
+              </a:endParaRPr>
+            </a:p>
+          </p:txBody>
+        </p:sp>
+        <p:grpSp>
+          <p:nvGrpSpPr>
+            <p:cNvPr id="18" name="그룹 17">
+              <a:extLst>
+                <a:ext uri="{FF2B5EF4-FFF2-40B4-BE49-F238E27FC236}">
+                  <a16:creationId xmlns:a16="http://schemas.microsoft.com/office/drawing/2014/main" id="{38B549DE-7211-B296-D451-BC4EA2548B3D}"/>
+                </a:ext>
+              </a:extLst>
+            </p:cNvPr>
+            <p:cNvGrpSpPr/>
+            <p:nvPr/>
+          </p:nvGrpSpPr>
+          <p:grpSpPr>
+            <a:xfrm rot="16200000">
+              <a:off x="2329495" y="-348760"/>
+              <a:ext cx="50851" cy="1319870"/>
+              <a:chOff x="11785556" y="3326276"/>
+              <a:chExt cx="36001" cy="885419"/>
+            </a:xfrm>
+          </p:grpSpPr>
+          <p:sp>
+            <p:nvSpPr>
+              <p:cNvPr id="8" name="사각형: 둥근 위쪽 모서리 7">
+                <a:extLst>
+                  <a:ext uri="{FF2B5EF4-FFF2-40B4-BE49-F238E27FC236}">
+                    <a16:creationId xmlns:a16="http://schemas.microsoft.com/office/drawing/2014/main" id="{ED237E13-36A0-390E-2415-ACA61A3F520F}"/>
+                  </a:ext>
+                </a:extLst>
+              </p:cNvPr>
+              <p:cNvSpPr/>
+              <p:nvPr/>
+            </p:nvSpPr>
+            <p:spPr>
+              <a:xfrm rot="16200000">
+                <a:off x="11677556" y="3434276"/>
+                <a:ext cx="252000" cy="36000"/>
+              </a:xfrm>
+              <a:prstGeom prst="round2SameRect">
+                <a:avLst>
+                  <a:gd name="adj1" fmla="val 0"/>
+                  <a:gd name="adj2" fmla="val 50000"/>
+                </a:avLst>
+              </a:prstGeom>
+              <a:solidFill>
+                <a:schemeClr val="tx1">
+                  <a:lumMod val="85000"/>
+                  <a:lumOff val="15000"/>
+                </a:schemeClr>
+              </a:solidFill>
+              <a:ln w="28575">
+                <a:solidFill>
+                  <a:schemeClr val="tx1">
+                    <a:lumMod val="85000"/>
+                    <a:lumOff val="15000"/>
+                  </a:schemeClr>
+                </a:solidFill>
+              </a:ln>
+            </p:spPr>
+            <p:style>
+              <a:lnRef idx="2">
+                <a:schemeClr val="accent1">
+                  <a:shade val="50000"/>
+                </a:schemeClr>
+              </a:lnRef>
+              <a:fillRef idx="1">
+                <a:schemeClr val="accent1"/>
+              </a:fillRef>
+              <a:effectRef idx="0">
+                <a:schemeClr val="accent1"/>
+              </a:effectRef>
+              <a:fontRef idx="minor">
+                <a:schemeClr val="lt1"/>
+              </a:fontRef>
+            </p:style>
+            <p:txBody>
+              <a:bodyPr rtlCol="0" anchor="ctr"/>
+              <a:lstStyle/>
+              <a:p>
+                <a:pPr algn="ctr"/>
+                <a:endParaRPr lang="ko-KR" altLang="en-US">
+                  <a:solidFill>
+                    <a:prstClr val="white"/>
+                  </a:solidFill>
+                </a:endParaRPr>
+              </a:p>
+            </p:txBody>
+          </p:sp>
+          <p:sp>
+            <p:nvSpPr>
+              <p:cNvPr id="9" name="사각형: 둥근 위쪽 모서리 8">
+                <a:extLst>
+                  <a:ext uri="{FF2B5EF4-FFF2-40B4-BE49-F238E27FC236}">
+                    <a16:creationId xmlns:a16="http://schemas.microsoft.com/office/drawing/2014/main" id="{962C1E69-56B9-1ADF-2948-EE9391C9590F}"/>
+                  </a:ext>
+                </a:extLst>
+              </p:cNvPr>
+              <p:cNvSpPr/>
+              <p:nvPr/>
+            </p:nvSpPr>
+            <p:spPr>
+              <a:xfrm rot="16200000">
+                <a:off x="11677557" y="3703357"/>
+                <a:ext cx="252000" cy="36000"/>
+              </a:xfrm>
+              <a:prstGeom prst="round2SameRect">
+                <a:avLst>
+                  <a:gd name="adj1" fmla="val 0"/>
+                  <a:gd name="adj2" fmla="val 50000"/>
+                </a:avLst>
+              </a:prstGeom>
+              <a:solidFill>
+                <a:schemeClr val="tx1">
+                  <a:lumMod val="85000"/>
+                  <a:lumOff val="15000"/>
+                </a:schemeClr>
+              </a:solidFill>
+              <a:ln w="28575">
+                <a:solidFill>
+                  <a:schemeClr val="tx1">
+                    <a:lumMod val="85000"/>
+                    <a:lumOff val="15000"/>
+                  </a:schemeClr>
+                </a:solidFill>
+              </a:ln>
+            </p:spPr>
+            <p:style>
+              <a:lnRef idx="2">
+                <a:schemeClr val="accent1">
+                  <a:shade val="50000"/>
+                </a:schemeClr>
+              </a:lnRef>
+              <a:fillRef idx="1">
+                <a:schemeClr val="accent1"/>
+              </a:fillRef>
+              <a:effectRef idx="0">
+                <a:schemeClr val="accent1"/>
+              </a:effectRef>
+              <a:fontRef idx="minor">
+                <a:schemeClr val="lt1"/>
+              </a:fontRef>
+            </p:style>
+            <p:txBody>
+              <a:bodyPr rtlCol="0" anchor="ctr"/>
+              <a:lstStyle/>
+              <a:p>
+                <a:pPr algn="ctr"/>
+                <a:endParaRPr lang="ko-KR" altLang="en-US">
+                  <a:solidFill>
+                    <a:prstClr val="white"/>
+                  </a:solidFill>
+                </a:endParaRPr>
+              </a:p>
+            </p:txBody>
+          </p:sp>
+          <p:sp>
+            <p:nvSpPr>
+              <p:cNvPr id="10" name="사각형: 둥근 위쪽 모서리 9">
+                <a:extLst>
+                  <a:ext uri="{FF2B5EF4-FFF2-40B4-BE49-F238E27FC236}">
+                    <a16:creationId xmlns:a16="http://schemas.microsoft.com/office/drawing/2014/main" id="{1AD79268-AA98-EC68-7D05-82138453646B}"/>
+                  </a:ext>
+                </a:extLst>
+              </p:cNvPr>
+              <p:cNvSpPr/>
+              <p:nvPr/>
+            </p:nvSpPr>
+            <p:spPr>
+              <a:xfrm rot="16200000">
+                <a:off x="11695556" y="4085695"/>
+                <a:ext cx="216000" cy="36000"/>
+              </a:xfrm>
+              <a:prstGeom prst="round2SameRect">
+                <a:avLst>
+                  <a:gd name="adj1" fmla="val 0"/>
+                  <a:gd name="adj2" fmla="val 50000"/>
+                </a:avLst>
+              </a:prstGeom>
+              <a:solidFill>
+                <a:schemeClr val="tx1">
+                  <a:lumMod val="85000"/>
+                  <a:lumOff val="15000"/>
+                </a:schemeClr>
+              </a:solidFill>
+              <a:ln w="28575">
+                <a:solidFill>
+                  <a:schemeClr val="tx1">
+                    <a:lumMod val="85000"/>
+                    <a:lumOff val="15000"/>
+                  </a:schemeClr>
+                </a:solidFill>
+              </a:ln>
+            </p:spPr>
+            <p:style>
+              <a:lnRef idx="2">
+                <a:schemeClr val="accent1">
+                  <a:shade val="50000"/>
+                </a:schemeClr>
+              </a:lnRef>
+              <a:fillRef idx="1">
+                <a:schemeClr val="accent1"/>
+              </a:fillRef>
+              <a:effectRef idx="0">
+                <a:schemeClr val="accent1"/>
+              </a:effectRef>
+              <a:fontRef idx="minor">
+                <a:schemeClr val="lt1"/>
+              </a:fontRef>
+            </p:style>
+            <p:txBody>
+              <a:bodyPr rtlCol="0" anchor="ctr"/>
+              <a:lstStyle/>
+              <a:p>
+                <a:pPr algn="ctr"/>
+                <a:endParaRPr lang="ko-KR" altLang="en-US">
+                  <a:solidFill>
+                    <a:prstClr val="white"/>
+                  </a:solidFill>
+                </a:endParaRPr>
+              </a:p>
+            </p:txBody>
+          </p:sp>
+        </p:grpSp>
+      </p:grpSp>
+      <p:grpSp>
+        <p:nvGrpSpPr>
+          <p:cNvPr id="31" name="그룹 30">
+            <a:extLst>
+              <a:ext uri="{FF2B5EF4-FFF2-40B4-BE49-F238E27FC236}">
+                <a16:creationId xmlns:a16="http://schemas.microsoft.com/office/drawing/2014/main" id="{65D012EE-A2B9-5552-C285-D918B47A9E13}"/>
+              </a:ext>
+            </a:extLst>
+          </p:cNvPr>
+          <p:cNvGrpSpPr/>
+          <p:nvPr/>
+        </p:nvGrpSpPr>
+        <p:grpSpPr>
+          <a:xfrm>
+            <a:off x="91175" y="5411118"/>
+            <a:ext cx="1192258" cy="1453488"/>
+            <a:chOff x="91175" y="5411118"/>
+            <a:chExt cx="1192258" cy="1453488"/>
+          </a:xfrm>
+        </p:grpSpPr>
+        <p:sp>
+          <p:nvSpPr>
+            <p:cNvPr id="11" name="자유형: 도형 10">
+              <a:extLst>
+                <a:ext uri="{FF2B5EF4-FFF2-40B4-BE49-F238E27FC236}">
+                  <a16:creationId xmlns:a16="http://schemas.microsoft.com/office/drawing/2014/main" id="{342BF6A9-0D8D-EA91-C3E2-46F9DC71541A}"/>
+                </a:ext>
+              </a:extLst>
+            </p:cNvPr>
+            <p:cNvSpPr/>
+            <p:nvPr/>
+          </p:nvSpPr>
+          <p:spPr>
+            <a:xfrm flipH="1">
+              <a:off x="235459" y="6269830"/>
+              <a:ext cx="502729" cy="572655"/>
+            </a:xfrm>
+            <a:custGeom>
+              <a:avLst/>
+              <a:gdLst>
+                <a:gd name="connsiteX0" fmla="*/ 0 w 547694"/>
+                <a:gd name="connsiteY0" fmla="*/ 0 h 615998"/>
+                <a:gd name="connsiteX1" fmla="*/ 388133 w 547694"/>
+                <a:gd name="connsiteY1" fmla="*/ 0 h 615998"/>
+                <a:gd name="connsiteX2" fmla="*/ 387698 w 547694"/>
+                <a:gd name="connsiteY2" fmla="*/ 3738 h 615998"/>
+                <a:gd name="connsiteX3" fmla="*/ 402227 w 547694"/>
+                <a:gd name="connsiteY3" fmla="*/ 59753 h 615998"/>
+                <a:gd name="connsiteX4" fmla="*/ 480808 w 547694"/>
+                <a:gd name="connsiteY4" fmla="*/ 369316 h 615998"/>
+                <a:gd name="connsiteX5" fmla="*/ 542721 w 547694"/>
+                <a:gd name="connsiteY5" fmla="*/ 609822 h 615998"/>
+                <a:gd name="connsiteX6" fmla="*/ 347458 w 547694"/>
+                <a:gd name="connsiteY6" fmla="*/ 526478 h 615998"/>
+                <a:gd name="connsiteX7" fmla="*/ 145052 w 547694"/>
+                <a:gd name="connsiteY7" fmla="*/ 328835 h 615998"/>
+                <a:gd name="connsiteX8" fmla="*/ 25841 w 547694"/>
+                <a:gd name="connsiteY8" fmla="*/ 69204 h 615998"/>
+              </a:gdLst>
+              <a:ahLst/>
+              <a:cxnLst>
+                <a:cxn ang="0">
+                  <a:pos x="connsiteX0" y="connsiteY0"/>
+                </a:cxn>
+                <a:cxn ang="0">
+                  <a:pos x="connsiteX1" y="connsiteY1"/>
+                </a:cxn>
+                <a:cxn ang="0">
+                  <a:pos x="connsiteX2" y="connsiteY2"/>
+                </a:cxn>
+                <a:cxn ang="0">
+                  <a:pos x="connsiteX3" y="connsiteY3"/>
+                </a:cxn>
+                <a:cxn ang="0">
+                  <a:pos x="connsiteX4" y="connsiteY4"/>
+                </a:cxn>
+                <a:cxn ang="0">
+                  <a:pos x="connsiteX5" y="connsiteY5"/>
+                </a:cxn>
+                <a:cxn ang="0">
+                  <a:pos x="connsiteX6" y="connsiteY6"/>
+                </a:cxn>
+                <a:cxn ang="0">
+                  <a:pos x="connsiteX7" y="connsiteY7"/>
+                </a:cxn>
+                <a:cxn ang="0">
+                  <a:pos x="connsiteX8" y="connsiteY8"/>
+                </a:cxn>
+              </a:cxnLst>
+              <a:rect l="l" t="t" r="r" b="b"/>
+              <a:pathLst>
+                <a:path w="547694" h="615998">
+                  <a:moveTo>
+                    <a:pt x="0" y="0"/>
+                  </a:moveTo>
+                  <a:lnTo>
+                    <a:pt x="388133" y="0"/>
+                  </a:lnTo>
+                  <a:lnTo>
+                    <a:pt x="387698" y="3738"/>
+                  </a:lnTo>
+                  <a:cubicBezTo>
+                    <a:pt x="388659" y="18206"/>
+                    <a:pt x="392702" y="36338"/>
+                    <a:pt x="402227" y="59753"/>
+                  </a:cubicBezTo>
+                  <a:cubicBezTo>
+                    <a:pt x="440327" y="153415"/>
+                    <a:pt x="454614" y="276050"/>
+                    <a:pt x="480808" y="369316"/>
+                  </a:cubicBezTo>
+                  <a:cubicBezTo>
+                    <a:pt x="507002" y="462582"/>
+                    <a:pt x="564946" y="583628"/>
+                    <a:pt x="542721" y="609822"/>
+                  </a:cubicBezTo>
+                  <a:cubicBezTo>
+                    <a:pt x="520496" y="636016"/>
+                    <a:pt x="413736" y="573309"/>
+                    <a:pt x="347458" y="526478"/>
+                  </a:cubicBezTo>
+                  <a:cubicBezTo>
+                    <a:pt x="281180" y="479647"/>
+                    <a:pt x="203392" y="417735"/>
+                    <a:pt x="145052" y="328835"/>
+                  </a:cubicBezTo>
+                  <a:cubicBezTo>
+                    <a:pt x="101297" y="262160"/>
+                    <a:pt x="58211" y="154855"/>
+                    <a:pt x="25841" y="69204"/>
+                  </a:cubicBezTo>
+                  <a:close/>
+                </a:path>
+              </a:pathLst>
+            </a:custGeom>
+            <a:solidFill>
+              <a:srgbClr val="F3B080"/>
+            </a:solidFill>
+            <a:ln>
+              <a:noFill/>
+            </a:ln>
+          </p:spPr>
+          <p:style>
+            <a:lnRef idx="2">
+              <a:schemeClr val="accent1">
+                <a:shade val="50000"/>
+              </a:schemeClr>
+            </a:lnRef>
+            <a:fillRef idx="1">
+              <a:schemeClr val="accent1"/>
+            </a:fillRef>
+            <a:effectRef idx="0">
+              <a:schemeClr val="accent1"/>
+            </a:effectRef>
+            <a:fontRef idx="minor">
+              <a:schemeClr val="lt1"/>
+            </a:fontRef>
+          </p:style>
+          <p:txBody>
+            <a:bodyPr wrap="square" rtlCol="0" anchor="ctr">
+              <a:noAutofit/>
+            </a:bodyPr>
+            <a:lstStyle/>
+            <a:p>
+              <a:pPr algn="ctr"/>
+              <a:endParaRPr lang="ko-KR" altLang="en-US">
+                <a:solidFill>
+                  <a:prstClr val="white"/>
+                </a:solidFill>
+              </a:endParaRPr>
+            </a:p>
+          </p:txBody>
+        </p:sp>
+        <p:sp>
+          <p:nvSpPr>
+            <p:cNvPr id="15" name="직각 삼각형 14">
+              <a:extLst>
+                <a:ext uri="{FF2B5EF4-FFF2-40B4-BE49-F238E27FC236}">
+                  <a16:creationId xmlns:a16="http://schemas.microsoft.com/office/drawing/2014/main" id="{F9849F7F-968F-81FE-0D79-47328AC6E3D4}"/>
+                </a:ext>
+              </a:extLst>
+            </p:cNvPr>
+            <p:cNvSpPr/>
+            <p:nvPr/>
+          </p:nvSpPr>
+          <p:spPr>
+            <a:xfrm rot="10800000" flipV="1">
+              <a:off x="301984" y="5528951"/>
+              <a:ext cx="116363" cy="200949"/>
+            </a:xfrm>
+            <a:prstGeom prst="rtTriangle">
+              <a:avLst/>
+            </a:prstGeom>
+            <a:solidFill>
+              <a:srgbClr val="F3B080"/>
+            </a:solidFill>
+            <a:ln>
+              <a:noFill/>
+            </a:ln>
+          </p:spPr>
+          <p:style>
+            <a:lnRef idx="2">
+              <a:schemeClr val="accent1">
+                <a:shade val="50000"/>
+              </a:schemeClr>
+            </a:lnRef>
+            <a:fillRef idx="1">
+              <a:schemeClr val="accent1"/>
+            </a:fillRef>
+            <a:effectRef idx="0">
+              <a:schemeClr val="accent1"/>
+            </a:effectRef>
+            <a:fontRef idx="minor">
+              <a:schemeClr val="lt1"/>
+            </a:fontRef>
+          </p:style>
+          <p:txBody>
+            <a:bodyPr rtlCol="0" anchor="ctr"/>
+            <a:lstStyle/>
+            <a:p>
+              <a:pPr algn="ctr"/>
+              <a:endParaRPr lang="ko-KR" altLang="en-US">
+                <a:solidFill>
+                  <a:prstClr val="white"/>
+                </a:solidFill>
+              </a:endParaRPr>
+            </a:p>
+          </p:txBody>
+        </p:sp>
+        <p:sp>
+          <p:nvSpPr>
+            <p:cNvPr id="30" name="자유형: 도형 29">
+              <a:extLst>
+                <a:ext uri="{FF2B5EF4-FFF2-40B4-BE49-F238E27FC236}">
+                  <a16:creationId xmlns:a16="http://schemas.microsoft.com/office/drawing/2014/main" id="{651E76FB-F68D-DA35-F6FB-F1FCA269631E}"/>
+                </a:ext>
+              </a:extLst>
+            </p:cNvPr>
+            <p:cNvSpPr/>
+            <p:nvPr/>
+          </p:nvSpPr>
+          <p:spPr>
+            <a:xfrm flipH="1">
+              <a:off x="91175" y="5411118"/>
+              <a:ext cx="1192258" cy="1453488"/>
+            </a:xfrm>
+            <a:custGeom>
+              <a:avLst/>
+              <a:gdLst>
+                <a:gd name="connsiteX0" fmla="*/ 199642 w 1192258"/>
+                <a:gd name="connsiteY0" fmla="*/ 14 h 1453488"/>
+                <a:gd name="connsiteX1" fmla="*/ 121458 w 1192258"/>
+                <a:gd name="connsiteY1" fmla="*/ 2792 h 1453488"/>
+                <a:gd name="connsiteX2" fmla="*/ 51608 w 1192258"/>
+                <a:gd name="connsiteY2" fmla="*/ 28192 h 1453488"/>
+                <a:gd name="connsiteX3" fmla="*/ 7158 w 1192258"/>
+                <a:gd name="connsiteY3" fmla="*/ 117092 h 1453488"/>
+                <a:gd name="connsiteX4" fmla="*/ 13508 w 1192258"/>
+                <a:gd name="connsiteY4" fmla="*/ 231392 h 1453488"/>
+                <a:gd name="connsiteX5" fmla="*/ 134158 w 1192258"/>
+                <a:gd name="connsiteY5" fmla="*/ 358392 h 1453488"/>
+                <a:gd name="connsiteX6" fmla="*/ 343708 w 1192258"/>
+                <a:gd name="connsiteY6" fmla="*/ 402842 h 1453488"/>
+                <a:gd name="connsiteX7" fmla="*/ 496108 w 1192258"/>
+                <a:gd name="connsiteY7" fmla="*/ 447292 h 1453488"/>
+                <a:gd name="connsiteX8" fmla="*/ 559608 w 1192258"/>
+                <a:gd name="connsiteY8" fmla="*/ 510792 h 1453488"/>
+                <a:gd name="connsiteX9" fmla="*/ 591358 w 1192258"/>
+                <a:gd name="connsiteY9" fmla="*/ 625092 h 1453488"/>
+                <a:gd name="connsiteX10" fmla="*/ 616758 w 1192258"/>
+                <a:gd name="connsiteY10" fmla="*/ 821942 h 1453488"/>
+                <a:gd name="connsiteX11" fmla="*/ 673908 w 1192258"/>
+                <a:gd name="connsiteY11" fmla="*/ 1031492 h 1453488"/>
+                <a:gd name="connsiteX12" fmla="*/ 807258 w 1192258"/>
+                <a:gd name="connsiteY12" fmla="*/ 1285492 h 1453488"/>
+                <a:gd name="connsiteX13" fmla="*/ 973846 w 1192258"/>
+                <a:gd name="connsiteY13" fmla="*/ 1413881 h 1453488"/>
+                <a:gd name="connsiteX14" fmla="*/ 1041133 w 1192258"/>
+                <a:gd name="connsiteY14" fmla="*/ 1453488 h 1453488"/>
+                <a:gd name="connsiteX15" fmla="*/ 1182697 w 1192258"/>
+                <a:gd name="connsiteY15" fmla="*/ 1453488 h 1453488"/>
+                <a:gd name="connsiteX16" fmla="*/ 1186956 w 1192258"/>
+                <a:gd name="connsiteY16" fmla="*/ 1416238 h 1453488"/>
+                <a:gd name="connsiteX17" fmla="*/ 1189846 w 1192258"/>
+                <a:gd name="connsiteY17" fmla="*/ 1371217 h 1453488"/>
+                <a:gd name="connsiteX18" fmla="*/ 1169208 w 1192258"/>
+                <a:gd name="connsiteY18" fmla="*/ 1158492 h 1453488"/>
+                <a:gd name="connsiteX19" fmla="*/ 1063639 w 1192258"/>
+                <a:gd name="connsiteY19" fmla="*/ 459992 h 1453488"/>
+                <a:gd name="connsiteX20" fmla="*/ 849327 w 1192258"/>
+                <a:gd name="connsiteY20" fmla="*/ 179004 h 1453488"/>
+                <a:gd name="connsiteX21" fmla="*/ 721533 w 1192258"/>
+                <a:gd name="connsiteY21" fmla="*/ 74228 h 1453488"/>
+                <a:gd name="connsiteX22" fmla="*/ 597708 w 1192258"/>
+                <a:gd name="connsiteY22" fmla="*/ 21842 h 1453488"/>
+                <a:gd name="connsiteX23" fmla="*/ 305608 w 1192258"/>
+                <a:gd name="connsiteY23" fmla="*/ 2792 h 1453488"/>
+                <a:gd name="connsiteX24" fmla="*/ 199642 w 1192258"/>
+                <a:gd name="connsiteY24" fmla="*/ 14 h 1453488"/>
+              </a:gdLst>
+              <a:ahLst/>
+              <a:cxnLst>
+                <a:cxn ang="0">
+                  <a:pos x="connsiteX0" y="connsiteY0"/>
+                </a:cxn>
+                <a:cxn ang="0">
+                  <a:pos x="connsiteX1" y="connsiteY1"/>
+                </a:cxn>
+                <a:cxn ang="0">
+                  <a:pos x="connsiteX2" y="connsiteY2"/>
+                </a:cxn>
+                <a:cxn ang="0">
+                  <a:pos x="connsiteX3" y="connsiteY3"/>
+                </a:cxn>
+                <a:cxn ang="0">
+                  <a:pos x="connsiteX4" y="connsiteY4"/>
+                </a:cxn>
+                <a:cxn ang="0">
+                  <a:pos x="connsiteX5" y="connsiteY5"/>
+                </a:cxn>
+                <a:cxn ang="0">
+                  <a:pos x="connsiteX6" y="connsiteY6"/>
+                </a:cxn>
+                <a:cxn ang="0">
+                  <a:pos x="connsiteX7" y="connsiteY7"/>
+                </a:cxn>
+                <a:cxn ang="0">
+                  <a:pos x="connsiteX8" y="connsiteY8"/>
+                </a:cxn>
+                <a:cxn ang="0">
+                  <a:pos x="connsiteX9" y="connsiteY9"/>
+                </a:cxn>
+                <a:cxn ang="0">
+                  <a:pos x="connsiteX10" y="connsiteY10"/>
+                </a:cxn>
+                <a:cxn ang="0">
+                  <a:pos x="connsiteX11" y="connsiteY11"/>
+                </a:cxn>
+                <a:cxn ang="0">
+                  <a:pos x="connsiteX12" y="connsiteY12"/>
+                </a:cxn>
+                <a:cxn ang="0">
+                  <a:pos x="connsiteX13" y="connsiteY13"/>
+                </a:cxn>
+                <a:cxn ang="0">
+                  <a:pos x="connsiteX14" y="connsiteY14"/>
+                </a:cxn>
+                <a:cxn ang="0">
+                  <a:pos x="connsiteX15" y="connsiteY15"/>
+                </a:cxn>
+                <a:cxn ang="0">
+                  <a:pos x="connsiteX16" y="connsiteY16"/>
+                </a:cxn>
+                <a:cxn ang="0">
+                  <a:pos x="connsiteX17" y="connsiteY17"/>
+                </a:cxn>
+                <a:cxn ang="0">
+                  <a:pos x="connsiteX18" y="connsiteY18"/>
+                </a:cxn>
+                <a:cxn ang="0">
+                  <a:pos x="connsiteX19" y="connsiteY19"/>
+                </a:cxn>
+                <a:cxn ang="0">
+                  <a:pos x="connsiteX20" y="connsiteY20"/>
+                </a:cxn>
+                <a:cxn ang="0">
+                  <a:pos x="connsiteX21" y="connsiteY21"/>
+                </a:cxn>
+                <a:cxn ang="0">
+                  <a:pos x="connsiteX22" y="connsiteY22"/>
+                </a:cxn>
+                <a:cxn ang="0">
+                  <a:pos x="connsiteX23" y="connsiteY23"/>
+                </a:cxn>
+                <a:cxn ang="0">
+                  <a:pos x="connsiteX24" y="connsiteY24"/>
+                </a:cxn>
+              </a:cxnLst>
+              <a:rect l="l" t="t" r="r" b="b"/>
+              <a:pathLst>
+                <a:path w="1192258" h="1453488">
+                  <a:moveTo>
+                    <a:pt x="199642" y="14"/>
+                  </a:moveTo>
+                  <a:cubicBezTo>
+                    <a:pt x="168818" y="-118"/>
+                    <a:pt x="142625" y="676"/>
+                    <a:pt x="121458" y="2792"/>
+                  </a:cubicBezTo>
+                  <a:cubicBezTo>
+                    <a:pt x="79125" y="7025"/>
+                    <a:pt x="70658" y="9142"/>
+                    <a:pt x="51608" y="28192"/>
+                  </a:cubicBezTo>
+                  <a:cubicBezTo>
+                    <a:pt x="32558" y="47242"/>
+                    <a:pt x="13508" y="83225"/>
+                    <a:pt x="7158" y="117092"/>
+                  </a:cubicBezTo>
+                  <a:cubicBezTo>
+                    <a:pt x="808" y="150959"/>
+                    <a:pt x="-7659" y="191175"/>
+                    <a:pt x="13508" y="231392"/>
+                  </a:cubicBezTo>
+                  <a:cubicBezTo>
+                    <a:pt x="34675" y="271609"/>
+                    <a:pt x="79125" y="329817"/>
+                    <a:pt x="134158" y="358392"/>
+                  </a:cubicBezTo>
+                  <a:cubicBezTo>
+                    <a:pt x="189191" y="386967"/>
+                    <a:pt x="283383" y="388025"/>
+                    <a:pt x="343708" y="402842"/>
+                  </a:cubicBezTo>
+                  <a:cubicBezTo>
+                    <a:pt x="404033" y="417659"/>
+                    <a:pt x="460125" y="429300"/>
+                    <a:pt x="496108" y="447292"/>
+                  </a:cubicBezTo>
+                  <a:cubicBezTo>
+                    <a:pt x="532091" y="465284"/>
+                    <a:pt x="543733" y="481159"/>
+                    <a:pt x="559608" y="510792"/>
+                  </a:cubicBezTo>
+                  <a:cubicBezTo>
+                    <a:pt x="575483" y="540425"/>
+                    <a:pt x="581833" y="573234"/>
+                    <a:pt x="591358" y="625092"/>
+                  </a:cubicBezTo>
+                  <a:cubicBezTo>
+                    <a:pt x="600883" y="676950"/>
+                    <a:pt x="603000" y="754209"/>
+                    <a:pt x="616758" y="821942"/>
+                  </a:cubicBezTo>
+                  <a:cubicBezTo>
+                    <a:pt x="630516" y="889675"/>
+                    <a:pt x="642158" y="954234"/>
+                    <a:pt x="673908" y="1031492"/>
+                  </a:cubicBezTo>
+                  <a:cubicBezTo>
+                    <a:pt x="705658" y="1108750"/>
+                    <a:pt x="731058" y="1208234"/>
+                    <a:pt x="807258" y="1285492"/>
+                  </a:cubicBezTo>
+                  <a:cubicBezTo>
+                    <a:pt x="845358" y="1324121"/>
+                    <a:pt x="910379" y="1372937"/>
+                    <a:pt x="973846" y="1413881"/>
+                  </a:cubicBezTo>
+                  <a:lnTo>
+                    <a:pt x="1041133" y="1453488"/>
+                  </a:lnTo>
+                  <a:lnTo>
+                    <a:pt x="1182697" y="1453488"/>
+                  </a:lnTo>
+                  <a:lnTo>
+                    <a:pt x="1186956" y="1416238"/>
+                  </a:lnTo>
+                  <a:cubicBezTo>
+                    <a:pt x="1187779" y="1400884"/>
+                    <a:pt x="1188258" y="1385240"/>
+                    <a:pt x="1189846" y="1371217"/>
+                  </a:cubicBezTo>
+                  <a:cubicBezTo>
+                    <a:pt x="1196196" y="1315125"/>
+                    <a:pt x="1190242" y="1310363"/>
+                    <a:pt x="1169208" y="1158492"/>
+                  </a:cubicBezTo>
+                  <a:cubicBezTo>
+                    <a:pt x="1148174" y="1006621"/>
+                    <a:pt x="1116952" y="623240"/>
+                    <a:pt x="1063639" y="459992"/>
+                  </a:cubicBezTo>
+                  <a:cubicBezTo>
+                    <a:pt x="1010326" y="296744"/>
+                    <a:pt x="906345" y="243298"/>
+                    <a:pt x="849327" y="179004"/>
+                  </a:cubicBezTo>
+                  <a:cubicBezTo>
+                    <a:pt x="792309" y="114710"/>
+                    <a:pt x="763469" y="100422"/>
+                    <a:pt x="721533" y="74228"/>
+                  </a:cubicBezTo>
+                  <a:cubicBezTo>
+                    <a:pt x="679597" y="48034"/>
+                    <a:pt x="667029" y="33748"/>
+                    <a:pt x="597708" y="21842"/>
+                  </a:cubicBezTo>
+                  <a:cubicBezTo>
+                    <a:pt x="528387" y="9936"/>
+                    <a:pt x="384983" y="5967"/>
+                    <a:pt x="305608" y="2792"/>
+                  </a:cubicBezTo>
+                  <a:cubicBezTo>
+                    <a:pt x="265921" y="1205"/>
+                    <a:pt x="230466" y="147"/>
+                    <a:pt x="199642" y="14"/>
+                  </a:cubicBezTo>
+                  <a:close/>
+                </a:path>
+              </a:pathLst>
+            </a:custGeom>
+            <a:solidFill>
+              <a:srgbClr val="F6CBA8"/>
+            </a:solidFill>
+            <a:ln>
+              <a:noFill/>
+            </a:ln>
+          </p:spPr>
+          <p:style>
+            <a:lnRef idx="2">
+              <a:schemeClr val="accent1">
+                <a:shade val="50000"/>
+              </a:schemeClr>
+            </a:lnRef>
+            <a:fillRef idx="1">
+              <a:schemeClr val="accent1"/>
+            </a:fillRef>
+            <a:effectRef idx="0">
+              <a:schemeClr val="accent1"/>
+            </a:effectRef>
+            <a:fontRef idx="minor">
+              <a:schemeClr val="lt1"/>
+            </a:fontRef>
+          </p:style>
+          <p:txBody>
+            <a:bodyPr wrap="square" rtlCol="0" anchor="ctr">
+              <a:noAutofit/>
+            </a:bodyPr>
+            <a:lstStyle/>
+            <a:p>
+              <a:pPr algn="ctr"/>
+              <a:endParaRPr lang="ko-KR" altLang="en-US">
+                <a:solidFill>
+                  <a:prstClr val="white"/>
+                </a:solidFill>
+              </a:endParaRPr>
+            </a:p>
+          </p:txBody>
+        </p:sp>
+      </p:grpSp>
+      <p:grpSp>
+        <p:nvGrpSpPr>
+          <p:cNvPr id="33" name="그룹 32">
+            <a:extLst>
+              <a:ext uri="{FF2B5EF4-FFF2-40B4-BE49-F238E27FC236}">
+                <a16:creationId xmlns:a16="http://schemas.microsoft.com/office/drawing/2014/main" id="{3D783B5F-9E76-D3C0-6628-68872360C69F}"/>
+              </a:ext>
+            </a:extLst>
+          </p:cNvPr>
+          <p:cNvGrpSpPr/>
+          <p:nvPr/>
+        </p:nvGrpSpPr>
+        <p:grpSpPr>
+          <a:xfrm flipH="1">
+            <a:off x="10951709" y="5411118"/>
+            <a:ext cx="1192258" cy="1453488"/>
+            <a:chOff x="91175" y="5411118"/>
+            <a:chExt cx="1192258" cy="1453488"/>
+          </a:xfrm>
+        </p:grpSpPr>
+        <p:sp>
+          <p:nvSpPr>
+            <p:cNvPr id="34" name="자유형: 도형 33">
+              <a:extLst>
+                <a:ext uri="{FF2B5EF4-FFF2-40B4-BE49-F238E27FC236}">
+                  <a16:creationId xmlns:a16="http://schemas.microsoft.com/office/drawing/2014/main" id="{176C3540-C22C-F089-F791-42115230F119}"/>
+                </a:ext>
+              </a:extLst>
+            </p:cNvPr>
+            <p:cNvSpPr/>
+            <p:nvPr/>
+          </p:nvSpPr>
+          <p:spPr>
+            <a:xfrm flipH="1">
+              <a:off x="235460" y="6269830"/>
+              <a:ext cx="517295" cy="572656"/>
+            </a:xfrm>
+            <a:custGeom>
+              <a:avLst/>
+              <a:gdLst>
+                <a:gd name="connsiteX0" fmla="*/ 0 w 547694"/>
+                <a:gd name="connsiteY0" fmla="*/ 0 h 615998"/>
+                <a:gd name="connsiteX1" fmla="*/ 388133 w 547694"/>
+                <a:gd name="connsiteY1" fmla="*/ 0 h 615998"/>
+                <a:gd name="connsiteX2" fmla="*/ 387698 w 547694"/>
+                <a:gd name="connsiteY2" fmla="*/ 3738 h 615998"/>
+                <a:gd name="connsiteX3" fmla="*/ 402227 w 547694"/>
+                <a:gd name="connsiteY3" fmla="*/ 59753 h 615998"/>
+                <a:gd name="connsiteX4" fmla="*/ 480808 w 547694"/>
+                <a:gd name="connsiteY4" fmla="*/ 369316 h 615998"/>
+                <a:gd name="connsiteX5" fmla="*/ 542721 w 547694"/>
+                <a:gd name="connsiteY5" fmla="*/ 609822 h 615998"/>
+                <a:gd name="connsiteX6" fmla="*/ 347458 w 547694"/>
+                <a:gd name="connsiteY6" fmla="*/ 526478 h 615998"/>
+                <a:gd name="connsiteX7" fmla="*/ 145052 w 547694"/>
+                <a:gd name="connsiteY7" fmla="*/ 328835 h 615998"/>
+                <a:gd name="connsiteX8" fmla="*/ 25841 w 547694"/>
+                <a:gd name="connsiteY8" fmla="*/ 69204 h 615998"/>
+              </a:gdLst>
+              <a:ahLst/>
+              <a:cxnLst>
+                <a:cxn ang="0">
+                  <a:pos x="connsiteX0" y="connsiteY0"/>
+                </a:cxn>
+                <a:cxn ang="0">
+                  <a:pos x="connsiteX1" y="connsiteY1"/>
+                </a:cxn>
+                <a:cxn ang="0">
+                  <a:pos x="connsiteX2" y="connsiteY2"/>
+                </a:cxn>
+                <a:cxn ang="0">
+                  <a:pos x="connsiteX3" y="connsiteY3"/>
+                </a:cxn>
+                <a:cxn ang="0">
+                  <a:pos x="connsiteX4" y="connsiteY4"/>
+                </a:cxn>
+                <a:cxn ang="0">
+                  <a:pos x="connsiteX5" y="connsiteY5"/>
+                </a:cxn>
+                <a:cxn ang="0">
+                  <a:pos x="connsiteX6" y="connsiteY6"/>
+                </a:cxn>
+                <a:cxn ang="0">
+                  <a:pos x="connsiteX7" y="connsiteY7"/>
+                </a:cxn>
+                <a:cxn ang="0">
+                  <a:pos x="connsiteX8" y="connsiteY8"/>
+                </a:cxn>
+              </a:cxnLst>
+              <a:rect l="l" t="t" r="r" b="b"/>
+              <a:pathLst>
+                <a:path w="547694" h="615998">
+                  <a:moveTo>
+                    <a:pt x="0" y="0"/>
+                  </a:moveTo>
+                  <a:lnTo>
+                    <a:pt x="388133" y="0"/>
+                  </a:lnTo>
+                  <a:lnTo>
+                    <a:pt x="387698" y="3738"/>
+                  </a:lnTo>
+                  <a:cubicBezTo>
+                    <a:pt x="388659" y="18206"/>
+                    <a:pt x="392702" y="36338"/>
+                    <a:pt x="402227" y="59753"/>
+                  </a:cubicBezTo>
+                  <a:cubicBezTo>
+                    <a:pt x="440327" y="153415"/>
+                    <a:pt x="454614" y="276050"/>
+                    <a:pt x="480808" y="369316"/>
+                  </a:cubicBezTo>
+                  <a:cubicBezTo>
+                    <a:pt x="507002" y="462582"/>
+                    <a:pt x="564946" y="583628"/>
+                    <a:pt x="542721" y="609822"/>
+                  </a:cubicBezTo>
+                  <a:cubicBezTo>
+                    <a:pt x="520496" y="636016"/>
+                    <a:pt x="413736" y="573309"/>
+                    <a:pt x="347458" y="526478"/>
+                  </a:cubicBezTo>
+                  <a:cubicBezTo>
+                    <a:pt x="281180" y="479647"/>
+                    <a:pt x="203392" y="417735"/>
+                    <a:pt x="145052" y="328835"/>
+                  </a:cubicBezTo>
+                  <a:cubicBezTo>
+                    <a:pt x="101297" y="262160"/>
+                    <a:pt x="58211" y="154855"/>
+                    <a:pt x="25841" y="69204"/>
+                  </a:cubicBezTo>
+                  <a:close/>
+                </a:path>
+              </a:pathLst>
+            </a:custGeom>
+            <a:solidFill>
+              <a:srgbClr val="F3B080"/>
+            </a:solidFill>
+            <a:ln>
+              <a:noFill/>
+            </a:ln>
+          </p:spPr>
+          <p:style>
+            <a:lnRef idx="2">
+              <a:schemeClr val="accent1">
+                <a:shade val="50000"/>
+              </a:schemeClr>
+            </a:lnRef>
+            <a:fillRef idx="1">
+              <a:schemeClr val="accent1"/>
+            </a:fillRef>
+            <a:effectRef idx="0">
+              <a:schemeClr val="accent1"/>
+            </a:effectRef>
+            <a:fontRef idx="minor">
+              <a:schemeClr val="lt1"/>
+            </a:fontRef>
+          </p:style>
+          <p:txBody>
+            <a:bodyPr wrap="square" rtlCol="0" anchor="ctr">
+              <a:noAutofit/>
+            </a:bodyPr>
+            <a:lstStyle/>
+            <a:p>
+              <a:pPr algn="ctr"/>
+              <a:endParaRPr lang="ko-KR" altLang="en-US">
+                <a:solidFill>
+                  <a:prstClr val="white"/>
+                </a:solidFill>
+              </a:endParaRPr>
+            </a:p>
+          </p:txBody>
+        </p:sp>
+        <p:sp>
+          <p:nvSpPr>
+            <p:cNvPr id="35" name="직각 삼각형 34">
+              <a:extLst>
+                <a:ext uri="{FF2B5EF4-FFF2-40B4-BE49-F238E27FC236}">
+                  <a16:creationId xmlns:a16="http://schemas.microsoft.com/office/drawing/2014/main" id="{DE91808D-8AA4-3F45-E8D4-0453C09318AD}"/>
+                </a:ext>
+              </a:extLst>
+            </p:cNvPr>
+            <p:cNvSpPr/>
+            <p:nvPr/>
+          </p:nvSpPr>
+          <p:spPr>
+            <a:xfrm rot="10800000" flipV="1">
+              <a:off x="301984" y="5528951"/>
+              <a:ext cx="116363" cy="200949"/>
+            </a:xfrm>
+            <a:prstGeom prst="rtTriangle">
+              <a:avLst/>
+            </a:prstGeom>
+            <a:solidFill>
+              <a:srgbClr val="F3B080"/>
+            </a:solidFill>
+            <a:ln>
+              <a:noFill/>
+            </a:ln>
+          </p:spPr>
+          <p:style>
+            <a:lnRef idx="2">
+              <a:schemeClr val="accent1">
+                <a:shade val="50000"/>
+              </a:schemeClr>
+            </a:lnRef>
+            <a:fillRef idx="1">
+              <a:schemeClr val="accent1"/>
+            </a:fillRef>
+            <a:effectRef idx="0">
+              <a:schemeClr val="accent1"/>
+            </a:effectRef>
+            <a:fontRef idx="minor">
+              <a:schemeClr val="lt1"/>
+            </a:fontRef>
+          </p:style>
+          <p:txBody>
+            <a:bodyPr rtlCol="0" anchor="ctr"/>
+            <a:lstStyle/>
+            <a:p>
+              <a:pPr algn="ctr"/>
+              <a:endParaRPr lang="ko-KR" altLang="en-US">
+                <a:solidFill>
+                  <a:prstClr val="white"/>
+                </a:solidFill>
+              </a:endParaRPr>
+            </a:p>
+          </p:txBody>
+        </p:sp>
+        <p:sp>
+          <p:nvSpPr>
+            <p:cNvPr id="36" name="자유형: 도형 35">
+              <a:extLst>
+                <a:ext uri="{FF2B5EF4-FFF2-40B4-BE49-F238E27FC236}">
+                  <a16:creationId xmlns:a16="http://schemas.microsoft.com/office/drawing/2014/main" id="{B0B6B4A2-B138-B52A-FDD0-54F693C0AF81}"/>
+                </a:ext>
+              </a:extLst>
+            </p:cNvPr>
+            <p:cNvSpPr/>
+            <p:nvPr/>
+          </p:nvSpPr>
+          <p:spPr>
+            <a:xfrm flipH="1">
+              <a:off x="91175" y="5411118"/>
+              <a:ext cx="1192258" cy="1453488"/>
+            </a:xfrm>
+            <a:custGeom>
+              <a:avLst/>
+              <a:gdLst>
+                <a:gd name="connsiteX0" fmla="*/ 199642 w 1192258"/>
+                <a:gd name="connsiteY0" fmla="*/ 14 h 1453488"/>
+                <a:gd name="connsiteX1" fmla="*/ 121458 w 1192258"/>
+                <a:gd name="connsiteY1" fmla="*/ 2792 h 1453488"/>
+                <a:gd name="connsiteX2" fmla="*/ 51608 w 1192258"/>
+                <a:gd name="connsiteY2" fmla="*/ 28192 h 1453488"/>
+                <a:gd name="connsiteX3" fmla="*/ 7158 w 1192258"/>
+                <a:gd name="connsiteY3" fmla="*/ 117092 h 1453488"/>
+                <a:gd name="connsiteX4" fmla="*/ 13508 w 1192258"/>
+                <a:gd name="connsiteY4" fmla="*/ 231392 h 1453488"/>
+                <a:gd name="connsiteX5" fmla="*/ 134158 w 1192258"/>
+                <a:gd name="connsiteY5" fmla="*/ 358392 h 1453488"/>
+                <a:gd name="connsiteX6" fmla="*/ 343708 w 1192258"/>
+                <a:gd name="connsiteY6" fmla="*/ 402842 h 1453488"/>
+                <a:gd name="connsiteX7" fmla="*/ 496108 w 1192258"/>
+                <a:gd name="connsiteY7" fmla="*/ 447292 h 1453488"/>
+                <a:gd name="connsiteX8" fmla="*/ 559608 w 1192258"/>
+                <a:gd name="connsiteY8" fmla="*/ 510792 h 1453488"/>
+                <a:gd name="connsiteX9" fmla="*/ 591358 w 1192258"/>
+                <a:gd name="connsiteY9" fmla="*/ 625092 h 1453488"/>
+                <a:gd name="connsiteX10" fmla="*/ 616758 w 1192258"/>
+                <a:gd name="connsiteY10" fmla="*/ 821942 h 1453488"/>
+                <a:gd name="connsiteX11" fmla="*/ 673908 w 1192258"/>
+                <a:gd name="connsiteY11" fmla="*/ 1031492 h 1453488"/>
+                <a:gd name="connsiteX12" fmla="*/ 807258 w 1192258"/>
+                <a:gd name="connsiteY12" fmla="*/ 1285492 h 1453488"/>
+                <a:gd name="connsiteX13" fmla="*/ 973846 w 1192258"/>
+                <a:gd name="connsiteY13" fmla="*/ 1413881 h 1453488"/>
+                <a:gd name="connsiteX14" fmla="*/ 1041133 w 1192258"/>
+                <a:gd name="connsiteY14" fmla="*/ 1453488 h 1453488"/>
+                <a:gd name="connsiteX15" fmla="*/ 1182697 w 1192258"/>
+                <a:gd name="connsiteY15" fmla="*/ 1453488 h 1453488"/>
+                <a:gd name="connsiteX16" fmla="*/ 1186956 w 1192258"/>
+                <a:gd name="connsiteY16" fmla="*/ 1416238 h 1453488"/>
+                <a:gd name="connsiteX17" fmla="*/ 1189846 w 1192258"/>
+                <a:gd name="connsiteY17" fmla="*/ 1371217 h 1453488"/>
+                <a:gd name="connsiteX18" fmla="*/ 1169208 w 1192258"/>
+                <a:gd name="connsiteY18" fmla="*/ 1158492 h 1453488"/>
+                <a:gd name="connsiteX19" fmla="*/ 1063639 w 1192258"/>
+                <a:gd name="connsiteY19" fmla="*/ 459992 h 1453488"/>
+                <a:gd name="connsiteX20" fmla="*/ 849327 w 1192258"/>
+                <a:gd name="connsiteY20" fmla="*/ 179004 h 1453488"/>
+                <a:gd name="connsiteX21" fmla="*/ 721533 w 1192258"/>
+                <a:gd name="connsiteY21" fmla="*/ 74228 h 1453488"/>
+                <a:gd name="connsiteX22" fmla="*/ 597708 w 1192258"/>
+                <a:gd name="connsiteY22" fmla="*/ 21842 h 1453488"/>
+                <a:gd name="connsiteX23" fmla="*/ 305608 w 1192258"/>
+                <a:gd name="connsiteY23" fmla="*/ 2792 h 1453488"/>
+                <a:gd name="connsiteX24" fmla="*/ 199642 w 1192258"/>
+                <a:gd name="connsiteY24" fmla="*/ 14 h 1453488"/>
+              </a:gdLst>
+              <a:ahLst/>
+              <a:cxnLst>
+                <a:cxn ang="0">
+                  <a:pos x="connsiteX0" y="connsiteY0"/>
+                </a:cxn>
+                <a:cxn ang="0">
+                  <a:pos x="connsiteX1" y="connsiteY1"/>
+                </a:cxn>
+                <a:cxn ang="0">
+                  <a:pos x="connsiteX2" y="connsiteY2"/>
+                </a:cxn>
+                <a:cxn ang="0">
+                  <a:pos x="connsiteX3" y="connsiteY3"/>
+                </a:cxn>
+                <a:cxn ang="0">
+                  <a:pos x="connsiteX4" y="connsiteY4"/>
+                </a:cxn>
+                <a:cxn ang="0">
+                  <a:pos x="connsiteX5" y="connsiteY5"/>
+                </a:cxn>
+                <a:cxn ang="0">
+                  <a:pos x="connsiteX6" y="connsiteY6"/>
+                </a:cxn>
+                <a:cxn ang="0">
+                  <a:pos x="connsiteX7" y="connsiteY7"/>
+                </a:cxn>
+                <a:cxn ang="0">
+                  <a:pos x="connsiteX8" y="connsiteY8"/>
+                </a:cxn>
+                <a:cxn ang="0">
+                  <a:pos x="connsiteX9" y="connsiteY9"/>
+                </a:cxn>
+                <a:cxn ang="0">
+                  <a:pos x="connsiteX10" y="connsiteY10"/>
+                </a:cxn>
+                <a:cxn ang="0">
+                  <a:pos x="connsiteX11" y="connsiteY11"/>
+                </a:cxn>
+                <a:cxn ang="0">
+                  <a:pos x="connsiteX12" y="connsiteY12"/>
+                </a:cxn>
+                <a:cxn ang="0">
+                  <a:pos x="connsiteX13" y="connsiteY13"/>
+                </a:cxn>
+                <a:cxn ang="0">
+                  <a:pos x="connsiteX14" y="connsiteY14"/>
+                </a:cxn>
+                <a:cxn ang="0">
+                  <a:pos x="connsiteX15" y="connsiteY15"/>
+                </a:cxn>
+                <a:cxn ang="0">
+                  <a:pos x="connsiteX16" y="connsiteY16"/>
+                </a:cxn>
+                <a:cxn ang="0">
+                  <a:pos x="connsiteX17" y="connsiteY17"/>
+                </a:cxn>
+                <a:cxn ang="0">
+                  <a:pos x="connsiteX18" y="connsiteY18"/>
+                </a:cxn>
+                <a:cxn ang="0">
+                  <a:pos x="connsiteX19" y="connsiteY19"/>
+                </a:cxn>
+                <a:cxn ang="0">
+                  <a:pos x="connsiteX20" y="connsiteY20"/>
+                </a:cxn>
+                <a:cxn ang="0">
+                  <a:pos x="connsiteX21" y="connsiteY21"/>
+                </a:cxn>
+                <a:cxn ang="0">
+                  <a:pos x="connsiteX22" y="connsiteY22"/>
+                </a:cxn>
+                <a:cxn ang="0">
+                  <a:pos x="connsiteX23" y="connsiteY23"/>
+                </a:cxn>
+                <a:cxn ang="0">
+                  <a:pos x="connsiteX24" y="connsiteY24"/>
+                </a:cxn>
+              </a:cxnLst>
+              <a:rect l="l" t="t" r="r" b="b"/>
+              <a:pathLst>
+                <a:path w="1192258" h="1453488">
+                  <a:moveTo>
+                    <a:pt x="199642" y="14"/>
+                  </a:moveTo>
+                  <a:cubicBezTo>
+                    <a:pt x="168818" y="-118"/>
+                    <a:pt x="142625" y="676"/>
+                    <a:pt x="121458" y="2792"/>
+                  </a:cubicBezTo>
+                  <a:cubicBezTo>
+                    <a:pt x="79125" y="7025"/>
+                    <a:pt x="70658" y="9142"/>
+                    <a:pt x="51608" y="28192"/>
+                  </a:cubicBezTo>
+                  <a:cubicBezTo>
+                    <a:pt x="32558" y="47242"/>
+                    <a:pt x="13508" y="83225"/>
+                    <a:pt x="7158" y="117092"/>
+                  </a:cubicBezTo>
+                  <a:cubicBezTo>
+                    <a:pt x="808" y="150959"/>
+                    <a:pt x="-7659" y="191175"/>
+                    <a:pt x="13508" y="231392"/>
+                  </a:cubicBezTo>
+                  <a:cubicBezTo>
+                    <a:pt x="34675" y="271609"/>
+                    <a:pt x="79125" y="329817"/>
+                    <a:pt x="134158" y="358392"/>
+                  </a:cubicBezTo>
+                  <a:cubicBezTo>
+                    <a:pt x="189191" y="386967"/>
+                    <a:pt x="283383" y="388025"/>
+                    <a:pt x="343708" y="402842"/>
+                  </a:cubicBezTo>
+                  <a:cubicBezTo>
+                    <a:pt x="404033" y="417659"/>
+                    <a:pt x="460125" y="429300"/>
+                    <a:pt x="496108" y="447292"/>
+                  </a:cubicBezTo>
+                  <a:cubicBezTo>
+                    <a:pt x="532091" y="465284"/>
+                    <a:pt x="543733" y="481159"/>
+                    <a:pt x="559608" y="510792"/>
+                  </a:cubicBezTo>
+                  <a:cubicBezTo>
+                    <a:pt x="575483" y="540425"/>
+                    <a:pt x="581833" y="573234"/>
+                    <a:pt x="591358" y="625092"/>
+                  </a:cubicBezTo>
+                  <a:cubicBezTo>
+                    <a:pt x="600883" y="676950"/>
+                    <a:pt x="603000" y="754209"/>
+                    <a:pt x="616758" y="821942"/>
+                  </a:cubicBezTo>
+                  <a:cubicBezTo>
+                    <a:pt x="630516" y="889675"/>
+                    <a:pt x="642158" y="954234"/>
+                    <a:pt x="673908" y="1031492"/>
+                  </a:cubicBezTo>
+                  <a:cubicBezTo>
+                    <a:pt x="705658" y="1108750"/>
+                    <a:pt x="731058" y="1208234"/>
+                    <a:pt x="807258" y="1285492"/>
+                  </a:cubicBezTo>
+                  <a:cubicBezTo>
+                    <a:pt x="845358" y="1324121"/>
+                    <a:pt x="910379" y="1372937"/>
+                    <a:pt x="973846" y="1413881"/>
+                  </a:cubicBezTo>
+                  <a:lnTo>
+                    <a:pt x="1041133" y="1453488"/>
+                  </a:lnTo>
+                  <a:lnTo>
+                    <a:pt x="1182697" y="1453488"/>
+                  </a:lnTo>
+                  <a:lnTo>
+                    <a:pt x="1186956" y="1416238"/>
+                  </a:lnTo>
+                  <a:cubicBezTo>
+                    <a:pt x="1187779" y="1400884"/>
+                    <a:pt x="1188258" y="1385240"/>
+                    <a:pt x="1189846" y="1371217"/>
+                  </a:cubicBezTo>
+                  <a:cubicBezTo>
+                    <a:pt x="1196196" y="1315125"/>
+                    <a:pt x="1190242" y="1310363"/>
+                    <a:pt x="1169208" y="1158492"/>
+                  </a:cubicBezTo>
+                  <a:cubicBezTo>
+                    <a:pt x="1148174" y="1006621"/>
+                    <a:pt x="1116952" y="623240"/>
+                    <a:pt x="1063639" y="459992"/>
+                  </a:cubicBezTo>
+                  <a:cubicBezTo>
+                    <a:pt x="1010326" y="296744"/>
+                    <a:pt x="906345" y="243298"/>
+                    <a:pt x="849327" y="179004"/>
+                  </a:cubicBezTo>
+                  <a:cubicBezTo>
+                    <a:pt x="792309" y="114710"/>
+                    <a:pt x="763469" y="100422"/>
+                    <a:pt x="721533" y="74228"/>
+                  </a:cubicBezTo>
+                  <a:cubicBezTo>
+                    <a:pt x="679597" y="48034"/>
+                    <a:pt x="667029" y="33748"/>
+                    <a:pt x="597708" y="21842"/>
+                  </a:cubicBezTo>
+                  <a:cubicBezTo>
+                    <a:pt x="528387" y="9936"/>
+                    <a:pt x="384983" y="5967"/>
+                    <a:pt x="305608" y="2792"/>
+                  </a:cubicBezTo>
+                  <a:cubicBezTo>
+                    <a:pt x="265921" y="1205"/>
+                    <a:pt x="230466" y="147"/>
+                    <a:pt x="199642" y="14"/>
+                  </a:cubicBezTo>
+                  <a:close/>
+                </a:path>
+              </a:pathLst>
+            </a:custGeom>
+            <a:solidFill>
+              <a:srgbClr val="F6CBA8"/>
+            </a:solidFill>
+            <a:ln>
+              <a:noFill/>
+            </a:ln>
+          </p:spPr>
+          <p:style>
+            <a:lnRef idx="2">
+              <a:schemeClr val="accent1">
+                <a:shade val="50000"/>
+              </a:schemeClr>
+            </a:lnRef>
+            <a:fillRef idx="1">
+              <a:schemeClr val="accent1"/>
+            </a:fillRef>
+            <a:effectRef idx="0">
+              <a:schemeClr val="accent1"/>
+            </a:effectRef>
+            <a:fontRef idx="minor">
+              <a:schemeClr val="lt1"/>
+            </a:fontRef>
+          </p:style>
+          <p:txBody>
+            <a:bodyPr wrap="square" rtlCol="0" anchor="ctr">
+              <a:noAutofit/>
+            </a:bodyPr>
+            <a:lstStyle/>
+            <a:p>
+              <a:pPr algn="ctr"/>
+              <a:endParaRPr lang="ko-KR" altLang="en-US">
+                <a:solidFill>
+                  <a:prstClr val="white"/>
+                </a:solidFill>
+              </a:endParaRPr>
+            </a:p>
+          </p:txBody>
+        </p:sp>
+      </p:grpSp>
+      <p:sp>
+        <p:nvSpPr>
+          <p:cNvPr id="3" name="Rectangle 1"/>
+          <p:cNvSpPr>
+            <a:spLocks noChangeArrowheads="1"/>
+          </p:cNvSpPr>
+          <p:nvPr/>
+        </p:nvSpPr>
+        <p:spPr bwMode="auto">
+          <a:xfrm>
+            <a:off x="3408363" y="3424238"/>
+            <a:ext cx="12192000" cy="457200"/>
+          </a:xfrm>
+          <a:prstGeom prst="rect">
+            <a:avLst/>
+          </a:prstGeom>
+          <a:noFill/>
+          <a:ln>
+            <a:noFill/>
+          </a:ln>
+          <a:effectLst/>
+          <a:extLst>
+            <a:ext uri="{909E8E84-426E-40DD-AFC4-6F175D3DCCD1}">
+              <a14:hiddenFill xmlns:a14="http://schemas.microsoft.com/office/drawing/2010/main">
+                <a:solidFill>
+                  <a:schemeClr val="accent1"/>
+                </a:solidFill>
+              </a14:hiddenFill>
+            </a:ext>
+            <a:ext uri="{91240B29-F687-4F45-9708-019B960494DF}">
+              <a14:hiddenLine xmlns:a14="http://schemas.microsoft.com/office/drawing/2010/main" w="9525">
+                <a:solidFill>
+                  <a:schemeClr val="tx1"/>
+                </a:solidFill>
+                <a:miter lim="800000"/>
+                <a:headEnd/>
+                <a:tailEnd/>
+              </a14:hiddenLine>
+            </a:ext>
+            <a:ext uri="{AF507438-7753-43E0-B8FC-AC1667EBCBE1}">
+              <a14:hiddenEffects xmlns:a14="http://schemas.microsoft.com/office/drawing/2010/main">
+                <a:effectLst>
+                  <a:outerShdw dist="35921" dir="2700000" algn="ctr" rotWithShape="0">
+                    <a:schemeClr val="bg2"/>
+                  </a:outerShdw>
+                </a:effectLst>
+              </a14:hiddenEffects>
+            </a:ext>
+          </a:extLst>
+        </p:spPr>
+        <p:txBody>
+          <a:bodyPr vert="horz" wrap="none" lIns="91440" tIns="45720" rIns="91440" bIns="45720" numCol="1" anchor="ctr" anchorCtr="0" compatLnSpc="1">
+            <a:prstTxWarp prst="textNoShape">
+              <a:avLst/>
+            </a:prstTxWarp>
+            <a:spAutoFit/>
+          </a:bodyPr>
+          <a:lstStyle/>
+          <a:p>
+            <a:endParaRPr lang="ko-KR" altLang="en-US"/>
+          </a:p>
+        </p:txBody>
+      </p:sp>
+      <p:sp>
+        <p:nvSpPr>
+          <p:cNvPr id="7" name="Rectangle 1"/>
+          <p:cNvSpPr>
+            <a:spLocks noChangeArrowheads="1"/>
+          </p:cNvSpPr>
+          <p:nvPr/>
+        </p:nvSpPr>
+        <p:spPr bwMode="auto">
+          <a:xfrm>
+            <a:off x="3367088" y="2606675"/>
+            <a:ext cx="12192000" cy="457200"/>
+          </a:xfrm>
+          <a:prstGeom prst="rect">
+            <a:avLst/>
+          </a:prstGeom>
+          <a:noFill/>
+          <a:ln>
+            <a:noFill/>
+          </a:ln>
+          <a:effectLst/>
+          <a:extLst>
+            <a:ext uri="{909E8E84-426E-40DD-AFC4-6F175D3DCCD1}">
+              <a14:hiddenFill xmlns:a14="http://schemas.microsoft.com/office/drawing/2010/main">
+                <a:solidFill>
+                  <a:schemeClr val="accent1"/>
+                </a:solidFill>
+              </a14:hiddenFill>
+            </a:ext>
+            <a:ext uri="{91240B29-F687-4F45-9708-019B960494DF}">
+              <a14:hiddenLine xmlns:a14="http://schemas.microsoft.com/office/drawing/2010/main" w="9525">
+                <a:solidFill>
+                  <a:schemeClr val="tx1"/>
+                </a:solidFill>
+                <a:miter lim="800000"/>
+                <a:headEnd/>
+                <a:tailEnd/>
+              </a14:hiddenLine>
+            </a:ext>
+            <a:ext uri="{AF507438-7753-43E0-B8FC-AC1667EBCBE1}">
+              <a14:hiddenEffects xmlns:a14="http://schemas.microsoft.com/office/drawing/2010/main">
+                <a:effectLst>
+                  <a:outerShdw dist="35921" dir="2700000" algn="ctr" rotWithShape="0">
+                    <a:schemeClr val="bg2"/>
+                  </a:outerShdw>
+                </a:effectLst>
+              </a14:hiddenEffects>
+            </a:ext>
+          </a:extLst>
+        </p:spPr>
+        <p:txBody>
+          <a:bodyPr vert="horz" wrap="none" lIns="91440" tIns="45720" rIns="91440" bIns="45720" numCol="1" anchor="ctr" anchorCtr="0" compatLnSpc="1">
+            <a:prstTxWarp prst="textNoShape">
+              <a:avLst/>
+            </a:prstTxWarp>
+            <a:spAutoFit/>
+          </a:bodyPr>
+          <a:lstStyle/>
+          <a:p>
+            <a:endParaRPr lang="ko-KR" altLang="en-US"/>
+          </a:p>
+        </p:txBody>
+      </p:sp>
+      <p:sp>
+        <p:nvSpPr>
+          <p:cNvPr id="2" name="직사각형 1"/>
+          <p:cNvSpPr/>
+          <p:nvPr/>
+        </p:nvSpPr>
+        <p:spPr>
+          <a:xfrm>
+            <a:off x="4339862" y="2568812"/>
+            <a:ext cx="3836335" cy="938719"/>
+          </a:xfrm>
+          <a:prstGeom prst="rect">
+            <a:avLst/>
+          </a:prstGeom>
+        </p:spPr>
+        <p:txBody>
+          <a:bodyPr wrap="square">
+            <a:spAutoFit/>
+          </a:bodyPr>
+          <a:lstStyle/>
+          <a:p>
+            <a:pPr algn="ctr">
+              <a:defRPr/>
+            </a:pPr>
+            <a:r>
+              <a:rPr lang="en-US" altLang="ko-KR" sz="5500" i="1" kern="0" dirty="0" smtClean="0">
+                <a:ln w="9525">
+                  <a:noFill/>
+                </a:ln>
+                <a:solidFill>
+                  <a:prstClr val="black">
+                    <a:lumMod val="75000"/>
+                    <a:lumOff val="25000"/>
+                  </a:prstClr>
+                </a:solidFill>
+                <a:latin typeface="Tmon몬소리 Black" panose="02000A03000000000000" pitchFamily="2" charset="-127"/>
+                <a:ea typeface="Tmon몬소리 Black" panose="02000A03000000000000" pitchFamily="2" charset="-127"/>
+              </a:rPr>
+              <a:t>Q n A </a:t>
+            </a:r>
+            <a:endParaRPr lang="en-US" altLang="ko-KR" sz="5500" i="1" kern="0" dirty="0">
+              <a:ln w="9525">
+                <a:noFill/>
+              </a:ln>
+              <a:solidFill>
+                <a:prstClr val="black">
+                  <a:lumMod val="75000"/>
+                  <a:lumOff val="25000"/>
+                </a:prstClr>
+              </a:solidFill>
+              <a:latin typeface="Tmon몬소리 Black" panose="02000A03000000000000" pitchFamily="2" charset="-127"/>
+              <a:ea typeface="Tmon몬소리 Black" panose="02000A03000000000000" pitchFamily="2" charset="-127"/>
+            </a:endParaRPr>
+          </a:p>
+        </p:txBody>
+      </p:sp>
+    </p:spTree>
+    <p:extLst>
+      <p:ext uri="{BB962C8B-B14F-4D97-AF65-F5344CB8AC3E}">
+        <p14:creationId xmlns:p14="http://schemas.microsoft.com/office/powerpoint/2010/main" val="1799971757"/>
+      </p:ext>
+    </p:extLst>
+  </p:cSld>
+  <p:clrMapOvr>
+    <a:masterClrMapping/>
+  </p:clrMapOvr>
+  <p:timing>
+    <p:tnLst>
+      <p:par>
+        <p:cTn id="1" dur="indefinite" restart="never" nodeType="tmRoot"/>
+      </p:par>
+    </p:tnLst>
+  </p:timing>
+</p:sld>
+</file>
+
+<file path=ppt/slides/slide11.xml><?xml version="1.0" encoding="utf-8"?>
+<p:sld xmlns:a="http://schemas.openxmlformats.org/drawingml/2006/main" xmlns:r="http://schemas.openxmlformats.org/officeDocument/2006/relationships" xmlns:p="http://schemas.openxmlformats.org/presentationml/2006/main">
+  <p:cSld>
+    <p:bg>
+      <p:bgPr>
+        <a:solidFill>
+          <a:schemeClr val="bg1">
+            <a:lumMod val="95000"/>
+          </a:schemeClr>
+        </a:solidFill>
+        <a:effectLst/>
+      </p:bgPr>
+    </p:bg>
+    <p:spTree>
+      <p:nvGrpSpPr>
+        <p:cNvPr id="1" name=""/>
+        <p:cNvGrpSpPr/>
+        <p:nvPr/>
+      </p:nvGrpSpPr>
+      <p:grpSpPr>
+        <a:xfrm>
+          <a:off x="0" y="0"/>
+          <a:ext cx="0" cy="0"/>
+          <a:chOff x="0" y="0"/>
+          <a:chExt cx="0" cy="0"/>
+        </a:xfrm>
+      </p:grpSpPr>
+      <p:sp>
+        <p:nvSpPr>
+          <p:cNvPr id="32" name="자유형: 도형 31">
+            <a:extLst>
+              <a:ext uri="{FF2B5EF4-FFF2-40B4-BE49-F238E27FC236}">
+                <a16:creationId xmlns:a16="http://schemas.microsoft.com/office/drawing/2014/main" id="{CFC1EEC6-0019-5687-83EA-CE49D849B703}"/>
+              </a:ext>
+            </a:extLst>
+          </p:cNvPr>
+          <p:cNvSpPr/>
+          <p:nvPr/>
+        </p:nvSpPr>
+        <p:spPr>
+          <a:xfrm>
+            <a:off x="10089470" y="4618890"/>
+            <a:ext cx="2145671" cy="2239110"/>
+          </a:xfrm>
+          <a:custGeom>
+            <a:avLst/>
+            <a:gdLst>
+              <a:gd name="connsiteX0" fmla="*/ 1437086 w 2145671"/>
+              <a:gd name="connsiteY0" fmla="*/ 0 h 2239110"/>
+              <a:gd name="connsiteX1" fmla="*/ 1318976 w 2145671"/>
+              <a:gd name="connsiteY1" fmla="*/ 45720 h 2239110"/>
+              <a:gd name="connsiteX2" fmla="*/ 892256 w 2145671"/>
+              <a:gd name="connsiteY2" fmla="*/ 411480 h 2239110"/>
+              <a:gd name="connsiteX3" fmla="*/ 633176 w 2145671"/>
+              <a:gd name="connsiteY3" fmla="*/ 800100 h 2239110"/>
+              <a:gd name="connsiteX4" fmla="*/ 526496 w 2145671"/>
+              <a:gd name="connsiteY4" fmla="*/ 876300 h 2239110"/>
+              <a:gd name="connsiteX5" fmla="*/ 236936 w 2145671"/>
+              <a:gd name="connsiteY5" fmla="*/ 929640 h 2239110"/>
+              <a:gd name="connsiteX6" fmla="*/ 396956 w 2145671"/>
+              <a:gd name="connsiteY6" fmla="*/ 1478280 h 2239110"/>
+              <a:gd name="connsiteX7" fmla="*/ 412672 w 2145671"/>
+              <a:gd name="connsiteY7" fmla="*/ 1525727 h 2239110"/>
+              <a:gd name="connsiteX8" fmla="*/ 413835 w 2145671"/>
+              <a:gd name="connsiteY8" fmla="*/ 1527717 h 2239110"/>
+              <a:gd name="connsiteX9" fmla="*/ 414101 w 2145671"/>
+              <a:gd name="connsiteY9" fmla="*/ 1527751 h 2239110"/>
+              <a:gd name="connsiteX10" fmla="*/ 417048 w 2145671"/>
+              <a:gd name="connsiteY10" fmla="*/ 1533220 h 2239110"/>
+              <a:gd name="connsiteX11" fmla="*/ 413835 w 2145671"/>
+              <a:gd name="connsiteY11" fmla="*/ 1527717 h 2239110"/>
+              <a:gd name="connsiteX12" fmla="*/ 407166 w 2145671"/>
+              <a:gd name="connsiteY12" fmla="*/ 1526880 h 2239110"/>
+              <a:gd name="connsiteX13" fmla="*/ 396956 w 2145671"/>
+              <a:gd name="connsiteY13" fmla="*/ 1531620 h 2239110"/>
+              <a:gd name="connsiteX14" fmla="*/ 206456 w 2145671"/>
+              <a:gd name="connsiteY14" fmla="*/ 1615440 h 2239110"/>
+              <a:gd name="connsiteX15" fmla="*/ 93585 w 2145671"/>
+              <a:gd name="connsiteY15" fmla="*/ 1669257 h 2239110"/>
+              <a:gd name="connsiteX16" fmla="*/ 3098 w 2145671"/>
+              <a:gd name="connsiteY16" fmla="*/ 1754029 h 2239110"/>
+              <a:gd name="connsiteX17" fmla="*/ 46436 w 2145671"/>
+              <a:gd name="connsiteY17" fmla="*/ 1866900 h 2239110"/>
+              <a:gd name="connsiteX18" fmla="*/ 282656 w 2145671"/>
+              <a:gd name="connsiteY18" fmla="*/ 1905000 h 2239110"/>
+              <a:gd name="connsiteX19" fmla="*/ 694136 w 2145671"/>
+              <a:gd name="connsiteY19" fmla="*/ 1844040 h 2239110"/>
+              <a:gd name="connsiteX20" fmla="*/ 869396 w 2145671"/>
+              <a:gd name="connsiteY20" fmla="*/ 1866900 h 2239110"/>
+              <a:gd name="connsiteX21" fmla="*/ 960836 w 2145671"/>
+              <a:gd name="connsiteY21" fmla="*/ 1988820 h 2239110"/>
+              <a:gd name="connsiteX22" fmla="*/ 1021796 w 2145671"/>
+              <a:gd name="connsiteY22" fmla="*/ 2186940 h 2239110"/>
+              <a:gd name="connsiteX23" fmla="*/ 1046205 w 2145671"/>
+              <a:gd name="connsiteY23" fmla="*/ 2239110 h 2239110"/>
+              <a:gd name="connsiteX24" fmla="*/ 2145671 w 2145671"/>
+              <a:gd name="connsiteY24" fmla="*/ 2239110 h 2239110"/>
+              <a:gd name="connsiteX25" fmla="*/ 2145671 w 2145671"/>
+              <a:gd name="connsiteY25" fmla="*/ 1031773 h 2239110"/>
+              <a:gd name="connsiteX26" fmla="*/ 2141951 w 2145671"/>
+              <a:gd name="connsiteY26" fmla="*/ 1024682 h 2239110"/>
+              <a:gd name="connsiteX27" fmla="*/ 1776176 w 2145671"/>
+              <a:gd name="connsiteY27" fmla="*/ 411480 h 2239110"/>
+              <a:gd name="connsiteX28" fmla="*/ 1532336 w 2145671"/>
+              <a:gd name="connsiteY28" fmla="*/ 45720 h 2239110"/>
+              <a:gd name="connsiteX29" fmla="*/ 1437086 w 2145671"/>
+              <a:gd name="connsiteY29" fmla="*/ 0 h 2239110"/>
+            </a:gdLst>
+            <a:ahLst/>
+            <a:cxnLst>
+              <a:cxn ang="0">
+                <a:pos x="connsiteX0" y="connsiteY0"/>
+              </a:cxn>
+              <a:cxn ang="0">
+                <a:pos x="connsiteX1" y="connsiteY1"/>
+              </a:cxn>
+              <a:cxn ang="0">
+                <a:pos x="connsiteX2" y="connsiteY2"/>
+              </a:cxn>
+              <a:cxn ang="0">
+                <a:pos x="connsiteX3" y="connsiteY3"/>
+              </a:cxn>
+              <a:cxn ang="0">
+                <a:pos x="connsiteX4" y="connsiteY4"/>
+              </a:cxn>
+              <a:cxn ang="0">
+                <a:pos x="connsiteX5" y="connsiteY5"/>
+              </a:cxn>
+              <a:cxn ang="0">
+                <a:pos x="connsiteX6" y="connsiteY6"/>
+              </a:cxn>
+              <a:cxn ang="0">
+                <a:pos x="connsiteX7" y="connsiteY7"/>
+              </a:cxn>
+              <a:cxn ang="0">
+                <a:pos x="connsiteX8" y="connsiteY8"/>
+              </a:cxn>
+              <a:cxn ang="0">
+                <a:pos x="connsiteX9" y="connsiteY9"/>
+              </a:cxn>
+              <a:cxn ang="0">
+                <a:pos x="connsiteX10" y="connsiteY10"/>
+              </a:cxn>
+              <a:cxn ang="0">
+                <a:pos x="connsiteX11" y="connsiteY11"/>
+              </a:cxn>
+              <a:cxn ang="0">
+                <a:pos x="connsiteX12" y="connsiteY12"/>
+              </a:cxn>
+              <a:cxn ang="0">
+                <a:pos x="connsiteX13" y="connsiteY13"/>
+              </a:cxn>
+              <a:cxn ang="0">
+                <a:pos x="connsiteX14" y="connsiteY14"/>
+              </a:cxn>
+              <a:cxn ang="0">
+                <a:pos x="connsiteX15" y="connsiteY15"/>
+              </a:cxn>
+              <a:cxn ang="0">
+                <a:pos x="connsiteX16" y="connsiteY16"/>
+              </a:cxn>
+              <a:cxn ang="0">
+                <a:pos x="connsiteX17" y="connsiteY17"/>
+              </a:cxn>
+              <a:cxn ang="0">
+                <a:pos x="connsiteX18" y="connsiteY18"/>
+              </a:cxn>
+              <a:cxn ang="0">
+                <a:pos x="connsiteX19" y="connsiteY19"/>
+              </a:cxn>
+              <a:cxn ang="0">
+                <a:pos x="connsiteX20" y="connsiteY20"/>
+              </a:cxn>
+              <a:cxn ang="0">
+                <a:pos x="connsiteX21" y="connsiteY21"/>
+              </a:cxn>
+              <a:cxn ang="0">
+                <a:pos x="connsiteX22" y="connsiteY22"/>
+              </a:cxn>
+              <a:cxn ang="0">
+                <a:pos x="connsiteX23" y="connsiteY23"/>
+              </a:cxn>
+              <a:cxn ang="0">
+                <a:pos x="connsiteX24" y="connsiteY24"/>
+              </a:cxn>
+              <a:cxn ang="0">
+                <a:pos x="connsiteX25" y="connsiteY25"/>
+              </a:cxn>
+              <a:cxn ang="0">
+                <a:pos x="connsiteX26" y="connsiteY26"/>
+              </a:cxn>
+              <a:cxn ang="0">
+                <a:pos x="connsiteX27" y="connsiteY27"/>
+              </a:cxn>
+              <a:cxn ang="0">
+                <a:pos x="connsiteX28" y="connsiteY28"/>
+              </a:cxn>
+              <a:cxn ang="0">
+                <a:pos x="connsiteX29" y="connsiteY29"/>
+              </a:cxn>
+            </a:cxnLst>
+            <a:rect l="l" t="t" r="r" b="b"/>
+            <a:pathLst>
+              <a:path w="2145671" h="2239110">
+                <a:moveTo>
+                  <a:pt x="1437086" y="0"/>
+                </a:moveTo>
+                <a:cubicBezTo>
+                  <a:pt x="1406606" y="0"/>
+                  <a:pt x="1372316" y="15240"/>
+                  <a:pt x="1318976" y="45720"/>
+                </a:cubicBezTo>
+                <a:cubicBezTo>
+                  <a:pt x="1212296" y="106680"/>
+                  <a:pt x="1006556" y="285750"/>
+                  <a:pt x="892256" y="411480"/>
+                </a:cubicBezTo>
+                <a:cubicBezTo>
+                  <a:pt x="777956" y="537210"/>
+                  <a:pt x="694136" y="722630"/>
+                  <a:pt x="633176" y="800100"/>
+                </a:cubicBezTo>
+                <a:cubicBezTo>
+                  <a:pt x="572216" y="877570"/>
+                  <a:pt x="592536" y="854710"/>
+                  <a:pt x="526496" y="876300"/>
+                </a:cubicBezTo>
+                <a:cubicBezTo>
+                  <a:pt x="460456" y="897890"/>
+                  <a:pt x="258526" y="829310"/>
+                  <a:pt x="236936" y="929640"/>
+                </a:cubicBezTo>
+                <a:cubicBezTo>
+                  <a:pt x="215346" y="1029970"/>
+                  <a:pt x="370286" y="1377950"/>
+                  <a:pt x="396956" y="1478280"/>
+                </a:cubicBezTo>
+                <a:cubicBezTo>
+                  <a:pt x="403624" y="1503363"/>
+                  <a:pt x="408942" y="1517809"/>
+                  <a:pt x="412672" y="1525727"/>
+                </a:cubicBezTo>
+                <a:lnTo>
+                  <a:pt x="413835" y="1527717"/>
+                </a:lnTo>
+                <a:lnTo>
+                  <a:pt x="414101" y="1527751"/>
+                </a:lnTo>
+                <a:cubicBezTo>
+                  <a:pt x="419459" y="1530400"/>
+                  <a:pt x="420173" y="1536844"/>
+                  <a:pt x="417048" y="1533220"/>
+                </a:cubicBezTo>
+                <a:lnTo>
+                  <a:pt x="413835" y="1527717"/>
+                </a:lnTo>
+                <a:lnTo>
+                  <a:pt x="407166" y="1526880"/>
+                </a:lnTo>
+                <a:cubicBezTo>
+                  <a:pt x="404318" y="1527354"/>
+                  <a:pt x="400925" y="1528763"/>
+                  <a:pt x="396956" y="1531620"/>
+                </a:cubicBezTo>
+                <a:cubicBezTo>
+                  <a:pt x="365206" y="1554480"/>
+                  <a:pt x="257018" y="1592501"/>
+                  <a:pt x="206456" y="1615440"/>
+                </a:cubicBezTo>
+                <a:cubicBezTo>
+                  <a:pt x="155894" y="1638379"/>
+                  <a:pt x="127478" y="1646159"/>
+                  <a:pt x="93585" y="1669257"/>
+                </a:cubicBezTo>
+                <a:cubicBezTo>
+                  <a:pt x="59692" y="1692355"/>
+                  <a:pt x="10956" y="1721088"/>
+                  <a:pt x="3098" y="1754029"/>
+                </a:cubicBezTo>
+                <a:cubicBezTo>
+                  <a:pt x="-4760" y="1786970"/>
+                  <a:pt x="-157" y="1841738"/>
+                  <a:pt x="46436" y="1866900"/>
+                </a:cubicBezTo>
+                <a:cubicBezTo>
+                  <a:pt x="93029" y="1892062"/>
+                  <a:pt x="174706" y="1908810"/>
+                  <a:pt x="282656" y="1905000"/>
+                </a:cubicBezTo>
+                <a:cubicBezTo>
+                  <a:pt x="390606" y="1901190"/>
+                  <a:pt x="596346" y="1850390"/>
+                  <a:pt x="694136" y="1844040"/>
+                </a:cubicBezTo>
+                <a:cubicBezTo>
+                  <a:pt x="791926" y="1837690"/>
+                  <a:pt x="824946" y="1842770"/>
+                  <a:pt x="869396" y="1866900"/>
+                </a:cubicBezTo>
+                <a:cubicBezTo>
+                  <a:pt x="913846" y="1891030"/>
+                  <a:pt x="935436" y="1935480"/>
+                  <a:pt x="960836" y="1988820"/>
+                </a:cubicBezTo>
+                <a:cubicBezTo>
+                  <a:pt x="986236" y="2042160"/>
+                  <a:pt x="984966" y="2104390"/>
+                  <a:pt x="1021796" y="2186940"/>
+                </a:cubicBezTo>
+                <a:lnTo>
+                  <a:pt x="1046205" y="2239110"/>
+                </a:lnTo>
+                <a:lnTo>
+                  <a:pt x="2145671" y="2239110"/>
+                </a:lnTo>
+                <a:lnTo>
+                  <a:pt x="2145671" y="1031773"/>
+                </a:lnTo>
+                <a:lnTo>
+                  <a:pt x="2141951" y="1024682"/>
+                </a:lnTo>
+                <a:cubicBezTo>
+                  <a:pt x="2041904" y="840701"/>
+                  <a:pt x="1870632" y="564833"/>
+                  <a:pt x="1776176" y="411480"/>
+                </a:cubicBezTo>
+                <a:cubicBezTo>
+                  <a:pt x="1668226" y="236220"/>
+                  <a:pt x="1608536" y="106680"/>
+                  <a:pt x="1532336" y="45720"/>
+                </a:cubicBezTo>
+                <a:cubicBezTo>
+                  <a:pt x="1494236" y="15240"/>
+                  <a:pt x="1467566" y="0"/>
+                  <a:pt x="1437086" y="0"/>
+                </a:cubicBezTo>
+                <a:close/>
+              </a:path>
+            </a:pathLst>
+          </a:custGeom>
+          <a:solidFill>
+            <a:srgbClr val="F6CBA8"/>
+          </a:solidFill>
+          <a:ln>
+            <a:noFill/>
+          </a:ln>
+        </p:spPr>
+        <p:style>
+          <a:lnRef idx="2">
+            <a:schemeClr val="accent1">
+              <a:shade val="50000"/>
+            </a:schemeClr>
+          </a:lnRef>
+          <a:fillRef idx="1">
+            <a:schemeClr val="accent1"/>
+          </a:fillRef>
+          <a:effectRef idx="0">
+            <a:schemeClr val="accent1"/>
+          </a:effectRef>
+          <a:fontRef idx="minor">
+            <a:schemeClr val="lt1"/>
+          </a:fontRef>
+        </p:style>
+        <p:txBody>
+          <a:bodyPr wrap="square" rtlCol="0" anchor="ctr">
+            <a:noAutofit/>
+          </a:bodyPr>
+          <a:lstStyle/>
+          <a:p>
+            <a:pPr algn="ctr"/>
+            <a:endParaRPr lang="ko-KR" altLang="en-US">
+              <a:solidFill>
+                <a:prstClr val="white"/>
+              </a:solidFill>
+            </a:endParaRPr>
+          </a:p>
+        </p:txBody>
+      </p:sp>
+      <p:sp>
+        <p:nvSpPr>
+          <p:cNvPr id="28" name="자유형: 도형 27">
+            <a:extLst>
+              <a:ext uri="{FF2B5EF4-FFF2-40B4-BE49-F238E27FC236}">
+                <a16:creationId xmlns:a16="http://schemas.microsoft.com/office/drawing/2014/main" id="{7E5CF1DA-6D18-450F-5B26-BD84048AC954}"/>
+              </a:ext>
+            </a:extLst>
+          </p:cNvPr>
+          <p:cNvSpPr/>
+          <p:nvPr/>
+        </p:nvSpPr>
+        <p:spPr>
+          <a:xfrm flipH="1">
+            <a:off x="1" y="4618890"/>
+            <a:ext cx="2145671" cy="2239110"/>
+          </a:xfrm>
+          <a:custGeom>
+            <a:avLst/>
+            <a:gdLst>
+              <a:gd name="connsiteX0" fmla="*/ 1437086 w 2145671"/>
+              <a:gd name="connsiteY0" fmla="*/ 0 h 2239110"/>
+              <a:gd name="connsiteX1" fmla="*/ 1318976 w 2145671"/>
+              <a:gd name="connsiteY1" fmla="*/ 45720 h 2239110"/>
+              <a:gd name="connsiteX2" fmla="*/ 892256 w 2145671"/>
+              <a:gd name="connsiteY2" fmla="*/ 411480 h 2239110"/>
+              <a:gd name="connsiteX3" fmla="*/ 633176 w 2145671"/>
+              <a:gd name="connsiteY3" fmla="*/ 800100 h 2239110"/>
+              <a:gd name="connsiteX4" fmla="*/ 526496 w 2145671"/>
+              <a:gd name="connsiteY4" fmla="*/ 876300 h 2239110"/>
+              <a:gd name="connsiteX5" fmla="*/ 236936 w 2145671"/>
+              <a:gd name="connsiteY5" fmla="*/ 929640 h 2239110"/>
+              <a:gd name="connsiteX6" fmla="*/ 396956 w 2145671"/>
+              <a:gd name="connsiteY6" fmla="*/ 1478280 h 2239110"/>
+              <a:gd name="connsiteX7" fmla="*/ 412672 w 2145671"/>
+              <a:gd name="connsiteY7" fmla="*/ 1525727 h 2239110"/>
+              <a:gd name="connsiteX8" fmla="*/ 413835 w 2145671"/>
+              <a:gd name="connsiteY8" fmla="*/ 1527717 h 2239110"/>
+              <a:gd name="connsiteX9" fmla="*/ 414101 w 2145671"/>
+              <a:gd name="connsiteY9" fmla="*/ 1527751 h 2239110"/>
+              <a:gd name="connsiteX10" fmla="*/ 417048 w 2145671"/>
+              <a:gd name="connsiteY10" fmla="*/ 1533220 h 2239110"/>
+              <a:gd name="connsiteX11" fmla="*/ 413835 w 2145671"/>
+              <a:gd name="connsiteY11" fmla="*/ 1527717 h 2239110"/>
+              <a:gd name="connsiteX12" fmla="*/ 407166 w 2145671"/>
+              <a:gd name="connsiteY12" fmla="*/ 1526880 h 2239110"/>
+              <a:gd name="connsiteX13" fmla="*/ 396956 w 2145671"/>
+              <a:gd name="connsiteY13" fmla="*/ 1531620 h 2239110"/>
+              <a:gd name="connsiteX14" fmla="*/ 206456 w 2145671"/>
+              <a:gd name="connsiteY14" fmla="*/ 1615440 h 2239110"/>
+              <a:gd name="connsiteX15" fmla="*/ 93585 w 2145671"/>
+              <a:gd name="connsiteY15" fmla="*/ 1669257 h 2239110"/>
+              <a:gd name="connsiteX16" fmla="*/ 3098 w 2145671"/>
+              <a:gd name="connsiteY16" fmla="*/ 1754029 h 2239110"/>
+              <a:gd name="connsiteX17" fmla="*/ 46436 w 2145671"/>
+              <a:gd name="connsiteY17" fmla="*/ 1866900 h 2239110"/>
+              <a:gd name="connsiteX18" fmla="*/ 282656 w 2145671"/>
+              <a:gd name="connsiteY18" fmla="*/ 1905000 h 2239110"/>
+              <a:gd name="connsiteX19" fmla="*/ 694136 w 2145671"/>
+              <a:gd name="connsiteY19" fmla="*/ 1844040 h 2239110"/>
+              <a:gd name="connsiteX20" fmla="*/ 869396 w 2145671"/>
+              <a:gd name="connsiteY20" fmla="*/ 1866900 h 2239110"/>
+              <a:gd name="connsiteX21" fmla="*/ 960836 w 2145671"/>
+              <a:gd name="connsiteY21" fmla="*/ 1988820 h 2239110"/>
+              <a:gd name="connsiteX22" fmla="*/ 1021796 w 2145671"/>
+              <a:gd name="connsiteY22" fmla="*/ 2186940 h 2239110"/>
+              <a:gd name="connsiteX23" fmla="*/ 1046205 w 2145671"/>
+              <a:gd name="connsiteY23" fmla="*/ 2239110 h 2239110"/>
+              <a:gd name="connsiteX24" fmla="*/ 2145671 w 2145671"/>
+              <a:gd name="connsiteY24" fmla="*/ 2239110 h 2239110"/>
+              <a:gd name="connsiteX25" fmla="*/ 2145671 w 2145671"/>
+              <a:gd name="connsiteY25" fmla="*/ 1031773 h 2239110"/>
+              <a:gd name="connsiteX26" fmla="*/ 2141951 w 2145671"/>
+              <a:gd name="connsiteY26" fmla="*/ 1024682 h 2239110"/>
+              <a:gd name="connsiteX27" fmla="*/ 1776176 w 2145671"/>
+              <a:gd name="connsiteY27" fmla="*/ 411480 h 2239110"/>
+              <a:gd name="connsiteX28" fmla="*/ 1532336 w 2145671"/>
+              <a:gd name="connsiteY28" fmla="*/ 45720 h 2239110"/>
+              <a:gd name="connsiteX29" fmla="*/ 1437086 w 2145671"/>
+              <a:gd name="connsiteY29" fmla="*/ 0 h 2239110"/>
+            </a:gdLst>
+            <a:ahLst/>
+            <a:cxnLst>
+              <a:cxn ang="0">
+                <a:pos x="connsiteX0" y="connsiteY0"/>
+              </a:cxn>
+              <a:cxn ang="0">
+                <a:pos x="connsiteX1" y="connsiteY1"/>
+              </a:cxn>
+              <a:cxn ang="0">
+                <a:pos x="connsiteX2" y="connsiteY2"/>
+              </a:cxn>
+              <a:cxn ang="0">
+                <a:pos x="connsiteX3" y="connsiteY3"/>
+              </a:cxn>
+              <a:cxn ang="0">
+                <a:pos x="connsiteX4" y="connsiteY4"/>
+              </a:cxn>
+              <a:cxn ang="0">
+                <a:pos x="connsiteX5" y="connsiteY5"/>
+              </a:cxn>
+              <a:cxn ang="0">
+                <a:pos x="connsiteX6" y="connsiteY6"/>
+              </a:cxn>
+              <a:cxn ang="0">
+                <a:pos x="connsiteX7" y="connsiteY7"/>
+              </a:cxn>
+              <a:cxn ang="0">
+                <a:pos x="connsiteX8" y="connsiteY8"/>
+              </a:cxn>
+              <a:cxn ang="0">
+                <a:pos x="connsiteX9" y="connsiteY9"/>
+              </a:cxn>
+              <a:cxn ang="0">
+                <a:pos x="connsiteX10" y="connsiteY10"/>
+              </a:cxn>
+              <a:cxn ang="0">
+                <a:pos x="connsiteX11" y="connsiteY11"/>
+              </a:cxn>
+              <a:cxn ang="0">
+                <a:pos x="connsiteX12" y="connsiteY12"/>
+              </a:cxn>
+              <a:cxn ang="0">
+                <a:pos x="connsiteX13" y="connsiteY13"/>
+              </a:cxn>
+              <a:cxn ang="0">
+                <a:pos x="connsiteX14" y="connsiteY14"/>
+              </a:cxn>
+              <a:cxn ang="0">
+                <a:pos x="connsiteX15" y="connsiteY15"/>
+              </a:cxn>
+              <a:cxn ang="0">
+                <a:pos x="connsiteX16" y="connsiteY16"/>
+              </a:cxn>
+              <a:cxn ang="0">
+                <a:pos x="connsiteX17" y="connsiteY17"/>
+              </a:cxn>
+              <a:cxn ang="0">
+                <a:pos x="connsiteX18" y="connsiteY18"/>
+              </a:cxn>
+              <a:cxn ang="0">
+                <a:pos x="connsiteX19" y="connsiteY19"/>
+              </a:cxn>
+              <a:cxn ang="0">
+                <a:pos x="connsiteX20" y="connsiteY20"/>
+              </a:cxn>
+              <a:cxn ang="0">
+                <a:pos x="connsiteX21" y="connsiteY21"/>
+              </a:cxn>
+              <a:cxn ang="0">
+                <a:pos x="connsiteX22" y="connsiteY22"/>
+              </a:cxn>
+              <a:cxn ang="0">
+                <a:pos x="connsiteX23" y="connsiteY23"/>
+              </a:cxn>
+              <a:cxn ang="0">
+                <a:pos x="connsiteX24" y="connsiteY24"/>
+              </a:cxn>
+              <a:cxn ang="0">
+                <a:pos x="connsiteX25" y="connsiteY25"/>
+              </a:cxn>
+              <a:cxn ang="0">
+                <a:pos x="connsiteX26" y="connsiteY26"/>
+              </a:cxn>
+              <a:cxn ang="0">
+                <a:pos x="connsiteX27" y="connsiteY27"/>
+              </a:cxn>
+              <a:cxn ang="0">
+                <a:pos x="connsiteX28" y="connsiteY28"/>
+              </a:cxn>
+              <a:cxn ang="0">
+                <a:pos x="connsiteX29" y="connsiteY29"/>
+              </a:cxn>
+            </a:cxnLst>
+            <a:rect l="l" t="t" r="r" b="b"/>
+            <a:pathLst>
+              <a:path w="2145671" h="2239110">
+                <a:moveTo>
+                  <a:pt x="1437086" y="0"/>
+                </a:moveTo>
+                <a:cubicBezTo>
+                  <a:pt x="1406606" y="0"/>
+                  <a:pt x="1372316" y="15240"/>
+                  <a:pt x="1318976" y="45720"/>
+                </a:cubicBezTo>
+                <a:cubicBezTo>
+                  <a:pt x="1212296" y="106680"/>
+                  <a:pt x="1006556" y="285750"/>
+                  <a:pt x="892256" y="411480"/>
+                </a:cubicBezTo>
+                <a:cubicBezTo>
+                  <a:pt x="777956" y="537210"/>
+                  <a:pt x="694136" y="722630"/>
+                  <a:pt x="633176" y="800100"/>
+                </a:cubicBezTo>
+                <a:cubicBezTo>
+                  <a:pt x="572216" y="877570"/>
+                  <a:pt x="592536" y="854710"/>
+                  <a:pt x="526496" y="876300"/>
+                </a:cubicBezTo>
+                <a:cubicBezTo>
+                  <a:pt x="460456" y="897890"/>
+                  <a:pt x="258526" y="829310"/>
+                  <a:pt x="236936" y="929640"/>
+                </a:cubicBezTo>
+                <a:cubicBezTo>
+                  <a:pt x="215346" y="1029970"/>
+                  <a:pt x="370286" y="1377950"/>
+                  <a:pt x="396956" y="1478280"/>
+                </a:cubicBezTo>
+                <a:cubicBezTo>
+                  <a:pt x="403624" y="1503363"/>
+                  <a:pt x="408942" y="1517809"/>
+                  <a:pt x="412672" y="1525727"/>
+                </a:cubicBezTo>
+                <a:lnTo>
+                  <a:pt x="413835" y="1527717"/>
+                </a:lnTo>
+                <a:lnTo>
+                  <a:pt x="414101" y="1527751"/>
+                </a:lnTo>
+                <a:cubicBezTo>
+                  <a:pt x="419459" y="1530400"/>
+                  <a:pt x="420173" y="1536844"/>
+                  <a:pt x="417048" y="1533220"/>
+                </a:cubicBezTo>
+                <a:lnTo>
+                  <a:pt x="413835" y="1527717"/>
+                </a:lnTo>
+                <a:lnTo>
+                  <a:pt x="407166" y="1526880"/>
+                </a:lnTo>
+                <a:cubicBezTo>
+                  <a:pt x="404318" y="1527354"/>
+                  <a:pt x="400925" y="1528763"/>
+                  <a:pt x="396956" y="1531620"/>
+                </a:cubicBezTo>
+                <a:cubicBezTo>
+                  <a:pt x="365206" y="1554480"/>
+                  <a:pt x="257018" y="1592501"/>
+                  <a:pt x="206456" y="1615440"/>
+                </a:cubicBezTo>
+                <a:cubicBezTo>
+                  <a:pt x="155894" y="1638379"/>
+                  <a:pt x="127478" y="1646159"/>
+                  <a:pt x="93585" y="1669257"/>
+                </a:cubicBezTo>
+                <a:cubicBezTo>
+                  <a:pt x="59692" y="1692355"/>
+                  <a:pt x="10956" y="1721088"/>
+                  <a:pt x="3098" y="1754029"/>
+                </a:cubicBezTo>
+                <a:cubicBezTo>
+                  <a:pt x="-4760" y="1786970"/>
+                  <a:pt x="-157" y="1841738"/>
+                  <a:pt x="46436" y="1866900"/>
+                </a:cubicBezTo>
+                <a:cubicBezTo>
+                  <a:pt x="93029" y="1892062"/>
+                  <a:pt x="174706" y="1908810"/>
+                  <a:pt x="282656" y="1905000"/>
+                </a:cubicBezTo>
+                <a:cubicBezTo>
+                  <a:pt x="390606" y="1901190"/>
+                  <a:pt x="596346" y="1850390"/>
+                  <a:pt x="694136" y="1844040"/>
+                </a:cubicBezTo>
+                <a:cubicBezTo>
+                  <a:pt x="791926" y="1837690"/>
+                  <a:pt x="824946" y="1842770"/>
+                  <a:pt x="869396" y="1866900"/>
+                </a:cubicBezTo>
+                <a:cubicBezTo>
+                  <a:pt x="913846" y="1891030"/>
+                  <a:pt x="935436" y="1935480"/>
+                  <a:pt x="960836" y="1988820"/>
+                </a:cubicBezTo>
+                <a:cubicBezTo>
+                  <a:pt x="986236" y="2042160"/>
+                  <a:pt x="984966" y="2104390"/>
+                  <a:pt x="1021796" y="2186940"/>
+                </a:cubicBezTo>
+                <a:lnTo>
+                  <a:pt x="1046205" y="2239110"/>
+                </a:lnTo>
+                <a:lnTo>
+                  <a:pt x="2145671" y="2239110"/>
+                </a:lnTo>
+                <a:lnTo>
+                  <a:pt x="2145671" y="1031773"/>
+                </a:lnTo>
+                <a:lnTo>
+                  <a:pt x="2141951" y="1024682"/>
+                </a:lnTo>
+                <a:cubicBezTo>
+                  <a:pt x="2041904" y="840701"/>
+                  <a:pt x="1870632" y="564833"/>
+                  <a:pt x="1776176" y="411480"/>
+                </a:cubicBezTo>
+                <a:cubicBezTo>
+                  <a:pt x="1668226" y="236220"/>
+                  <a:pt x="1608536" y="106680"/>
+                  <a:pt x="1532336" y="45720"/>
+                </a:cubicBezTo>
+                <a:cubicBezTo>
+                  <a:pt x="1494236" y="15240"/>
+                  <a:pt x="1467566" y="0"/>
+                  <a:pt x="1437086" y="0"/>
+                </a:cubicBezTo>
+                <a:close/>
+              </a:path>
+            </a:pathLst>
+          </a:custGeom>
+          <a:solidFill>
+            <a:srgbClr val="F6CBA8"/>
+          </a:solidFill>
+          <a:ln>
+            <a:noFill/>
+          </a:ln>
+        </p:spPr>
+        <p:style>
+          <a:lnRef idx="2">
+            <a:schemeClr val="accent1">
+              <a:shade val="50000"/>
+            </a:schemeClr>
+          </a:lnRef>
+          <a:fillRef idx="1">
+            <a:schemeClr val="accent1"/>
+          </a:fillRef>
+          <a:effectRef idx="0">
+            <a:schemeClr val="accent1"/>
+          </a:effectRef>
+          <a:fontRef idx="minor">
+            <a:schemeClr val="lt1"/>
+          </a:fontRef>
+        </p:style>
+        <p:txBody>
+          <a:bodyPr wrap="square" rtlCol="0" anchor="ctr">
+            <a:noAutofit/>
+          </a:bodyPr>
+          <a:lstStyle/>
+          <a:p>
+            <a:pPr algn="ctr"/>
+            <a:endParaRPr lang="ko-KR" altLang="en-US">
+              <a:solidFill>
+                <a:prstClr val="white"/>
+              </a:solidFill>
+            </a:endParaRPr>
+          </a:p>
+        </p:txBody>
+      </p:sp>
+      <p:grpSp>
+        <p:nvGrpSpPr>
+          <p:cNvPr id="38" name="그룹 37">
+            <a:extLst>
+              <a:ext uri="{FF2B5EF4-FFF2-40B4-BE49-F238E27FC236}">
+                <a16:creationId xmlns:a16="http://schemas.microsoft.com/office/drawing/2014/main" id="{C858215F-8B8E-83C0-6F1B-5D8A8C6B561C}"/>
+              </a:ext>
+            </a:extLst>
+          </p:cNvPr>
+          <p:cNvGrpSpPr/>
+          <p:nvPr/>
+        </p:nvGrpSpPr>
+        <p:grpSpPr>
+          <a:xfrm>
             <a:off x="582902" y="306970"/>
             <a:ext cx="11350256" cy="5962860"/>
             <a:chOff x="442443" y="285749"/>
@@ -28208,6 +30554,2515 @@
         </p:nvGrpSpPr>
         <p:grpSpPr>
           <a:xfrm>
+            <a:off x="463692" y="281144"/>
+            <a:ext cx="11350256" cy="5962860"/>
+            <a:chOff x="442443" y="285749"/>
+            <a:chExt cx="11350256" cy="5962860"/>
+          </a:xfrm>
+        </p:grpSpPr>
+        <p:sp>
+          <p:nvSpPr>
+            <p:cNvPr id="4" name="사각형: 둥근 모서리 3">
+              <a:extLst>
+                <a:ext uri="{FF2B5EF4-FFF2-40B4-BE49-F238E27FC236}">
+                  <a16:creationId xmlns:a16="http://schemas.microsoft.com/office/drawing/2014/main" id="{7E70D90F-65C9-C903-5321-044BB5E0D378}"/>
+                </a:ext>
+              </a:extLst>
+            </p:cNvPr>
+            <p:cNvSpPr/>
+            <p:nvPr/>
+          </p:nvSpPr>
+          <p:spPr>
+            <a:xfrm>
+              <a:off x="442443" y="323901"/>
+              <a:ext cx="11350256" cy="5924708"/>
+            </a:xfrm>
+            <a:prstGeom prst="roundRect">
+              <a:avLst>
+                <a:gd name="adj" fmla="val 3635"/>
+              </a:avLst>
+            </a:prstGeom>
+            <a:solidFill>
+              <a:schemeClr val="bg1"/>
+            </a:solidFill>
+            <a:ln w="47625">
+              <a:solidFill>
+                <a:schemeClr val="tx1">
+                  <a:lumMod val="85000"/>
+                  <a:lumOff val="15000"/>
+                </a:schemeClr>
+              </a:solidFill>
+            </a:ln>
+          </p:spPr>
+          <p:style>
+            <a:lnRef idx="2">
+              <a:schemeClr val="accent1">
+                <a:shade val="50000"/>
+              </a:schemeClr>
+            </a:lnRef>
+            <a:fillRef idx="1">
+              <a:schemeClr val="accent1"/>
+            </a:fillRef>
+            <a:effectRef idx="0">
+              <a:schemeClr val="accent1"/>
+            </a:effectRef>
+            <a:fontRef idx="minor">
+              <a:schemeClr val="lt1"/>
+            </a:fontRef>
+          </p:style>
+          <p:txBody>
+            <a:bodyPr rtlCol="0" anchor="t"/>
+            <a:lstStyle/>
+            <a:p>
+              <a:pPr algn="ctr">
+                <a:defRPr/>
+              </a:pPr>
+              <a:r>
+                <a:rPr lang="en-US" altLang="ko-KR" i="1" kern="0" dirty="0" smtClean="0">
+                  <a:ln w="9525">
+                    <a:noFill/>
+                  </a:ln>
+                  <a:solidFill>
+                    <a:prstClr val="black">
+                      <a:lumMod val="75000"/>
+                      <a:lumOff val="25000"/>
+                    </a:prstClr>
+                  </a:solidFill>
+                  <a:latin typeface="Tmon몬소리 Black" panose="02000A03000000000000" pitchFamily="2" charset="-127"/>
+                  <a:ea typeface="Tmon몬소리 Black" panose="02000A03000000000000" pitchFamily="2" charset="-127"/>
+                </a:rPr>
+                <a:t>PLAN</a:t>
+              </a:r>
+              <a:endParaRPr lang="en-US" altLang="ko-KR" i="1" kern="0" dirty="0">
+                <a:ln w="9525">
+                  <a:noFill/>
+                </a:ln>
+                <a:solidFill>
+                  <a:prstClr val="black">
+                    <a:lumMod val="75000"/>
+                    <a:lumOff val="25000"/>
+                  </a:prstClr>
+                </a:solidFill>
+                <a:latin typeface="Tmon몬소리 Black" panose="02000A03000000000000" pitchFamily="2" charset="-127"/>
+                <a:ea typeface="Tmon몬소리 Black" panose="02000A03000000000000" pitchFamily="2" charset="-127"/>
+              </a:endParaRPr>
+            </a:p>
+          </p:txBody>
+        </p:sp>
+        <p:grpSp>
+          <p:nvGrpSpPr>
+            <p:cNvPr id="18" name="그룹 17">
+              <a:extLst>
+                <a:ext uri="{FF2B5EF4-FFF2-40B4-BE49-F238E27FC236}">
+                  <a16:creationId xmlns:a16="http://schemas.microsoft.com/office/drawing/2014/main" id="{38B549DE-7211-B296-D451-BC4EA2548B3D}"/>
+                </a:ext>
+              </a:extLst>
+            </p:cNvPr>
+            <p:cNvGrpSpPr/>
+            <p:nvPr/>
+          </p:nvGrpSpPr>
+          <p:grpSpPr>
+            <a:xfrm rot="16200000">
+              <a:off x="2329495" y="-348760"/>
+              <a:ext cx="50851" cy="1319870"/>
+              <a:chOff x="11785556" y="3326276"/>
+              <a:chExt cx="36001" cy="885419"/>
+            </a:xfrm>
+          </p:grpSpPr>
+          <p:sp>
+            <p:nvSpPr>
+              <p:cNvPr id="8" name="사각형: 둥근 위쪽 모서리 7">
+                <a:extLst>
+                  <a:ext uri="{FF2B5EF4-FFF2-40B4-BE49-F238E27FC236}">
+                    <a16:creationId xmlns:a16="http://schemas.microsoft.com/office/drawing/2014/main" id="{ED237E13-36A0-390E-2415-ACA61A3F520F}"/>
+                  </a:ext>
+                </a:extLst>
+              </p:cNvPr>
+              <p:cNvSpPr/>
+              <p:nvPr/>
+            </p:nvSpPr>
+            <p:spPr>
+              <a:xfrm rot="16200000">
+                <a:off x="11677556" y="3434276"/>
+                <a:ext cx="252000" cy="36000"/>
+              </a:xfrm>
+              <a:prstGeom prst="round2SameRect">
+                <a:avLst>
+                  <a:gd name="adj1" fmla="val 0"/>
+                  <a:gd name="adj2" fmla="val 50000"/>
+                </a:avLst>
+              </a:prstGeom>
+              <a:solidFill>
+                <a:schemeClr val="tx1">
+                  <a:lumMod val="85000"/>
+                  <a:lumOff val="15000"/>
+                </a:schemeClr>
+              </a:solidFill>
+              <a:ln w="28575">
+                <a:solidFill>
+                  <a:schemeClr val="tx1">
+                    <a:lumMod val="85000"/>
+                    <a:lumOff val="15000"/>
+                  </a:schemeClr>
+                </a:solidFill>
+              </a:ln>
+            </p:spPr>
+            <p:style>
+              <a:lnRef idx="2">
+                <a:schemeClr val="accent1">
+                  <a:shade val="50000"/>
+                </a:schemeClr>
+              </a:lnRef>
+              <a:fillRef idx="1">
+                <a:schemeClr val="accent1"/>
+              </a:fillRef>
+              <a:effectRef idx="0">
+                <a:schemeClr val="accent1"/>
+              </a:effectRef>
+              <a:fontRef idx="minor">
+                <a:schemeClr val="lt1"/>
+              </a:fontRef>
+            </p:style>
+            <p:txBody>
+              <a:bodyPr rtlCol="0" anchor="ctr"/>
+              <a:lstStyle/>
+              <a:p>
+                <a:pPr algn="ctr"/>
+                <a:endParaRPr lang="ko-KR" altLang="en-US">
+                  <a:solidFill>
+                    <a:prstClr val="white"/>
+                  </a:solidFill>
+                </a:endParaRPr>
+              </a:p>
+            </p:txBody>
+          </p:sp>
+          <p:sp>
+            <p:nvSpPr>
+              <p:cNvPr id="9" name="사각형: 둥근 위쪽 모서리 8">
+                <a:extLst>
+                  <a:ext uri="{FF2B5EF4-FFF2-40B4-BE49-F238E27FC236}">
+                    <a16:creationId xmlns:a16="http://schemas.microsoft.com/office/drawing/2014/main" id="{962C1E69-56B9-1ADF-2948-EE9391C9590F}"/>
+                  </a:ext>
+                </a:extLst>
+              </p:cNvPr>
+              <p:cNvSpPr/>
+              <p:nvPr/>
+            </p:nvSpPr>
+            <p:spPr>
+              <a:xfrm rot="16200000">
+                <a:off x="11677557" y="3703357"/>
+                <a:ext cx="252000" cy="36000"/>
+              </a:xfrm>
+              <a:prstGeom prst="round2SameRect">
+                <a:avLst>
+                  <a:gd name="adj1" fmla="val 0"/>
+                  <a:gd name="adj2" fmla="val 50000"/>
+                </a:avLst>
+              </a:prstGeom>
+              <a:solidFill>
+                <a:schemeClr val="tx1">
+                  <a:lumMod val="85000"/>
+                  <a:lumOff val="15000"/>
+                </a:schemeClr>
+              </a:solidFill>
+              <a:ln w="28575">
+                <a:solidFill>
+                  <a:schemeClr val="tx1">
+                    <a:lumMod val="85000"/>
+                    <a:lumOff val="15000"/>
+                  </a:schemeClr>
+                </a:solidFill>
+              </a:ln>
+            </p:spPr>
+            <p:style>
+              <a:lnRef idx="2">
+                <a:schemeClr val="accent1">
+                  <a:shade val="50000"/>
+                </a:schemeClr>
+              </a:lnRef>
+              <a:fillRef idx="1">
+                <a:schemeClr val="accent1"/>
+              </a:fillRef>
+              <a:effectRef idx="0">
+                <a:schemeClr val="accent1"/>
+              </a:effectRef>
+              <a:fontRef idx="minor">
+                <a:schemeClr val="lt1"/>
+              </a:fontRef>
+            </p:style>
+            <p:txBody>
+              <a:bodyPr rtlCol="0" anchor="ctr"/>
+              <a:lstStyle/>
+              <a:p>
+                <a:pPr algn="ctr"/>
+                <a:endParaRPr lang="ko-KR" altLang="en-US">
+                  <a:solidFill>
+                    <a:prstClr val="white"/>
+                  </a:solidFill>
+                </a:endParaRPr>
+              </a:p>
+            </p:txBody>
+          </p:sp>
+          <p:sp>
+            <p:nvSpPr>
+              <p:cNvPr id="10" name="사각형: 둥근 위쪽 모서리 9">
+                <a:extLst>
+                  <a:ext uri="{FF2B5EF4-FFF2-40B4-BE49-F238E27FC236}">
+                    <a16:creationId xmlns:a16="http://schemas.microsoft.com/office/drawing/2014/main" id="{1AD79268-AA98-EC68-7D05-82138453646B}"/>
+                  </a:ext>
+                </a:extLst>
+              </p:cNvPr>
+              <p:cNvSpPr/>
+              <p:nvPr/>
+            </p:nvSpPr>
+            <p:spPr>
+              <a:xfrm rot="16200000">
+                <a:off x="11695556" y="4085695"/>
+                <a:ext cx="216000" cy="36000"/>
+              </a:xfrm>
+              <a:prstGeom prst="round2SameRect">
+                <a:avLst>
+                  <a:gd name="adj1" fmla="val 0"/>
+                  <a:gd name="adj2" fmla="val 50000"/>
+                </a:avLst>
+              </a:prstGeom>
+              <a:solidFill>
+                <a:schemeClr val="tx1">
+                  <a:lumMod val="85000"/>
+                  <a:lumOff val="15000"/>
+                </a:schemeClr>
+              </a:solidFill>
+              <a:ln w="28575">
+                <a:solidFill>
+                  <a:schemeClr val="tx1">
+                    <a:lumMod val="85000"/>
+                    <a:lumOff val="15000"/>
+                  </a:schemeClr>
+                </a:solidFill>
+              </a:ln>
+            </p:spPr>
+            <p:style>
+              <a:lnRef idx="2">
+                <a:schemeClr val="accent1">
+                  <a:shade val="50000"/>
+                </a:schemeClr>
+              </a:lnRef>
+              <a:fillRef idx="1">
+                <a:schemeClr val="accent1"/>
+              </a:fillRef>
+              <a:effectRef idx="0">
+                <a:schemeClr val="accent1"/>
+              </a:effectRef>
+              <a:fontRef idx="minor">
+                <a:schemeClr val="lt1"/>
+              </a:fontRef>
+            </p:style>
+            <p:txBody>
+              <a:bodyPr rtlCol="0" anchor="ctr"/>
+              <a:lstStyle/>
+              <a:p>
+                <a:pPr algn="ctr"/>
+                <a:endParaRPr lang="ko-KR" altLang="en-US">
+                  <a:solidFill>
+                    <a:prstClr val="white"/>
+                  </a:solidFill>
+                </a:endParaRPr>
+              </a:p>
+            </p:txBody>
+          </p:sp>
+        </p:grpSp>
+      </p:grpSp>
+      <p:grpSp>
+        <p:nvGrpSpPr>
+          <p:cNvPr id="31" name="그룹 30">
+            <a:extLst>
+              <a:ext uri="{FF2B5EF4-FFF2-40B4-BE49-F238E27FC236}">
+                <a16:creationId xmlns:a16="http://schemas.microsoft.com/office/drawing/2014/main" id="{65D012EE-A2B9-5552-C285-D918B47A9E13}"/>
+              </a:ext>
+            </a:extLst>
+          </p:cNvPr>
+          <p:cNvGrpSpPr/>
+          <p:nvPr/>
+        </p:nvGrpSpPr>
+        <p:grpSpPr>
+          <a:xfrm>
+            <a:off x="91175" y="5411118"/>
+            <a:ext cx="1192258" cy="1453488"/>
+            <a:chOff x="91175" y="5411118"/>
+            <a:chExt cx="1192258" cy="1453488"/>
+          </a:xfrm>
+        </p:grpSpPr>
+        <p:sp>
+          <p:nvSpPr>
+            <p:cNvPr id="11" name="자유형: 도형 10">
+              <a:extLst>
+                <a:ext uri="{FF2B5EF4-FFF2-40B4-BE49-F238E27FC236}">
+                  <a16:creationId xmlns:a16="http://schemas.microsoft.com/office/drawing/2014/main" id="{342BF6A9-0D8D-EA91-C3E2-46F9DC71541A}"/>
+                </a:ext>
+              </a:extLst>
+            </p:cNvPr>
+            <p:cNvSpPr/>
+            <p:nvPr/>
+          </p:nvSpPr>
+          <p:spPr>
+            <a:xfrm flipH="1">
+              <a:off x="235459" y="6269830"/>
+              <a:ext cx="502729" cy="572655"/>
+            </a:xfrm>
+            <a:custGeom>
+              <a:avLst/>
+              <a:gdLst>
+                <a:gd name="connsiteX0" fmla="*/ 0 w 547694"/>
+                <a:gd name="connsiteY0" fmla="*/ 0 h 615998"/>
+                <a:gd name="connsiteX1" fmla="*/ 388133 w 547694"/>
+                <a:gd name="connsiteY1" fmla="*/ 0 h 615998"/>
+                <a:gd name="connsiteX2" fmla="*/ 387698 w 547694"/>
+                <a:gd name="connsiteY2" fmla="*/ 3738 h 615998"/>
+                <a:gd name="connsiteX3" fmla="*/ 402227 w 547694"/>
+                <a:gd name="connsiteY3" fmla="*/ 59753 h 615998"/>
+                <a:gd name="connsiteX4" fmla="*/ 480808 w 547694"/>
+                <a:gd name="connsiteY4" fmla="*/ 369316 h 615998"/>
+                <a:gd name="connsiteX5" fmla="*/ 542721 w 547694"/>
+                <a:gd name="connsiteY5" fmla="*/ 609822 h 615998"/>
+                <a:gd name="connsiteX6" fmla="*/ 347458 w 547694"/>
+                <a:gd name="connsiteY6" fmla="*/ 526478 h 615998"/>
+                <a:gd name="connsiteX7" fmla="*/ 145052 w 547694"/>
+                <a:gd name="connsiteY7" fmla="*/ 328835 h 615998"/>
+                <a:gd name="connsiteX8" fmla="*/ 25841 w 547694"/>
+                <a:gd name="connsiteY8" fmla="*/ 69204 h 615998"/>
+              </a:gdLst>
+              <a:ahLst/>
+              <a:cxnLst>
+                <a:cxn ang="0">
+                  <a:pos x="connsiteX0" y="connsiteY0"/>
+                </a:cxn>
+                <a:cxn ang="0">
+                  <a:pos x="connsiteX1" y="connsiteY1"/>
+                </a:cxn>
+                <a:cxn ang="0">
+                  <a:pos x="connsiteX2" y="connsiteY2"/>
+                </a:cxn>
+                <a:cxn ang="0">
+                  <a:pos x="connsiteX3" y="connsiteY3"/>
+                </a:cxn>
+                <a:cxn ang="0">
+                  <a:pos x="connsiteX4" y="connsiteY4"/>
+                </a:cxn>
+                <a:cxn ang="0">
+                  <a:pos x="connsiteX5" y="connsiteY5"/>
+                </a:cxn>
+                <a:cxn ang="0">
+                  <a:pos x="connsiteX6" y="connsiteY6"/>
+                </a:cxn>
+                <a:cxn ang="0">
+                  <a:pos x="connsiteX7" y="connsiteY7"/>
+                </a:cxn>
+                <a:cxn ang="0">
+                  <a:pos x="connsiteX8" y="connsiteY8"/>
+                </a:cxn>
+              </a:cxnLst>
+              <a:rect l="l" t="t" r="r" b="b"/>
+              <a:pathLst>
+                <a:path w="547694" h="615998">
+                  <a:moveTo>
+                    <a:pt x="0" y="0"/>
+                  </a:moveTo>
+                  <a:lnTo>
+                    <a:pt x="388133" y="0"/>
+                  </a:lnTo>
+                  <a:lnTo>
+                    <a:pt x="387698" y="3738"/>
+                  </a:lnTo>
+                  <a:cubicBezTo>
+                    <a:pt x="388659" y="18206"/>
+                    <a:pt x="392702" y="36338"/>
+                    <a:pt x="402227" y="59753"/>
+                  </a:cubicBezTo>
+                  <a:cubicBezTo>
+                    <a:pt x="440327" y="153415"/>
+                    <a:pt x="454614" y="276050"/>
+                    <a:pt x="480808" y="369316"/>
+                  </a:cubicBezTo>
+                  <a:cubicBezTo>
+                    <a:pt x="507002" y="462582"/>
+                    <a:pt x="564946" y="583628"/>
+                    <a:pt x="542721" y="609822"/>
+                  </a:cubicBezTo>
+                  <a:cubicBezTo>
+                    <a:pt x="520496" y="636016"/>
+                    <a:pt x="413736" y="573309"/>
+                    <a:pt x="347458" y="526478"/>
+                  </a:cubicBezTo>
+                  <a:cubicBezTo>
+                    <a:pt x="281180" y="479647"/>
+                    <a:pt x="203392" y="417735"/>
+                    <a:pt x="145052" y="328835"/>
+                  </a:cubicBezTo>
+                  <a:cubicBezTo>
+                    <a:pt x="101297" y="262160"/>
+                    <a:pt x="58211" y="154855"/>
+                    <a:pt x="25841" y="69204"/>
+                  </a:cubicBezTo>
+                  <a:close/>
+                </a:path>
+              </a:pathLst>
+            </a:custGeom>
+            <a:solidFill>
+              <a:srgbClr val="F3B080"/>
+            </a:solidFill>
+            <a:ln>
+              <a:noFill/>
+            </a:ln>
+          </p:spPr>
+          <p:style>
+            <a:lnRef idx="2">
+              <a:schemeClr val="accent1">
+                <a:shade val="50000"/>
+              </a:schemeClr>
+            </a:lnRef>
+            <a:fillRef idx="1">
+              <a:schemeClr val="accent1"/>
+            </a:fillRef>
+            <a:effectRef idx="0">
+              <a:schemeClr val="accent1"/>
+            </a:effectRef>
+            <a:fontRef idx="minor">
+              <a:schemeClr val="lt1"/>
+            </a:fontRef>
+          </p:style>
+          <p:txBody>
+            <a:bodyPr wrap="square" rtlCol="0" anchor="ctr">
+              <a:noAutofit/>
+            </a:bodyPr>
+            <a:lstStyle/>
+            <a:p>
+              <a:pPr algn="ctr"/>
+              <a:endParaRPr lang="ko-KR" altLang="en-US">
+                <a:solidFill>
+                  <a:prstClr val="white"/>
+                </a:solidFill>
+              </a:endParaRPr>
+            </a:p>
+          </p:txBody>
+        </p:sp>
+        <p:sp>
+          <p:nvSpPr>
+            <p:cNvPr id="15" name="직각 삼각형 14">
+              <a:extLst>
+                <a:ext uri="{FF2B5EF4-FFF2-40B4-BE49-F238E27FC236}">
+                  <a16:creationId xmlns:a16="http://schemas.microsoft.com/office/drawing/2014/main" id="{F9849F7F-968F-81FE-0D79-47328AC6E3D4}"/>
+                </a:ext>
+              </a:extLst>
+            </p:cNvPr>
+            <p:cNvSpPr/>
+            <p:nvPr/>
+          </p:nvSpPr>
+          <p:spPr>
+            <a:xfrm rot="10800000" flipV="1">
+              <a:off x="301984" y="5528951"/>
+              <a:ext cx="116363" cy="200949"/>
+            </a:xfrm>
+            <a:prstGeom prst="rtTriangle">
+              <a:avLst/>
+            </a:prstGeom>
+            <a:solidFill>
+              <a:srgbClr val="F3B080"/>
+            </a:solidFill>
+            <a:ln>
+              <a:noFill/>
+            </a:ln>
+          </p:spPr>
+          <p:style>
+            <a:lnRef idx="2">
+              <a:schemeClr val="accent1">
+                <a:shade val="50000"/>
+              </a:schemeClr>
+            </a:lnRef>
+            <a:fillRef idx="1">
+              <a:schemeClr val="accent1"/>
+            </a:fillRef>
+            <a:effectRef idx="0">
+              <a:schemeClr val="accent1"/>
+            </a:effectRef>
+            <a:fontRef idx="minor">
+              <a:schemeClr val="lt1"/>
+            </a:fontRef>
+          </p:style>
+          <p:txBody>
+            <a:bodyPr rtlCol="0" anchor="ctr"/>
+            <a:lstStyle/>
+            <a:p>
+              <a:pPr algn="ctr"/>
+              <a:endParaRPr lang="ko-KR" altLang="en-US">
+                <a:solidFill>
+                  <a:prstClr val="white"/>
+                </a:solidFill>
+              </a:endParaRPr>
+            </a:p>
+          </p:txBody>
+        </p:sp>
+        <p:sp>
+          <p:nvSpPr>
+            <p:cNvPr id="30" name="자유형: 도형 29">
+              <a:extLst>
+                <a:ext uri="{FF2B5EF4-FFF2-40B4-BE49-F238E27FC236}">
+                  <a16:creationId xmlns:a16="http://schemas.microsoft.com/office/drawing/2014/main" id="{651E76FB-F68D-DA35-F6FB-F1FCA269631E}"/>
+                </a:ext>
+              </a:extLst>
+            </p:cNvPr>
+            <p:cNvSpPr/>
+            <p:nvPr/>
+          </p:nvSpPr>
+          <p:spPr>
+            <a:xfrm flipH="1">
+              <a:off x="91175" y="5411118"/>
+              <a:ext cx="1192258" cy="1453488"/>
+            </a:xfrm>
+            <a:custGeom>
+              <a:avLst/>
+              <a:gdLst>
+                <a:gd name="connsiteX0" fmla="*/ 199642 w 1192258"/>
+                <a:gd name="connsiteY0" fmla="*/ 14 h 1453488"/>
+                <a:gd name="connsiteX1" fmla="*/ 121458 w 1192258"/>
+                <a:gd name="connsiteY1" fmla="*/ 2792 h 1453488"/>
+                <a:gd name="connsiteX2" fmla="*/ 51608 w 1192258"/>
+                <a:gd name="connsiteY2" fmla="*/ 28192 h 1453488"/>
+                <a:gd name="connsiteX3" fmla="*/ 7158 w 1192258"/>
+                <a:gd name="connsiteY3" fmla="*/ 117092 h 1453488"/>
+                <a:gd name="connsiteX4" fmla="*/ 13508 w 1192258"/>
+                <a:gd name="connsiteY4" fmla="*/ 231392 h 1453488"/>
+                <a:gd name="connsiteX5" fmla="*/ 134158 w 1192258"/>
+                <a:gd name="connsiteY5" fmla="*/ 358392 h 1453488"/>
+                <a:gd name="connsiteX6" fmla="*/ 343708 w 1192258"/>
+                <a:gd name="connsiteY6" fmla="*/ 402842 h 1453488"/>
+                <a:gd name="connsiteX7" fmla="*/ 496108 w 1192258"/>
+                <a:gd name="connsiteY7" fmla="*/ 447292 h 1453488"/>
+                <a:gd name="connsiteX8" fmla="*/ 559608 w 1192258"/>
+                <a:gd name="connsiteY8" fmla="*/ 510792 h 1453488"/>
+                <a:gd name="connsiteX9" fmla="*/ 591358 w 1192258"/>
+                <a:gd name="connsiteY9" fmla="*/ 625092 h 1453488"/>
+                <a:gd name="connsiteX10" fmla="*/ 616758 w 1192258"/>
+                <a:gd name="connsiteY10" fmla="*/ 821942 h 1453488"/>
+                <a:gd name="connsiteX11" fmla="*/ 673908 w 1192258"/>
+                <a:gd name="connsiteY11" fmla="*/ 1031492 h 1453488"/>
+                <a:gd name="connsiteX12" fmla="*/ 807258 w 1192258"/>
+                <a:gd name="connsiteY12" fmla="*/ 1285492 h 1453488"/>
+                <a:gd name="connsiteX13" fmla="*/ 973846 w 1192258"/>
+                <a:gd name="connsiteY13" fmla="*/ 1413881 h 1453488"/>
+                <a:gd name="connsiteX14" fmla="*/ 1041133 w 1192258"/>
+                <a:gd name="connsiteY14" fmla="*/ 1453488 h 1453488"/>
+                <a:gd name="connsiteX15" fmla="*/ 1182697 w 1192258"/>
+                <a:gd name="connsiteY15" fmla="*/ 1453488 h 1453488"/>
+                <a:gd name="connsiteX16" fmla="*/ 1186956 w 1192258"/>
+                <a:gd name="connsiteY16" fmla="*/ 1416238 h 1453488"/>
+                <a:gd name="connsiteX17" fmla="*/ 1189846 w 1192258"/>
+                <a:gd name="connsiteY17" fmla="*/ 1371217 h 1453488"/>
+                <a:gd name="connsiteX18" fmla="*/ 1169208 w 1192258"/>
+                <a:gd name="connsiteY18" fmla="*/ 1158492 h 1453488"/>
+                <a:gd name="connsiteX19" fmla="*/ 1063639 w 1192258"/>
+                <a:gd name="connsiteY19" fmla="*/ 459992 h 1453488"/>
+                <a:gd name="connsiteX20" fmla="*/ 849327 w 1192258"/>
+                <a:gd name="connsiteY20" fmla="*/ 179004 h 1453488"/>
+                <a:gd name="connsiteX21" fmla="*/ 721533 w 1192258"/>
+                <a:gd name="connsiteY21" fmla="*/ 74228 h 1453488"/>
+                <a:gd name="connsiteX22" fmla="*/ 597708 w 1192258"/>
+                <a:gd name="connsiteY22" fmla="*/ 21842 h 1453488"/>
+                <a:gd name="connsiteX23" fmla="*/ 305608 w 1192258"/>
+                <a:gd name="connsiteY23" fmla="*/ 2792 h 1453488"/>
+                <a:gd name="connsiteX24" fmla="*/ 199642 w 1192258"/>
+                <a:gd name="connsiteY24" fmla="*/ 14 h 1453488"/>
+              </a:gdLst>
+              <a:ahLst/>
+              <a:cxnLst>
+                <a:cxn ang="0">
+                  <a:pos x="connsiteX0" y="connsiteY0"/>
+                </a:cxn>
+                <a:cxn ang="0">
+                  <a:pos x="connsiteX1" y="connsiteY1"/>
+                </a:cxn>
+                <a:cxn ang="0">
+                  <a:pos x="connsiteX2" y="connsiteY2"/>
+                </a:cxn>
+                <a:cxn ang="0">
+                  <a:pos x="connsiteX3" y="connsiteY3"/>
+                </a:cxn>
+                <a:cxn ang="0">
+                  <a:pos x="connsiteX4" y="connsiteY4"/>
+                </a:cxn>
+                <a:cxn ang="0">
+                  <a:pos x="connsiteX5" y="connsiteY5"/>
+                </a:cxn>
+                <a:cxn ang="0">
+                  <a:pos x="connsiteX6" y="connsiteY6"/>
+                </a:cxn>
+                <a:cxn ang="0">
+                  <a:pos x="connsiteX7" y="connsiteY7"/>
+                </a:cxn>
+                <a:cxn ang="0">
+                  <a:pos x="connsiteX8" y="connsiteY8"/>
+                </a:cxn>
+                <a:cxn ang="0">
+                  <a:pos x="connsiteX9" y="connsiteY9"/>
+                </a:cxn>
+                <a:cxn ang="0">
+                  <a:pos x="connsiteX10" y="connsiteY10"/>
+                </a:cxn>
+                <a:cxn ang="0">
+                  <a:pos x="connsiteX11" y="connsiteY11"/>
+                </a:cxn>
+                <a:cxn ang="0">
+                  <a:pos x="connsiteX12" y="connsiteY12"/>
+                </a:cxn>
+                <a:cxn ang="0">
+                  <a:pos x="connsiteX13" y="connsiteY13"/>
+                </a:cxn>
+                <a:cxn ang="0">
+                  <a:pos x="connsiteX14" y="connsiteY14"/>
+                </a:cxn>
+                <a:cxn ang="0">
+                  <a:pos x="connsiteX15" y="connsiteY15"/>
+                </a:cxn>
+                <a:cxn ang="0">
+                  <a:pos x="connsiteX16" y="connsiteY16"/>
+                </a:cxn>
+                <a:cxn ang="0">
+                  <a:pos x="connsiteX17" y="connsiteY17"/>
+                </a:cxn>
+                <a:cxn ang="0">
+                  <a:pos x="connsiteX18" y="connsiteY18"/>
+                </a:cxn>
+                <a:cxn ang="0">
+                  <a:pos x="connsiteX19" y="connsiteY19"/>
+                </a:cxn>
+                <a:cxn ang="0">
+                  <a:pos x="connsiteX20" y="connsiteY20"/>
+                </a:cxn>
+                <a:cxn ang="0">
+                  <a:pos x="connsiteX21" y="connsiteY21"/>
+                </a:cxn>
+                <a:cxn ang="0">
+                  <a:pos x="connsiteX22" y="connsiteY22"/>
+                </a:cxn>
+                <a:cxn ang="0">
+                  <a:pos x="connsiteX23" y="connsiteY23"/>
+                </a:cxn>
+                <a:cxn ang="0">
+                  <a:pos x="connsiteX24" y="connsiteY24"/>
+                </a:cxn>
+              </a:cxnLst>
+              <a:rect l="l" t="t" r="r" b="b"/>
+              <a:pathLst>
+                <a:path w="1192258" h="1453488">
+                  <a:moveTo>
+                    <a:pt x="199642" y="14"/>
+                  </a:moveTo>
+                  <a:cubicBezTo>
+                    <a:pt x="168818" y="-118"/>
+                    <a:pt x="142625" y="676"/>
+                    <a:pt x="121458" y="2792"/>
+                  </a:cubicBezTo>
+                  <a:cubicBezTo>
+                    <a:pt x="79125" y="7025"/>
+                    <a:pt x="70658" y="9142"/>
+                    <a:pt x="51608" y="28192"/>
+                  </a:cubicBezTo>
+                  <a:cubicBezTo>
+                    <a:pt x="32558" y="47242"/>
+                    <a:pt x="13508" y="83225"/>
+                    <a:pt x="7158" y="117092"/>
+                  </a:cubicBezTo>
+                  <a:cubicBezTo>
+                    <a:pt x="808" y="150959"/>
+                    <a:pt x="-7659" y="191175"/>
+                    <a:pt x="13508" y="231392"/>
+                  </a:cubicBezTo>
+                  <a:cubicBezTo>
+                    <a:pt x="34675" y="271609"/>
+                    <a:pt x="79125" y="329817"/>
+                    <a:pt x="134158" y="358392"/>
+                  </a:cubicBezTo>
+                  <a:cubicBezTo>
+                    <a:pt x="189191" y="386967"/>
+                    <a:pt x="283383" y="388025"/>
+                    <a:pt x="343708" y="402842"/>
+                  </a:cubicBezTo>
+                  <a:cubicBezTo>
+                    <a:pt x="404033" y="417659"/>
+                    <a:pt x="460125" y="429300"/>
+                    <a:pt x="496108" y="447292"/>
+                  </a:cubicBezTo>
+                  <a:cubicBezTo>
+                    <a:pt x="532091" y="465284"/>
+                    <a:pt x="543733" y="481159"/>
+                    <a:pt x="559608" y="510792"/>
+                  </a:cubicBezTo>
+                  <a:cubicBezTo>
+                    <a:pt x="575483" y="540425"/>
+                    <a:pt x="581833" y="573234"/>
+                    <a:pt x="591358" y="625092"/>
+                  </a:cubicBezTo>
+                  <a:cubicBezTo>
+                    <a:pt x="600883" y="676950"/>
+                    <a:pt x="603000" y="754209"/>
+                    <a:pt x="616758" y="821942"/>
+                  </a:cubicBezTo>
+                  <a:cubicBezTo>
+                    <a:pt x="630516" y="889675"/>
+                    <a:pt x="642158" y="954234"/>
+                    <a:pt x="673908" y="1031492"/>
+                  </a:cubicBezTo>
+                  <a:cubicBezTo>
+                    <a:pt x="705658" y="1108750"/>
+                    <a:pt x="731058" y="1208234"/>
+                    <a:pt x="807258" y="1285492"/>
+                  </a:cubicBezTo>
+                  <a:cubicBezTo>
+                    <a:pt x="845358" y="1324121"/>
+                    <a:pt x="910379" y="1372937"/>
+                    <a:pt x="973846" y="1413881"/>
+                  </a:cubicBezTo>
+                  <a:lnTo>
+                    <a:pt x="1041133" y="1453488"/>
+                  </a:lnTo>
+                  <a:lnTo>
+                    <a:pt x="1182697" y="1453488"/>
+                  </a:lnTo>
+                  <a:lnTo>
+                    <a:pt x="1186956" y="1416238"/>
+                  </a:lnTo>
+                  <a:cubicBezTo>
+                    <a:pt x="1187779" y="1400884"/>
+                    <a:pt x="1188258" y="1385240"/>
+                    <a:pt x="1189846" y="1371217"/>
+                  </a:cubicBezTo>
+                  <a:cubicBezTo>
+                    <a:pt x="1196196" y="1315125"/>
+                    <a:pt x="1190242" y="1310363"/>
+                    <a:pt x="1169208" y="1158492"/>
+                  </a:cubicBezTo>
+                  <a:cubicBezTo>
+                    <a:pt x="1148174" y="1006621"/>
+                    <a:pt x="1116952" y="623240"/>
+                    <a:pt x="1063639" y="459992"/>
+                  </a:cubicBezTo>
+                  <a:cubicBezTo>
+                    <a:pt x="1010326" y="296744"/>
+                    <a:pt x="906345" y="243298"/>
+                    <a:pt x="849327" y="179004"/>
+                  </a:cubicBezTo>
+                  <a:cubicBezTo>
+                    <a:pt x="792309" y="114710"/>
+                    <a:pt x="763469" y="100422"/>
+                    <a:pt x="721533" y="74228"/>
+                  </a:cubicBezTo>
+                  <a:cubicBezTo>
+                    <a:pt x="679597" y="48034"/>
+                    <a:pt x="667029" y="33748"/>
+                    <a:pt x="597708" y="21842"/>
+                  </a:cubicBezTo>
+                  <a:cubicBezTo>
+                    <a:pt x="528387" y="9936"/>
+                    <a:pt x="384983" y="5967"/>
+                    <a:pt x="305608" y="2792"/>
+                  </a:cubicBezTo>
+                  <a:cubicBezTo>
+                    <a:pt x="265921" y="1205"/>
+                    <a:pt x="230466" y="147"/>
+                    <a:pt x="199642" y="14"/>
+                  </a:cubicBezTo>
+                  <a:close/>
+                </a:path>
+              </a:pathLst>
+            </a:custGeom>
+            <a:solidFill>
+              <a:srgbClr val="F6CBA8"/>
+            </a:solidFill>
+            <a:ln>
+              <a:noFill/>
+            </a:ln>
+          </p:spPr>
+          <p:style>
+            <a:lnRef idx="2">
+              <a:schemeClr val="accent1">
+                <a:shade val="50000"/>
+              </a:schemeClr>
+            </a:lnRef>
+            <a:fillRef idx="1">
+              <a:schemeClr val="accent1"/>
+            </a:fillRef>
+            <a:effectRef idx="0">
+              <a:schemeClr val="accent1"/>
+            </a:effectRef>
+            <a:fontRef idx="minor">
+              <a:schemeClr val="lt1"/>
+            </a:fontRef>
+          </p:style>
+          <p:txBody>
+            <a:bodyPr wrap="square" rtlCol="0" anchor="ctr">
+              <a:noAutofit/>
+            </a:bodyPr>
+            <a:lstStyle/>
+            <a:p>
+              <a:pPr algn="ctr"/>
+              <a:endParaRPr lang="ko-KR" altLang="en-US">
+                <a:solidFill>
+                  <a:prstClr val="white"/>
+                </a:solidFill>
+              </a:endParaRPr>
+            </a:p>
+          </p:txBody>
+        </p:sp>
+      </p:grpSp>
+      <p:grpSp>
+        <p:nvGrpSpPr>
+          <p:cNvPr id="33" name="그룹 32">
+            <a:extLst>
+              <a:ext uri="{FF2B5EF4-FFF2-40B4-BE49-F238E27FC236}">
+                <a16:creationId xmlns:a16="http://schemas.microsoft.com/office/drawing/2014/main" id="{3D783B5F-9E76-D3C0-6628-68872360C69F}"/>
+              </a:ext>
+            </a:extLst>
+          </p:cNvPr>
+          <p:cNvGrpSpPr/>
+          <p:nvPr/>
+        </p:nvGrpSpPr>
+        <p:grpSpPr>
+          <a:xfrm flipH="1">
+            <a:off x="10951709" y="5411118"/>
+            <a:ext cx="1192258" cy="1453488"/>
+            <a:chOff x="91175" y="5411118"/>
+            <a:chExt cx="1192258" cy="1453488"/>
+          </a:xfrm>
+        </p:grpSpPr>
+        <p:sp>
+          <p:nvSpPr>
+            <p:cNvPr id="34" name="자유형: 도형 33">
+              <a:extLst>
+                <a:ext uri="{FF2B5EF4-FFF2-40B4-BE49-F238E27FC236}">
+                  <a16:creationId xmlns:a16="http://schemas.microsoft.com/office/drawing/2014/main" id="{176C3540-C22C-F089-F791-42115230F119}"/>
+                </a:ext>
+              </a:extLst>
+            </p:cNvPr>
+            <p:cNvSpPr/>
+            <p:nvPr/>
+          </p:nvSpPr>
+          <p:spPr>
+            <a:xfrm flipH="1">
+              <a:off x="235460" y="6269830"/>
+              <a:ext cx="517295" cy="572656"/>
+            </a:xfrm>
+            <a:custGeom>
+              <a:avLst/>
+              <a:gdLst>
+                <a:gd name="connsiteX0" fmla="*/ 0 w 547694"/>
+                <a:gd name="connsiteY0" fmla="*/ 0 h 615998"/>
+                <a:gd name="connsiteX1" fmla="*/ 388133 w 547694"/>
+                <a:gd name="connsiteY1" fmla="*/ 0 h 615998"/>
+                <a:gd name="connsiteX2" fmla="*/ 387698 w 547694"/>
+                <a:gd name="connsiteY2" fmla="*/ 3738 h 615998"/>
+                <a:gd name="connsiteX3" fmla="*/ 402227 w 547694"/>
+                <a:gd name="connsiteY3" fmla="*/ 59753 h 615998"/>
+                <a:gd name="connsiteX4" fmla="*/ 480808 w 547694"/>
+                <a:gd name="connsiteY4" fmla="*/ 369316 h 615998"/>
+                <a:gd name="connsiteX5" fmla="*/ 542721 w 547694"/>
+                <a:gd name="connsiteY5" fmla="*/ 609822 h 615998"/>
+                <a:gd name="connsiteX6" fmla="*/ 347458 w 547694"/>
+                <a:gd name="connsiteY6" fmla="*/ 526478 h 615998"/>
+                <a:gd name="connsiteX7" fmla="*/ 145052 w 547694"/>
+                <a:gd name="connsiteY7" fmla="*/ 328835 h 615998"/>
+                <a:gd name="connsiteX8" fmla="*/ 25841 w 547694"/>
+                <a:gd name="connsiteY8" fmla="*/ 69204 h 615998"/>
+              </a:gdLst>
+              <a:ahLst/>
+              <a:cxnLst>
+                <a:cxn ang="0">
+                  <a:pos x="connsiteX0" y="connsiteY0"/>
+                </a:cxn>
+                <a:cxn ang="0">
+                  <a:pos x="connsiteX1" y="connsiteY1"/>
+                </a:cxn>
+                <a:cxn ang="0">
+                  <a:pos x="connsiteX2" y="connsiteY2"/>
+                </a:cxn>
+                <a:cxn ang="0">
+                  <a:pos x="connsiteX3" y="connsiteY3"/>
+                </a:cxn>
+                <a:cxn ang="0">
+                  <a:pos x="connsiteX4" y="connsiteY4"/>
+                </a:cxn>
+                <a:cxn ang="0">
+                  <a:pos x="connsiteX5" y="connsiteY5"/>
+                </a:cxn>
+                <a:cxn ang="0">
+                  <a:pos x="connsiteX6" y="connsiteY6"/>
+                </a:cxn>
+                <a:cxn ang="0">
+                  <a:pos x="connsiteX7" y="connsiteY7"/>
+                </a:cxn>
+                <a:cxn ang="0">
+                  <a:pos x="connsiteX8" y="connsiteY8"/>
+                </a:cxn>
+              </a:cxnLst>
+              <a:rect l="l" t="t" r="r" b="b"/>
+              <a:pathLst>
+                <a:path w="547694" h="615998">
+                  <a:moveTo>
+                    <a:pt x="0" y="0"/>
+                  </a:moveTo>
+                  <a:lnTo>
+                    <a:pt x="388133" y="0"/>
+                  </a:lnTo>
+                  <a:lnTo>
+                    <a:pt x="387698" y="3738"/>
+                  </a:lnTo>
+                  <a:cubicBezTo>
+                    <a:pt x="388659" y="18206"/>
+                    <a:pt x="392702" y="36338"/>
+                    <a:pt x="402227" y="59753"/>
+                  </a:cubicBezTo>
+                  <a:cubicBezTo>
+                    <a:pt x="440327" y="153415"/>
+                    <a:pt x="454614" y="276050"/>
+                    <a:pt x="480808" y="369316"/>
+                  </a:cubicBezTo>
+                  <a:cubicBezTo>
+                    <a:pt x="507002" y="462582"/>
+                    <a:pt x="564946" y="583628"/>
+                    <a:pt x="542721" y="609822"/>
+                  </a:cubicBezTo>
+                  <a:cubicBezTo>
+                    <a:pt x="520496" y="636016"/>
+                    <a:pt x="413736" y="573309"/>
+                    <a:pt x="347458" y="526478"/>
+                  </a:cubicBezTo>
+                  <a:cubicBezTo>
+                    <a:pt x="281180" y="479647"/>
+                    <a:pt x="203392" y="417735"/>
+                    <a:pt x="145052" y="328835"/>
+                  </a:cubicBezTo>
+                  <a:cubicBezTo>
+                    <a:pt x="101297" y="262160"/>
+                    <a:pt x="58211" y="154855"/>
+                    <a:pt x="25841" y="69204"/>
+                  </a:cubicBezTo>
+                  <a:close/>
+                </a:path>
+              </a:pathLst>
+            </a:custGeom>
+            <a:solidFill>
+              <a:srgbClr val="F3B080"/>
+            </a:solidFill>
+            <a:ln>
+              <a:noFill/>
+            </a:ln>
+          </p:spPr>
+          <p:style>
+            <a:lnRef idx="2">
+              <a:schemeClr val="accent1">
+                <a:shade val="50000"/>
+              </a:schemeClr>
+            </a:lnRef>
+            <a:fillRef idx="1">
+              <a:schemeClr val="accent1"/>
+            </a:fillRef>
+            <a:effectRef idx="0">
+              <a:schemeClr val="accent1"/>
+            </a:effectRef>
+            <a:fontRef idx="minor">
+              <a:schemeClr val="lt1"/>
+            </a:fontRef>
+          </p:style>
+          <p:txBody>
+            <a:bodyPr wrap="square" rtlCol="0" anchor="ctr">
+              <a:noAutofit/>
+            </a:bodyPr>
+            <a:lstStyle/>
+            <a:p>
+              <a:pPr algn="ctr"/>
+              <a:endParaRPr lang="ko-KR" altLang="en-US">
+                <a:solidFill>
+                  <a:prstClr val="white"/>
+                </a:solidFill>
+              </a:endParaRPr>
+            </a:p>
+          </p:txBody>
+        </p:sp>
+        <p:sp>
+          <p:nvSpPr>
+            <p:cNvPr id="35" name="직각 삼각형 34">
+              <a:extLst>
+                <a:ext uri="{FF2B5EF4-FFF2-40B4-BE49-F238E27FC236}">
+                  <a16:creationId xmlns:a16="http://schemas.microsoft.com/office/drawing/2014/main" id="{DE91808D-8AA4-3F45-E8D4-0453C09318AD}"/>
+                </a:ext>
+              </a:extLst>
+            </p:cNvPr>
+            <p:cNvSpPr/>
+            <p:nvPr/>
+          </p:nvSpPr>
+          <p:spPr>
+            <a:xfrm rot="10800000" flipV="1">
+              <a:off x="301984" y="5528951"/>
+              <a:ext cx="116363" cy="200949"/>
+            </a:xfrm>
+            <a:prstGeom prst="rtTriangle">
+              <a:avLst/>
+            </a:prstGeom>
+            <a:solidFill>
+              <a:srgbClr val="F3B080"/>
+            </a:solidFill>
+            <a:ln>
+              <a:noFill/>
+            </a:ln>
+          </p:spPr>
+          <p:style>
+            <a:lnRef idx="2">
+              <a:schemeClr val="accent1">
+                <a:shade val="50000"/>
+              </a:schemeClr>
+            </a:lnRef>
+            <a:fillRef idx="1">
+              <a:schemeClr val="accent1"/>
+            </a:fillRef>
+            <a:effectRef idx="0">
+              <a:schemeClr val="accent1"/>
+            </a:effectRef>
+            <a:fontRef idx="minor">
+              <a:schemeClr val="lt1"/>
+            </a:fontRef>
+          </p:style>
+          <p:txBody>
+            <a:bodyPr rtlCol="0" anchor="ctr"/>
+            <a:lstStyle/>
+            <a:p>
+              <a:pPr algn="ctr"/>
+              <a:endParaRPr lang="ko-KR" altLang="en-US">
+                <a:solidFill>
+                  <a:prstClr val="white"/>
+                </a:solidFill>
+              </a:endParaRPr>
+            </a:p>
+          </p:txBody>
+        </p:sp>
+        <p:sp>
+          <p:nvSpPr>
+            <p:cNvPr id="36" name="자유형: 도형 35">
+              <a:extLst>
+                <a:ext uri="{FF2B5EF4-FFF2-40B4-BE49-F238E27FC236}">
+                  <a16:creationId xmlns:a16="http://schemas.microsoft.com/office/drawing/2014/main" id="{B0B6B4A2-B138-B52A-FDD0-54F693C0AF81}"/>
+                </a:ext>
+              </a:extLst>
+            </p:cNvPr>
+            <p:cNvSpPr/>
+            <p:nvPr/>
+          </p:nvSpPr>
+          <p:spPr>
+            <a:xfrm flipH="1">
+              <a:off x="91175" y="5411118"/>
+              <a:ext cx="1192258" cy="1453488"/>
+            </a:xfrm>
+            <a:custGeom>
+              <a:avLst/>
+              <a:gdLst>
+                <a:gd name="connsiteX0" fmla="*/ 199642 w 1192258"/>
+                <a:gd name="connsiteY0" fmla="*/ 14 h 1453488"/>
+                <a:gd name="connsiteX1" fmla="*/ 121458 w 1192258"/>
+                <a:gd name="connsiteY1" fmla="*/ 2792 h 1453488"/>
+                <a:gd name="connsiteX2" fmla="*/ 51608 w 1192258"/>
+                <a:gd name="connsiteY2" fmla="*/ 28192 h 1453488"/>
+                <a:gd name="connsiteX3" fmla="*/ 7158 w 1192258"/>
+                <a:gd name="connsiteY3" fmla="*/ 117092 h 1453488"/>
+                <a:gd name="connsiteX4" fmla="*/ 13508 w 1192258"/>
+                <a:gd name="connsiteY4" fmla="*/ 231392 h 1453488"/>
+                <a:gd name="connsiteX5" fmla="*/ 134158 w 1192258"/>
+                <a:gd name="connsiteY5" fmla="*/ 358392 h 1453488"/>
+                <a:gd name="connsiteX6" fmla="*/ 343708 w 1192258"/>
+                <a:gd name="connsiteY6" fmla="*/ 402842 h 1453488"/>
+                <a:gd name="connsiteX7" fmla="*/ 496108 w 1192258"/>
+                <a:gd name="connsiteY7" fmla="*/ 447292 h 1453488"/>
+                <a:gd name="connsiteX8" fmla="*/ 559608 w 1192258"/>
+                <a:gd name="connsiteY8" fmla="*/ 510792 h 1453488"/>
+                <a:gd name="connsiteX9" fmla="*/ 591358 w 1192258"/>
+                <a:gd name="connsiteY9" fmla="*/ 625092 h 1453488"/>
+                <a:gd name="connsiteX10" fmla="*/ 616758 w 1192258"/>
+                <a:gd name="connsiteY10" fmla="*/ 821942 h 1453488"/>
+                <a:gd name="connsiteX11" fmla="*/ 673908 w 1192258"/>
+                <a:gd name="connsiteY11" fmla="*/ 1031492 h 1453488"/>
+                <a:gd name="connsiteX12" fmla="*/ 807258 w 1192258"/>
+                <a:gd name="connsiteY12" fmla="*/ 1285492 h 1453488"/>
+                <a:gd name="connsiteX13" fmla="*/ 973846 w 1192258"/>
+                <a:gd name="connsiteY13" fmla="*/ 1413881 h 1453488"/>
+                <a:gd name="connsiteX14" fmla="*/ 1041133 w 1192258"/>
+                <a:gd name="connsiteY14" fmla="*/ 1453488 h 1453488"/>
+                <a:gd name="connsiteX15" fmla="*/ 1182697 w 1192258"/>
+                <a:gd name="connsiteY15" fmla="*/ 1453488 h 1453488"/>
+                <a:gd name="connsiteX16" fmla="*/ 1186956 w 1192258"/>
+                <a:gd name="connsiteY16" fmla="*/ 1416238 h 1453488"/>
+                <a:gd name="connsiteX17" fmla="*/ 1189846 w 1192258"/>
+                <a:gd name="connsiteY17" fmla="*/ 1371217 h 1453488"/>
+                <a:gd name="connsiteX18" fmla="*/ 1169208 w 1192258"/>
+                <a:gd name="connsiteY18" fmla="*/ 1158492 h 1453488"/>
+                <a:gd name="connsiteX19" fmla="*/ 1063639 w 1192258"/>
+                <a:gd name="connsiteY19" fmla="*/ 459992 h 1453488"/>
+                <a:gd name="connsiteX20" fmla="*/ 849327 w 1192258"/>
+                <a:gd name="connsiteY20" fmla="*/ 179004 h 1453488"/>
+                <a:gd name="connsiteX21" fmla="*/ 721533 w 1192258"/>
+                <a:gd name="connsiteY21" fmla="*/ 74228 h 1453488"/>
+                <a:gd name="connsiteX22" fmla="*/ 597708 w 1192258"/>
+                <a:gd name="connsiteY22" fmla="*/ 21842 h 1453488"/>
+                <a:gd name="connsiteX23" fmla="*/ 305608 w 1192258"/>
+                <a:gd name="connsiteY23" fmla="*/ 2792 h 1453488"/>
+                <a:gd name="connsiteX24" fmla="*/ 199642 w 1192258"/>
+                <a:gd name="connsiteY24" fmla="*/ 14 h 1453488"/>
+              </a:gdLst>
+              <a:ahLst/>
+              <a:cxnLst>
+                <a:cxn ang="0">
+                  <a:pos x="connsiteX0" y="connsiteY0"/>
+                </a:cxn>
+                <a:cxn ang="0">
+                  <a:pos x="connsiteX1" y="connsiteY1"/>
+                </a:cxn>
+                <a:cxn ang="0">
+                  <a:pos x="connsiteX2" y="connsiteY2"/>
+                </a:cxn>
+                <a:cxn ang="0">
+                  <a:pos x="connsiteX3" y="connsiteY3"/>
+                </a:cxn>
+                <a:cxn ang="0">
+                  <a:pos x="connsiteX4" y="connsiteY4"/>
+                </a:cxn>
+                <a:cxn ang="0">
+                  <a:pos x="connsiteX5" y="connsiteY5"/>
+                </a:cxn>
+                <a:cxn ang="0">
+                  <a:pos x="connsiteX6" y="connsiteY6"/>
+                </a:cxn>
+                <a:cxn ang="0">
+                  <a:pos x="connsiteX7" y="connsiteY7"/>
+                </a:cxn>
+                <a:cxn ang="0">
+                  <a:pos x="connsiteX8" y="connsiteY8"/>
+                </a:cxn>
+                <a:cxn ang="0">
+                  <a:pos x="connsiteX9" y="connsiteY9"/>
+                </a:cxn>
+                <a:cxn ang="0">
+                  <a:pos x="connsiteX10" y="connsiteY10"/>
+                </a:cxn>
+                <a:cxn ang="0">
+                  <a:pos x="connsiteX11" y="connsiteY11"/>
+                </a:cxn>
+                <a:cxn ang="0">
+                  <a:pos x="connsiteX12" y="connsiteY12"/>
+                </a:cxn>
+                <a:cxn ang="0">
+                  <a:pos x="connsiteX13" y="connsiteY13"/>
+                </a:cxn>
+                <a:cxn ang="0">
+                  <a:pos x="connsiteX14" y="connsiteY14"/>
+                </a:cxn>
+                <a:cxn ang="0">
+                  <a:pos x="connsiteX15" y="connsiteY15"/>
+                </a:cxn>
+                <a:cxn ang="0">
+                  <a:pos x="connsiteX16" y="connsiteY16"/>
+                </a:cxn>
+                <a:cxn ang="0">
+                  <a:pos x="connsiteX17" y="connsiteY17"/>
+                </a:cxn>
+                <a:cxn ang="0">
+                  <a:pos x="connsiteX18" y="connsiteY18"/>
+                </a:cxn>
+                <a:cxn ang="0">
+                  <a:pos x="connsiteX19" y="connsiteY19"/>
+                </a:cxn>
+                <a:cxn ang="0">
+                  <a:pos x="connsiteX20" y="connsiteY20"/>
+                </a:cxn>
+                <a:cxn ang="0">
+                  <a:pos x="connsiteX21" y="connsiteY21"/>
+                </a:cxn>
+                <a:cxn ang="0">
+                  <a:pos x="connsiteX22" y="connsiteY22"/>
+                </a:cxn>
+                <a:cxn ang="0">
+                  <a:pos x="connsiteX23" y="connsiteY23"/>
+                </a:cxn>
+                <a:cxn ang="0">
+                  <a:pos x="connsiteX24" y="connsiteY24"/>
+                </a:cxn>
+              </a:cxnLst>
+              <a:rect l="l" t="t" r="r" b="b"/>
+              <a:pathLst>
+                <a:path w="1192258" h="1453488">
+                  <a:moveTo>
+                    <a:pt x="199642" y="14"/>
+                  </a:moveTo>
+                  <a:cubicBezTo>
+                    <a:pt x="168818" y="-118"/>
+                    <a:pt x="142625" y="676"/>
+                    <a:pt x="121458" y="2792"/>
+                  </a:cubicBezTo>
+                  <a:cubicBezTo>
+                    <a:pt x="79125" y="7025"/>
+                    <a:pt x="70658" y="9142"/>
+                    <a:pt x="51608" y="28192"/>
+                  </a:cubicBezTo>
+                  <a:cubicBezTo>
+                    <a:pt x="32558" y="47242"/>
+                    <a:pt x="13508" y="83225"/>
+                    <a:pt x="7158" y="117092"/>
+                  </a:cubicBezTo>
+                  <a:cubicBezTo>
+                    <a:pt x="808" y="150959"/>
+                    <a:pt x="-7659" y="191175"/>
+                    <a:pt x="13508" y="231392"/>
+                  </a:cubicBezTo>
+                  <a:cubicBezTo>
+                    <a:pt x="34675" y="271609"/>
+                    <a:pt x="79125" y="329817"/>
+                    <a:pt x="134158" y="358392"/>
+                  </a:cubicBezTo>
+                  <a:cubicBezTo>
+                    <a:pt x="189191" y="386967"/>
+                    <a:pt x="283383" y="388025"/>
+                    <a:pt x="343708" y="402842"/>
+                  </a:cubicBezTo>
+                  <a:cubicBezTo>
+                    <a:pt x="404033" y="417659"/>
+                    <a:pt x="460125" y="429300"/>
+                    <a:pt x="496108" y="447292"/>
+                  </a:cubicBezTo>
+                  <a:cubicBezTo>
+                    <a:pt x="532091" y="465284"/>
+                    <a:pt x="543733" y="481159"/>
+                    <a:pt x="559608" y="510792"/>
+                  </a:cubicBezTo>
+                  <a:cubicBezTo>
+                    <a:pt x="575483" y="540425"/>
+                    <a:pt x="581833" y="573234"/>
+                    <a:pt x="591358" y="625092"/>
+                  </a:cubicBezTo>
+                  <a:cubicBezTo>
+                    <a:pt x="600883" y="676950"/>
+                    <a:pt x="603000" y="754209"/>
+                    <a:pt x="616758" y="821942"/>
+                  </a:cubicBezTo>
+                  <a:cubicBezTo>
+                    <a:pt x="630516" y="889675"/>
+                    <a:pt x="642158" y="954234"/>
+                    <a:pt x="673908" y="1031492"/>
+                  </a:cubicBezTo>
+                  <a:cubicBezTo>
+                    <a:pt x="705658" y="1108750"/>
+                    <a:pt x="731058" y="1208234"/>
+                    <a:pt x="807258" y="1285492"/>
+                  </a:cubicBezTo>
+                  <a:cubicBezTo>
+                    <a:pt x="845358" y="1324121"/>
+                    <a:pt x="910379" y="1372937"/>
+                    <a:pt x="973846" y="1413881"/>
+                  </a:cubicBezTo>
+                  <a:lnTo>
+                    <a:pt x="1041133" y="1453488"/>
+                  </a:lnTo>
+                  <a:lnTo>
+                    <a:pt x="1182697" y="1453488"/>
+                  </a:lnTo>
+                  <a:lnTo>
+                    <a:pt x="1186956" y="1416238"/>
+                  </a:lnTo>
+                  <a:cubicBezTo>
+                    <a:pt x="1187779" y="1400884"/>
+                    <a:pt x="1188258" y="1385240"/>
+                    <a:pt x="1189846" y="1371217"/>
+                  </a:cubicBezTo>
+                  <a:cubicBezTo>
+                    <a:pt x="1196196" y="1315125"/>
+                    <a:pt x="1190242" y="1310363"/>
+                    <a:pt x="1169208" y="1158492"/>
+                  </a:cubicBezTo>
+                  <a:cubicBezTo>
+                    <a:pt x="1148174" y="1006621"/>
+                    <a:pt x="1116952" y="623240"/>
+                    <a:pt x="1063639" y="459992"/>
+                  </a:cubicBezTo>
+                  <a:cubicBezTo>
+                    <a:pt x="1010326" y="296744"/>
+                    <a:pt x="906345" y="243298"/>
+                    <a:pt x="849327" y="179004"/>
+                  </a:cubicBezTo>
+                  <a:cubicBezTo>
+                    <a:pt x="792309" y="114710"/>
+                    <a:pt x="763469" y="100422"/>
+                    <a:pt x="721533" y="74228"/>
+                  </a:cubicBezTo>
+                  <a:cubicBezTo>
+                    <a:pt x="679597" y="48034"/>
+                    <a:pt x="667029" y="33748"/>
+                    <a:pt x="597708" y="21842"/>
+                  </a:cubicBezTo>
+                  <a:cubicBezTo>
+                    <a:pt x="528387" y="9936"/>
+                    <a:pt x="384983" y="5967"/>
+                    <a:pt x="305608" y="2792"/>
+                  </a:cubicBezTo>
+                  <a:cubicBezTo>
+                    <a:pt x="265921" y="1205"/>
+                    <a:pt x="230466" y="147"/>
+                    <a:pt x="199642" y="14"/>
+                  </a:cubicBezTo>
+                  <a:close/>
+                </a:path>
+              </a:pathLst>
+            </a:custGeom>
+            <a:solidFill>
+              <a:srgbClr val="F6CBA8"/>
+            </a:solidFill>
+            <a:ln>
+              <a:noFill/>
+            </a:ln>
+          </p:spPr>
+          <p:style>
+            <a:lnRef idx="2">
+              <a:schemeClr val="accent1">
+                <a:shade val="50000"/>
+              </a:schemeClr>
+            </a:lnRef>
+            <a:fillRef idx="1">
+              <a:schemeClr val="accent1"/>
+            </a:fillRef>
+            <a:effectRef idx="0">
+              <a:schemeClr val="accent1"/>
+            </a:effectRef>
+            <a:fontRef idx="minor">
+              <a:schemeClr val="lt1"/>
+            </a:fontRef>
+          </p:style>
+          <p:txBody>
+            <a:bodyPr wrap="square" rtlCol="0" anchor="ctr">
+              <a:noAutofit/>
+            </a:bodyPr>
+            <a:lstStyle/>
+            <a:p>
+              <a:pPr algn="ctr"/>
+              <a:endParaRPr lang="ko-KR" altLang="en-US">
+                <a:solidFill>
+                  <a:prstClr val="white"/>
+                </a:solidFill>
+              </a:endParaRPr>
+            </a:p>
+          </p:txBody>
+        </p:sp>
+      </p:grpSp>
+      <p:sp>
+        <p:nvSpPr>
+          <p:cNvPr id="3" name="Rectangle 1"/>
+          <p:cNvSpPr>
+            <a:spLocks noChangeArrowheads="1"/>
+          </p:cNvSpPr>
+          <p:nvPr/>
+        </p:nvSpPr>
+        <p:spPr bwMode="auto">
+          <a:xfrm>
+            <a:off x="3408363" y="3424238"/>
+            <a:ext cx="12192000" cy="457200"/>
+          </a:xfrm>
+          <a:prstGeom prst="rect">
+            <a:avLst/>
+          </a:prstGeom>
+          <a:noFill/>
+          <a:ln>
+            <a:noFill/>
+          </a:ln>
+          <a:effectLst/>
+          <a:extLst>
+            <a:ext uri="{909E8E84-426E-40DD-AFC4-6F175D3DCCD1}">
+              <a14:hiddenFill xmlns:a14="http://schemas.microsoft.com/office/drawing/2010/main">
+                <a:solidFill>
+                  <a:schemeClr val="accent1"/>
+                </a:solidFill>
+              </a14:hiddenFill>
+            </a:ext>
+            <a:ext uri="{91240B29-F687-4F45-9708-019B960494DF}">
+              <a14:hiddenLine xmlns:a14="http://schemas.microsoft.com/office/drawing/2010/main" w="9525">
+                <a:solidFill>
+                  <a:schemeClr val="tx1"/>
+                </a:solidFill>
+                <a:miter lim="800000"/>
+                <a:headEnd/>
+                <a:tailEnd/>
+              </a14:hiddenLine>
+            </a:ext>
+            <a:ext uri="{AF507438-7753-43E0-B8FC-AC1667EBCBE1}">
+              <a14:hiddenEffects xmlns:a14="http://schemas.microsoft.com/office/drawing/2010/main">
+                <a:effectLst>
+                  <a:outerShdw dist="35921" dir="2700000" algn="ctr" rotWithShape="0">
+                    <a:schemeClr val="bg2"/>
+                  </a:outerShdw>
+                </a:effectLst>
+              </a14:hiddenEffects>
+            </a:ext>
+          </a:extLst>
+        </p:spPr>
+        <p:txBody>
+          <a:bodyPr vert="horz" wrap="none" lIns="91440" tIns="45720" rIns="91440" bIns="45720" numCol="1" anchor="ctr" anchorCtr="0" compatLnSpc="1">
+            <a:prstTxWarp prst="textNoShape">
+              <a:avLst/>
+            </a:prstTxWarp>
+            <a:spAutoFit/>
+          </a:bodyPr>
+          <a:lstStyle/>
+          <a:p>
+            <a:endParaRPr lang="ko-KR" altLang="en-US"/>
+          </a:p>
+        </p:txBody>
+      </p:sp>
+      <p:sp>
+        <p:nvSpPr>
+          <p:cNvPr id="7" name="Rectangle 1"/>
+          <p:cNvSpPr>
+            <a:spLocks noChangeArrowheads="1"/>
+          </p:cNvSpPr>
+          <p:nvPr/>
+        </p:nvSpPr>
+        <p:spPr bwMode="auto">
+          <a:xfrm>
+            <a:off x="3367088" y="2606675"/>
+            <a:ext cx="12192000" cy="457200"/>
+          </a:xfrm>
+          <a:prstGeom prst="rect">
+            <a:avLst/>
+          </a:prstGeom>
+          <a:noFill/>
+          <a:ln>
+            <a:noFill/>
+          </a:ln>
+          <a:effectLst/>
+          <a:extLst>
+            <a:ext uri="{909E8E84-426E-40DD-AFC4-6F175D3DCCD1}">
+              <a14:hiddenFill xmlns:a14="http://schemas.microsoft.com/office/drawing/2010/main">
+                <a:solidFill>
+                  <a:schemeClr val="accent1"/>
+                </a:solidFill>
+              </a14:hiddenFill>
+            </a:ext>
+            <a:ext uri="{91240B29-F687-4F45-9708-019B960494DF}">
+              <a14:hiddenLine xmlns:a14="http://schemas.microsoft.com/office/drawing/2010/main" w="9525">
+                <a:solidFill>
+                  <a:schemeClr val="tx1"/>
+                </a:solidFill>
+                <a:miter lim="800000"/>
+                <a:headEnd/>
+                <a:tailEnd/>
+              </a14:hiddenLine>
+            </a:ext>
+            <a:ext uri="{AF507438-7753-43E0-B8FC-AC1667EBCBE1}">
+              <a14:hiddenEffects xmlns:a14="http://schemas.microsoft.com/office/drawing/2010/main">
+                <a:effectLst>
+                  <a:outerShdw dist="35921" dir="2700000" algn="ctr" rotWithShape="0">
+                    <a:schemeClr val="bg2"/>
+                  </a:outerShdw>
+                </a:effectLst>
+              </a14:hiddenEffects>
+            </a:ext>
+          </a:extLst>
+        </p:spPr>
+        <p:txBody>
+          <a:bodyPr vert="horz" wrap="none" lIns="91440" tIns="45720" rIns="91440" bIns="45720" numCol="1" anchor="ctr" anchorCtr="0" compatLnSpc="1">
+            <a:prstTxWarp prst="textNoShape">
+              <a:avLst/>
+            </a:prstTxWarp>
+            <a:spAutoFit/>
+          </a:bodyPr>
+          <a:lstStyle/>
+          <a:p>
+            <a:endParaRPr lang="ko-KR" altLang="en-US"/>
+          </a:p>
+        </p:txBody>
+      </p:sp>
+      <p:sp>
+        <p:nvSpPr>
+          <p:cNvPr id="5" name="Rectangle 1"/>
+          <p:cNvSpPr>
+            <a:spLocks noChangeArrowheads="1"/>
+          </p:cNvSpPr>
+          <p:nvPr/>
+        </p:nvSpPr>
+        <p:spPr bwMode="auto">
+          <a:xfrm>
+            <a:off x="3913188" y="1811338"/>
+            <a:ext cx="12192000" cy="457200"/>
+          </a:xfrm>
+          <a:prstGeom prst="rect">
+            <a:avLst/>
+          </a:prstGeom>
+          <a:noFill/>
+          <a:ln>
+            <a:noFill/>
+          </a:ln>
+          <a:effectLst/>
+          <a:extLst>
+            <a:ext uri="{909E8E84-426E-40DD-AFC4-6F175D3DCCD1}">
+              <a14:hiddenFill xmlns:a14="http://schemas.microsoft.com/office/drawing/2010/main">
+                <a:solidFill>
+                  <a:schemeClr val="accent1"/>
+                </a:solidFill>
+              </a14:hiddenFill>
+            </a:ext>
+            <a:ext uri="{91240B29-F687-4F45-9708-019B960494DF}">
+              <a14:hiddenLine xmlns:a14="http://schemas.microsoft.com/office/drawing/2010/main" w="9525">
+                <a:solidFill>
+                  <a:schemeClr val="tx1"/>
+                </a:solidFill>
+                <a:miter lim="800000"/>
+                <a:headEnd/>
+                <a:tailEnd/>
+              </a14:hiddenLine>
+            </a:ext>
+            <a:ext uri="{AF507438-7753-43E0-B8FC-AC1667EBCBE1}">
+              <a14:hiddenEffects xmlns:a14="http://schemas.microsoft.com/office/drawing/2010/main">
+                <a:effectLst>
+                  <a:outerShdw dist="35921" dir="2700000" algn="ctr" rotWithShape="0">
+                    <a:schemeClr val="bg2"/>
+                  </a:outerShdw>
+                </a:effectLst>
+              </a14:hiddenEffects>
+            </a:ext>
+          </a:extLst>
+        </p:spPr>
+        <p:txBody>
+          <a:bodyPr vert="horz" wrap="none" lIns="91440" tIns="45720" rIns="91440" bIns="45720" numCol="1" anchor="ctr" anchorCtr="0" compatLnSpc="1">
+            <a:prstTxWarp prst="textNoShape">
+              <a:avLst/>
+            </a:prstTxWarp>
+            <a:spAutoFit/>
+          </a:bodyPr>
+          <a:lstStyle/>
+          <a:p>
+            <a:endParaRPr lang="ko-KR" altLang="en-US"/>
+          </a:p>
+        </p:txBody>
+      </p:sp>
+      <p:sp>
+        <p:nvSpPr>
+          <p:cNvPr id="6" name="Rectangle 1"/>
+          <p:cNvSpPr>
+            <a:spLocks noChangeArrowheads="1"/>
+          </p:cNvSpPr>
+          <p:nvPr/>
+        </p:nvSpPr>
+        <p:spPr bwMode="auto">
+          <a:xfrm>
+            <a:off x="1690688" y="3135313"/>
+            <a:ext cx="12192000" cy="457200"/>
+          </a:xfrm>
+          <a:prstGeom prst="rect">
+            <a:avLst/>
+          </a:prstGeom>
+          <a:noFill/>
+          <a:ln>
+            <a:noFill/>
+          </a:ln>
+          <a:effectLst/>
+          <a:extLst>
+            <a:ext uri="{909E8E84-426E-40DD-AFC4-6F175D3DCCD1}">
+              <a14:hiddenFill xmlns:a14="http://schemas.microsoft.com/office/drawing/2010/main">
+                <a:solidFill>
+                  <a:schemeClr val="accent1"/>
+                </a:solidFill>
+              </a14:hiddenFill>
+            </a:ext>
+            <a:ext uri="{91240B29-F687-4F45-9708-019B960494DF}">
+              <a14:hiddenLine xmlns:a14="http://schemas.microsoft.com/office/drawing/2010/main" w="9525">
+                <a:solidFill>
+                  <a:schemeClr val="tx1"/>
+                </a:solidFill>
+                <a:miter lim="800000"/>
+                <a:headEnd/>
+                <a:tailEnd/>
+              </a14:hiddenLine>
+            </a:ext>
+            <a:ext uri="{AF507438-7753-43E0-B8FC-AC1667EBCBE1}">
+              <a14:hiddenEffects xmlns:a14="http://schemas.microsoft.com/office/drawing/2010/main">
+                <a:effectLst>
+                  <a:outerShdw dist="35921" dir="2700000" algn="ctr" rotWithShape="0">
+                    <a:schemeClr val="bg2"/>
+                  </a:outerShdw>
+                </a:effectLst>
+              </a14:hiddenEffects>
+            </a:ext>
+          </a:extLst>
+        </p:spPr>
+        <p:txBody>
+          <a:bodyPr vert="horz" wrap="none" lIns="91440" tIns="45720" rIns="91440" bIns="45720" numCol="1" anchor="ctr" anchorCtr="0" compatLnSpc="1">
+            <a:prstTxWarp prst="textNoShape">
+              <a:avLst/>
+            </a:prstTxWarp>
+            <a:spAutoFit/>
+          </a:bodyPr>
+          <a:lstStyle/>
+          <a:p>
+            <a:endParaRPr lang="ko-KR" altLang="en-US"/>
+          </a:p>
+        </p:txBody>
+      </p:sp>
+      <p:sp>
+        <p:nvSpPr>
+          <p:cNvPr id="13" name="Rectangle 2"/>
+          <p:cNvSpPr>
+            <a:spLocks noChangeArrowheads="1"/>
+          </p:cNvSpPr>
+          <p:nvPr/>
+        </p:nvSpPr>
+        <p:spPr bwMode="auto">
+          <a:xfrm>
+            <a:off x="5048371" y="779482"/>
+            <a:ext cx="16580677" cy="457200"/>
+          </a:xfrm>
+          <a:prstGeom prst="rect">
+            <a:avLst/>
+          </a:prstGeom>
+          <a:noFill/>
+          <a:ln>
+            <a:noFill/>
+          </a:ln>
+          <a:effectLst/>
+          <a:extLst>
+            <a:ext uri="{909E8E84-426E-40DD-AFC4-6F175D3DCCD1}">
+              <a14:hiddenFill xmlns:a14="http://schemas.microsoft.com/office/drawing/2010/main">
+                <a:solidFill>
+                  <a:schemeClr val="accent1"/>
+                </a:solidFill>
+              </a14:hiddenFill>
+            </a:ext>
+            <a:ext uri="{91240B29-F687-4F45-9708-019B960494DF}">
+              <a14:hiddenLine xmlns:a14="http://schemas.microsoft.com/office/drawing/2010/main" w="9525">
+                <a:solidFill>
+                  <a:schemeClr val="tx1"/>
+                </a:solidFill>
+                <a:miter lim="800000"/>
+                <a:headEnd/>
+                <a:tailEnd/>
+              </a14:hiddenLine>
+            </a:ext>
+            <a:ext uri="{AF507438-7753-43E0-B8FC-AC1667EBCBE1}">
+              <a14:hiddenEffects xmlns:a14="http://schemas.microsoft.com/office/drawing/2010/main">
+                <a:effectLst>
+                  <a:outerShdw dist="35921" dir="2700000" algn="ctr" rotWithShape="0">
+                    <a:schemeClr val="bg2"/>
+                  </a:outerShdw>
+                </a:effectLst>
+              </a14:hiddenEffects>
+            </a:ext>
+          </a:extLst>
+        </p:spPr>
+        <p:txBody>
+          <a:bodyPr vert="horz" wrap="square" lIns="91440" tIns="45720" rIns="91440" bIns="45720" numCol="1" anchor="ctr" anchorCtr="0" compatLnSpc="1">
+            <a:prstTxWarp prst="textNoShape">
+              <a:avLst/>
+            </a:prstTxWarp>
+            <a:spAutoFit/>
+          </a:bodyPr>
+          <a:lstStyle/>
+          <a:p>
+            <a:endParaRPr lang="ko-KR" altLang="en-US"/>
+          </a:p>
+        </p:txBody>
+      </p:sp>
+      <p:pic>
+        <p:nvPicPr>
+          <p:cNvPr id="25" name="Picture 1"/>
+          <p:cNvPicPr>
+            <a:picLocks noChangeAspect="1"/>
+          </p:cNvPicPr>
+          <p:nvPr/>
+        </p:nvPicPr>
+        <p:blipFill>
+          <a:blip r:embed="rId2">
+            <a:extLst/>
+          </a:blip>
+          <a:stretch>
+            <a:fillRect/>
+          </a:stretch>
+        </p:blipFill>
+        <p:spPr>
+          <a:xfrm>
+            <a:off x="3081763" y="1175668"/>
+            <a:ext cx="6525133" cy="4235450"/>
+          </a:xfrm>
+          <a:prstGeom prst="rect">
+            <a:avLst/>
+          </a:prstGeom>
+          <a:noFill/>
+          <a:ln>
+            <a:noFill/>
+          </a:ln>
+          <a:effectLst/>
+        </p:spPr>
+      </p:pic>
+    </p:spTree>
+    <p:extLst>
+      <p:ext uri="{BB962C8B-B14F-4D97-AF65-F5344CB8AC3E}">
+        <p14:creationId xmlns:p14="http://schemas.microsoft.com/office/powerpoint/2010/main" val="2424037444"/>
+      </p:ext>
+    </p:extLst>
+  </p:cSld>
+  <p:clrMapOvr>
+    <a:masterClrMapping/>
+  </p:clrMapOvr>
+  <p:timing>
+    <p:tnLst>
+      <p:par>
+        <p:cTn id="1" dur="indefinite" restart="never" nodeType="tmRoot"/>
+      </p:par>
+    </p:tnLst>
+  </p:timing>
+</p:sld>
+</file>
+
+<file path=ppt/slides/slide8.xml><?xml version="1.0" encoding="utf-8"?>
+<p:sld xmlns:a="http://schemas.openxmlformats.org/drawingml/2006/main" xmlns:r="http://schemas.openxmlformats.org/officeDocument/2006/relationships" xmlns:p="http://schemas.openxmlformats.org/presentationml/2006/main">
+  <p:cSld>
+    <p:bg>
+      <p:bgPr>
+        <a:solidFill>
+          <a:schemeClr val="bg1">
+            <a:lumMod val="95000"/>
+          </a:schemeClr>
+        </a:solidFill>
+        <a:effectLst/>
+      </p:bgPr>
+    </p:bg>
+    <p:spTree>
+      <p:nvGrpSpPr>
+        <p:cNvPr id="1" name=""/>
+        <p:cNvGrpSpPr/>
+        <p:nvPr/>
+      </p:nvGrpSpPr>
+      <p:grpSpPr>
+        <a:xfrm>
+          <a:off x="0" y="0"/>
+          <a:ext cx="0" cy="0"/>
+          <a:chOff x="0" y="0"/>
+          <a:chExt cx="0" cy="0"/>
+        </a:xfrm>
+      </p:grpSpPr>
+      <p:sp>
+        <p:nvSpPr>
+          <p:cNvPr id="32" name="자유형: 도형 31">
+            <a:extLst>
+              <a:ext uri="{FF2B5EF4-FFF2-40B4-BE49-F238E27FC236}">
+                <a16:creationId xmlns:a16="http://schemas.microsoft.com/office/drawing/2014/main" id="{CFC1EEC6-0019-5687-83EA-CE49D849B703}"/>
+              </a:ext>
+            </a:extLst>
+          </p:cNvPr>
+          <p:cNvSpPr/>
+          <p:nvPr/>
+        </p:nvSpPr>
+        <p:spPr>
+          <a:xfrm>
+            <a:off x="10089470" y="4618890"/>
+            <a:ext cx="2145671" cy="2239110"/>
+          </a:xfrm>
+          <a:custGeom>
+            <a:avLst/>
+            <a:gdLst>
+              <a:gd name="connsiteX0" fmla="*/ 1437086 w 2145671"/>
+              <a:gd name="connsiteY0" fmla="*/ 0 h 2239110"/>
+              <a:gd name="connsiteX1" fmla="*/ 1318976 w 2145671"/>
+              <a:gd name="connsiteY1" fmla="*/ 45720 h 2239110"/>
+              <a:gd name="connsiteX2" fmla="*/ 892256 w 2145671"/>
+              <a:gd name="connsiteY2" fmla="*/ 411480 h 2239110"/>
+              <a:gd name="connsiteX3" fmla="*/ 633176 w 2145671"/>
+              <a:gd name="connsiteY3" fmla="*/ 800100 h 2239110"/>
+              <a:gd name="connsiteX4" fmla="*/ 526496 w 2145671"/>
+              <a:gd name="connsiteY4" fmla="*/ 876300 h 2239110"/>
+              <a:gd name="connsiteX5" fmla="*/ 236936 w 2145671"/>
+              <a:gd name="connsiteY5" fmla="*/ 929640 h 2239110"/>
+              <a:gd name="connsiteX6" fmla="*/ 396956 w 2145671"/>
+              <a:gd name="connsiteY6" fmla="*/ 1478280 h 2239110"/>
+              <a:gd name="connsiteX7" fmla="*/ 412672 w 2145671"/>
+              <a:gd name="connsiteY7" fmla="*/ 1525727 h 2239110"/>
+              <a:gd name="connsiteX8" fmla="*/ 413835 w 2145671"/>
+              <a:gd name="connsiteY8" fmla="*/ 1527717 h 2239110"/>
+              <a:gd name="connsiteX9" fmla="*/ 414101 w 2145671"/>
+              <a:gd name="connsiteY9" fmla="*/ 1527751 h 2239110"/>
+              <a:gd name="connsiteX10" fmla="*/ 417048 w 2145671"/>
+              <a:gd name="connsiteY10" fmla="*/ 1533220 h 2239110"/>
+              <a:gd name="connsiteX11" fmla="*/ 413835 w 2145671"/>
+              <a:gd name="connsiteY11" fmla="*/ 1527717 h 2239110"/>
+              <a:gd name="connsiteX12" fmla="*/ 407166 w 2145671"/>
+              <a:gd name="connsiteY12" fmla="*/ 1526880 h 2239110"/>
+              <a:gd name="connsiteX13" fmla="*/ 396956 w 2145671"/>
+              <a:gd name="connsiteY13" fmla="*/ 1531620 h 2239110"/>
+              <a:gd name="connsiteX14" fmla="*/ 206456 w 2145671"/>
+              <a:gd name="connsiteY14" fmla="*/ 1615440 h 2239110"/>
+              <a:gd name="connsiteX15" fmla="*/ 93585 w 2145671"/>
+              <a:gd name="connsiteY15" fmla="*/ 1669257 h 2239110"/>
+              <a:gd name="connsiteX16" fmla="*/ 3098 w 2145671"/>
+              <a:gd name="connsiteY16" fmla="*/ 1754029 h 2239110"/>
+              <a:gd name="connsiteX17" fmla="*/ 46436 w 2145671"/>
+              <a:gd name="connsiteY17" fmla="*/ 1866900 h 2239110"/>
+              <a:gd name="connsiteX18" fmla="*/ 282656 w 2145671"/>
+              <a:gd name="connsiteY18" fmla="*/ 1905000 h 2239110"/>
+              <a:gd name="connsiteX19" fmla="*/ 694136 w 2145671"/>
+              <a:gd name="connsiteY19" fmla="*/ 1844040 h 2239110"/>
+              <a:gd name="connsiteX20" fmla="*/ 869396 w 2145671"/>
+              <a:gd name="connsiteY20" fmla="*/ 1866900 h 2239110"/>
+              <a:gd name="connsiteX21" fmla="*/ 960836 w 2145671"/>
+              <a:gd name="connsiteY21" fmla="*/ 1988820 h 2239110"/>
+              <a:gd name="connsiteX22" fmla="*/ 1021796 w 2145671"/>
+              <a:gd name="connsiteY22" fmla="*/ 2186940 h 2239110"/>
+              <a:gd name="connsiteX23" fmla="*/ 1046205 w 2145671"/>
+              <a:gd name="connsiteY23" fmla="*/ 2239110 h 2239110"/>
+              <a:gd name="connsiteX24" fmla="*/ 2145671 w 2145671"/>
+              <a:gd name="connsiteY24" fmla="*/ 2239110 h 2239110"/>
+              <a:gd name="connsiteX25" fmla="*/ 2145671 w 2145671"/>
+              <a:gd name="connsiteY25" fmla="*/ 1031773 h 2239110"/>
+              <a:gd name="connsiteX26" fmla="*/ 2141951 w 2145671"/>
+              <a:gd name="connsiteY26" fmla="*/ 1024682 h 2239110"/>
+              <a:gd name="connsiteX27" fmla="*/ 1776176 w 2145671"/>
+              <a:gd name="connsiteY27" fmla="*/ 411480 h 2239110"/>
+              <a:gd name="connsiteX28" fmla="*/ 1532336 w 2145671"/>
+              <a:gd name="connsiteY28" fmla="*/ 45720 h 2239110"/>
+              <a:gd name="connsiteX29" fmla="*/ 1437086 w 2145671"/>
+              <a:gd name="connsiteY29" fmla="*/ 0 h 2239110"/>
+            </a:gdLst>
+            <a:ahLst/>
+            <a:cxnLst>
+              <a:cxn ang="0">
+                <a:pos x="connsiteX0" y="connsiteY0"/>
+              </a:cxn>
+              <a:cxn ang="0">
+                <a:pos x="connsiteX1" y="connsiteY1"/>
+              </a:cxn>
+              <a:cxn ang="0">
+                <a:pos x="connsiteX2" y="connsiteY2"/>
+              </a:cxn>
+              <a:cxn ang="0">
+                <a:pos x="connsiteX3" y="connsiteY3"/>
+              </a:cxn>
+              <a:cxn ang="0">
+                <a:pos x="connsiteX4" y="connsiteY4"/>
+              </a:cxn>
+              <a:cxn ang="0">
+                <a:pos x="connsiteX5" y="connsiteY5"/>
+              </a:cxn>
+              <a:cxn ang="0">
+                <a:pos x="connsiteX6" y="connsiteY6"/>
+              </a:cxn>
+              <a:cxn ang="0">
+                <a:pos x="connsiteX7" y="connsiteY7"/>
+              </a:cxn>
+              <a:cxn ang="0">
+                <a:pos x="connsiteX8" y="connsiteY8"/>
+              </a:cxn>
+              <a:cxn ang="0">
+                <a:pos x="connsiteX9" y="connsiteY9"/>
+              </a:cxn>
+              <a:cxn ang="0">
+                <a:pos x="connsiteX10" y="connsiteY10"/>
+              </a:cxn>
+              <a:cxn ang="0">
+                <a:pos x="connsiteX11" y="connsiteY11"/>
+              </a:cxn>
+              <a:cxn ang="0">
+                <a:pos x="connsiteX12" y="connsiteY12"/>
+              </a:cxn>
+              <a:cxn ang="0">
+                <a:pos x="connsiteX13" y="connsiteY13"/>
+              </a:cxn>
+              <a:cxn ang="0">
+                <a:pos x="connsiteX14" y="connsiteY14"/>
+              </a:cxn>
+              <a:cxn ang="0">
+                <a:pos x="connsiteX15" y="connsiteY15"/>
+              </a:cxn>
+              <a:cxn ang="0">
+                <a:pos x="connsiteX16" y="connsiteY16"/>
+              </a:cxn>
+              <a:cxn ang="0">
+                <a:pos x="connsiteX17" y="connsiteY17"/>
+              </a:cxn>
+              <a:cxn ang="0">
+                <a:pos x="connsiteX18" y="connsiteY18"/>
+              </a:cxn>
+              <a:cxn ang="0">
+                <a:pos x="connsiteX19" y="connsiteY19"/>
+              </a:cxn>
+              <a:cxn ang="0">
+                <a:pos x="connsiteX20" y="connsiteY20"/>
+              </a:cxn>
+              <a:cxn ang="0">
+                <a:pos x="connsiteX21" y="connsiteY21"/>
+              </a:cxn>
+              <a:cxn ang="0">
+                <a:pos x="connsiteX22" y="connsiteY22"/>
+              </a:cxn>
+              <a:cxn ang="0">
+                <a:pos x="connsiteX23" y="connsiteY23"/>
+              </a:cxn>
+              <a:cxn ang="0">
+                <a:pos x="connsiteX24" y="connsiteY24"/>
+              </a:cxn>
+              <a:cxn ang="0">
+                <a:pos x="connsiteX25" y="connsiteY25"/>
+              </a:cxn>
+              <a:cxn ang="0">
+                <a:pos x="connsiteX26" y="connsiteY26"/>
+              </a:cxn>
+              <a:cxn ang="0">
+                <a:pos x="connsiteX27" y="connsiteY27"/>
+              </a:cxn>
+              <a:cxn ang="0">
+                <a:pos x="connsiteX28" y="connsiteY28"/>
+              </a:cxn>
+              <a:cxn ang="0">
+                <a:pos x="connsiteX29" y="connsiteY29"/>
+              </a:cxn>
+            </a:cxnLst>
+            <a:rect l="l" t="t" r="r" b="b"/>
+            <a:pathLst>
+              <a:path w="2145671" h="2239110">
+                <a:moveTo>
+                  <a:pt x="1437086" y="0"/>
+                </a:moveTo>
+                <a:cubicBezTo>
+                  <a:pt x="1406606" y="0"/>
+                  <a:pt x="1372316" y="15240"/>
+                  <a:pt x="1318976" y="45720"/>
+                </a:cubicBezTo>
+                <a:cubicBezTo>
+                  <a:pt x="1212296" y="106680"/>
+                  <a:pt x="1006556" y="285750"/>
+                  <a:pt x="892256" y="411480"/>
+                </a:cubicBezTo>
+                <a:cubicBezTo>
+                  <a:pt x="777956" y="537210"/>
+                  <a:pt x="694136" y="722630"/>
+                  <a:pt x="633176" y="800100"/>
+                </a:cubicBezTo>
+                <a:cubicBezTo>
+                  <a:pt x="572216" y="877570"/>
+                  <a:pt x="592536" y="854710"/>
+                  <a:pt x="526496" y="876300"/>
+                </a:cubicBezTo>
+                <a:cubicBezTo>
+                  <a:pt x="460456" y="897890"/>
+                  <a:pt x="258526" y="829310"/>
+                  <a:pt x="236936" y="929640"/>
+                </a:cubicBezTo>
+                <a:cubicBezTo>
+                  <a:pt x="215346" y="1029970"/>
+                  <a:pt x="370286" y="1377950"/>
+                  <a:pt x="396956" y="1478280"/>
+                </a:cubicBezTo>
+                <a:cubicBezTo>
+                  <a:pt x="403624" y="1503363"/>
+                  <a:pt x="408942" y="1517809"/>
+                  <a:pt x="412672" y="1525727"/>
+                </a:cubicBezTo>
+                <a:lnTo>
+                  <a:pt x="413835" y="1527717"/>
+                </a:lnTo>
+                <a:lnTo>
+                  <a:pt x="414101" y="1527751"/>
+                </a:lnTo>
+                <a:cubicBezTo>
+                  <a:pt x="419459" y="1530400"/>
+                  <a:pt x="420173" y="1536844"/>
+                  <a:pt x="417048" y="1533220"/>
+                </a:cubicBezTo>
+                <a:lnTo>
+                  <a:pt x="413835" y="1527717"/>
+                </a:lnTo>
+                <a:lnTo>
+                  <a:pt x="407166" y="1526880"/>
+                </a:lnTo>
+                <a:cubicBezTo>
+                  <a:pt x="404318" y="1527354"/>
+                  <a:pt x="400925" y="1528763"/>
+                  <a:pt x="396956" y="1531620"/>
+                </a:cubicBezTo>
+                <a:cubicBezTo>
+                  <a:pt x="365206" y="1554480"/>
+                  <a:pt x="257018" y="1592501"/>
+                  <a:pt x="206456" y="1615440"/>
+                </a:cubicBezTo>
+                <a:cubicBezTo>
+                  <a:pt x="155894" y="1638379"/>
+                  <a:pt x="127478" y="1646159"/>
+                  <a:pt x="93585" y="1669257"/>
+                </a:cubicBezTo>
+                <a:cubicBezTo>
+                  <a:pt x="59692" y="1692355"/>
+                  <a:pt x="10956" y="1721088"/>
+                  <a:pt x="3098" y="1754029"/>
+                </a:cubicBezTo>
+                <a:cubicBezTo>
+                  <a:pt x="-4760" y="1786970"/>
+                  <a:pt x="-157" y="1841738"/>
+                  <a:pt x="46436" y="1866900"/>
+                </a:cubicBezTo>
+                <a:cubicBezTo>
+                  <a:pt x="93029" y="1892062"/>
+                  <a:pt x="174706" y="1908810"/>
+                  <a:pt x="282656" y="1905000"/>
+                </a:cubicBezTo>
+                <a:cubicBezTo>
+                  <a:pt x="390606" y="1901190"/>
+                  <a:pt x="596346" y="1850390"/>
+                  <a:pt x="694136" y="1844040"/>
+                </a:cubicBezTo>
+                <a:cubicBezTo>
+                  <a:pt x="791926" y="1837690"/>
+                  <a:pt x="824946" y="1842770"/>
+                  <a:pt x="869396" y="1866900"/>
+                </a:cubicBezTo>
+                <a:cubicBezTo>
+                  <a:pt x="913846" y="1891030"/>
+                  <a:pt x="935436" y="1935480"/>
+                  <a:pt x="960836" y="1988820"/>
+                </a:cubicBezTo>
+                <a:cubicBezTo>
+                  <a:pt x="986236" y="2042160"/>
+                  <a:pt x="984966" y="2104390"/>
+                  <a:pt x="1021796" y="2186940"/>
+                </a:cubicBezTo>
+                <a:lnTo>
+                  <a:pt x="1046205" y="2239110"/>
+                </a:lnTo>
+                <a:lnTo>
+                  <a:pt x="2145671" y="2239110"/>
+                </a:lnTo>
+                <a:lnTo>
+                  <a:pt x="2145671" y="1031773"/>
+                </a:lnTo>
+                <a:lnTo>
+                  <a:pt x="2141951" y="1024682"/>
+                </a:lnTo>
+                <a:cubicBezTo>
+                  <a:pt x="2041904" y="840701"/>
+                  <a:pt x="1870632" y="564833"/>
+                  <a:pt x="1776176" y="411480"/>
+                </a:cubicBezTo>
+                <a:cubicBezTo>
+                  <a:pt x="1668226" y="236220"/>
+                  <a:pt x="1608536" y="106680"/>
+                  <a:pt x="1532336" y="45720"/>
+                </a:cubicBezTo>
+                <a:cubicBezTo>
+                  <a:pt x="1494236" y="15240"/>
+                  <a:pt x="1467566" y="0"/>
+                  <a:pt x="1437086" y="0"/>
+                </a:cubicBezTo>
+                <a:close/>
+              </a:path>
+            </a:pathLst>
+          </a:custGeom>
+          <a:solidFill>
+            <a:srgbClr val="F6CBA8"/>
+          </a:solidFill>
+          <a:ln>
+            <a:noFill/>
+          </a:ln>
+        </p:spPr>
+        <p:style>
+          <a:lnRef idx="2">
+            <a:schemeClr val="accent1">
+              <a:shade val="50000"/>
+            </a:schemeClr>
+          </a:lnRef>
+          <a:fillRef idx="1">
+            <a:schemeClr val="accent1"/>
+          </a:fillRef>
+          <a:effectRef idx="0">
+            <a:schemeClr val="accent1"/>
+          </a:effectRef>
+          <a:fontRef idx="minor">
+            <a:schemeClr val="lt1"/>
+          </a:fontRef>
+        </p:style>
+        <p:txBody>
+          <a:bodyPr wrap="square" rtlCol="0" anchor="ctr">
+            <a:noAutofit/>
+          </a:bodyPr>
+          <a:lstStyle/>
+          <a:p>
+            <a:pPr algn="ctr"/>
+            <a:endParaRPr lang="ko-KR" altLang="en-US">
+              <a:solidFill>
+                <a:prstClr val="white"/>
+              </a:solidFill>
+            </a:endParaRPr>
+          </a:p>
+        </p:txBody>
+      </p:sp>
+      <p:sp>
+        <p:nvSpPr>
+          <p:cNvPr id="28" name="자유형: 도형 27">
+            <a:extLst>
+              <a:ext uri="{FF2B5EF4-FFF2-40B4-BE49-F238E27FC236}">
+                <a16:creationId xmlns:a16="http://schemas.microsoft.com/office/drawing/2014/main" id="{7E5CF1DA-6D18-450F-5B26-BD84048AC954}"/>
+              </a:ext>
+            </a:extLst>
+          </p:cNvPr>
+          <p:cNvSpPr/>
+          <p:nvPr/>
+        </p:nvSpPr>
+        <p:spPr>
+          <a:xfrm flipH="1">
+            <a:off x="1" y="4618890"/>
+            <a:ext cx="2145671" cy="2239110"/>
+          </a:xfrm>
+          <a:custGeom>
+            <a:avLst/>
+            <a:gdLst>
+              <a:gd name="connsiteX0" fmla="*/ 1437086 w 2145671"/>
+              <a:gd name="connsiteY0" fmla="*/ 0 h 2239110"/>
+              <a:gd name="connsiteX1" fmla="*/ 1318976 w 2145671"/>
+              <a:gd name="connsiteY1" fmla="*/ 45720 h 2239110"/>
+              <a:gd name="connsiteX2" fmla="*/ 892256 w 2145671"/>
+              <a:gd name="connsiteY2" fmla="*/ 411480 h 2239110"/>
+              <a:gd name="connsiteX3" fmla="*/ 633176 w 2145671"/>
+              <a:gd name="connsiteY3" fmla="*/ 800100 h 2239110"/>
+              <a:gd name="connsiteX4" fmla="*/ 526496 w 2145671"/>
+              <a:gd name="connsiteY4" fmla="*/ 876300 h 2239110"/>
+              <a:gd name="connsiteX5" fmla="*/ 236936 w 2145671"/>
+              <a:gd name="connsiteY5" fmla="*/ 929640 h 2239110"/>
+              <a:gd name="connsiteX6" fmla="*/ 396956 w 2145671"/>
+              <a:gd name="connsiteY6" fmla="*/ 1478280 h 2239110"/>
+              <a:gd name="connsiteX7" fmla="*/ 412672 w 2145671"/>
+              <a:gd name="connsiteY7" fmla="*/ 1525727 h 2239110"/>
+              <a:gd name="connsiteX8" fmla="*/ 413835 w 2145671"/>
+              <a:gd name="connsiteY8" fmla="*/ 1527717 h 2239110"/>
+              <a:gd name="connsiteX9" fmla="*/ 414101 w 2145671"/>
+              <a:gd name="connsiteY9" fmla="*/ 1527751 h 2239110"/>
+              <a:gd name="connsiteX10" fmla="*/ 417048 w 2145671"/>
+              <a:gd name="connsiteY10" fmla="*/ 1533220 h 2239110"/>
+              <a:gd name="connsiteX11" fmla="*/ 413835 w 2145671"/>
+              <a:gd name="connsiteY11" fmla="*/ 1527717 h 2239110"/>
+              <a:gd name="connsiteX12" fmla="*/ 407166 w 2145671"/>
+              <a:gd name="connsiteY12" fmla="*/ 1526880 h 2239110"/>
+              <a:gd name="connsiteX13" fmla="*/ 396956 w 2145671"/>
+              <a:gd name="connsiteY13" fmla="*/ 1531620 h 2239110"/>
+              <a:gd name="connsiteX14" fmla="*/ 206456 w 2145671"/>
+              <a:gd name="connsiteY14" fmla="*/ 1615440 h 2239110"/>
+              <a:gd name="connsiteX15" fmla="*/ 93585 w 2145671"/>
+              <a:gd name="connsiteY15" fmla="*/ 1669257 h 2239110"/>
+              <a:gd name="connsiteX16" fmla="*/ 3098 w 2145671"/>
+              <a:gd name="connsiteY16" fmla="*/ 1754029 h 2239110"/>
+              <a:gd name="connsiteX17" fmla="*/ 46436 w 2145671"/>
+              <a:gd name="connsiteY17" fmla="*/ 1866900 h 2239110"/>
+              <a:gd name="connsiteX18" fmla="*/ 282656 w 2145671"/>
+              <a:gd name="connsiteY18" fmla="*/ 1905000 h 2239110"/>
+              <a:gd name="connsiteX19" fmla="*/ 694136 w 2145671"/>
+              <a:gd name="connsiteY19" fmla="*/ 1844040 h 2239110"/>
+              <a:gd name="connsiteX20" fmla="*/ 869396 w 2145671"/>
+              <a:gd name="connsiteY20" fmla="*/ 1866900 h 2239110"/>
+              <a:gd name="connsiteX21" fmla="*/ 960836 w 2145671"/>
+              <a:gd name="connsiteY21" fmla="*/ 1988820 h 2239110"/>
+              <a:gd name="connsiteX22" fmla="*/ 1021796 w 2145671"/>
+              <a:gd name="connsiteY22" fmla="*/ 2186940 h 2239110"/>
+              <a:gd name="connsiteX23" fmla="*/ 1046205 w 2145671"/>
+              <a:gd name="connsiteY23" fmla="*/ 2239110 h 2239110"/>
+              <a:gd name="connsiteX24" fmla="*/ 2145671 w 2145671"/>
+              <a:gd name="connsiteY24" fmla="*/ 2239110 h 2239110"/>
+              <a:gd name="connsiteX25" fmla="*/ 2145671 w 2145671"/>
+              <a:gd name="connsiteY25" fmla="*/ 1031773 h 2239110"/>
+              <a:gd name="connsiteX26" fmla="*/ 2141951 w 2145671"/>
+              <a:gd name="connsiteY26" fmla="*/ 1024682 h 2239110"/>
+              <a:gd name="connsiteX27" fmla="*/ 1776176 w 2145671"/>
+              <a:gd name="connsiteY27" fmla="*/ 411480 h 2239110"/>
+              <a:gd name="connsiteX28" fmla="*/ 1532336 w 2145671"/>
+              <a:gd name="connsiteY28" fmla="*/ 45720 h 2239110"/>
+              <a:gd name="connsiteX29" fmla="*/ 1437086 w 2145671"/>
+              <a:gd name="connsiteY29" fmla="*/ 0 h 2239110"/>
+            </a:gdLst>
+            <a:ahLst/>
+            <a:cxnLst>
+              <a:cxn ang="0">
+                <a:pos x="connsiteX0" y="connsiteY0"/>
+              </a:cxn>
+              <a:cxn ang="0">
+                <a:pos x="connsiteX1" y="connsiteY1"/>
+              </a:cxn>
+              <a:cxn ang="0">
+                <a:pos x="connsiteX2" y="connsiteY2"/>
+              </a:cxn>
+              <a:cxn ang="0">
+                <a:pos x="connsiteX3" y="connsiteY3"/>
+              </a:cxn>
+              <a:cxn ang="0">
+                <a:pos x="connsiteX4" y="connsiteY4"/>
+              </a:cxn>
+              <a:cxn ang="0">
+                <a:pos x="connsiteX5" y="connsiteY5"/>
+              </a:cxn>
+              <a:cxn ang="0">
+                <a:pos x="connsiteX6" y="connsiteY6"/>
+              </a:cxn>
+              <a:cxn ang="0">
+                <a:pos x="connsiteX7" y="connsiteY7"/>
+              </a:cxn>
+              <a:cxn ang="0">
+                <a:pos x="connsiteX8" y="connsiteY8"/>
+              </a:cxn>
+              <a:cxn ang="0">
+                <a:pos x="connsiteX9" y="connsiteY9"/>
+              </a:cxn>
+              <a:cxn ang="0">
+                <a:pos x="connsiteX10" y="connsiteY10"/>
+              </a:cxn>
+              <a:cxn ang="0">
+                <a:pos x="connsiteX11" y="connsiteY11"/>
+              </a:cxn>
+              <a:cxn ang="0">
+                <a:pos x="connsiteX12" y="connsiteY12"/>
+              </a:cxn>
+              <a:cxn ang="0">
+                <a:pos x="connsiteX13" y="connsiteY13"/>
+              </a:cxn>
+              <a:cxn ang="0">
+                <a:pos x="connsiteX14" y="connsiteY14"/>
+              </a:cxn>
+              <a:cxn ang="0">
+                <a:pos x="connsiteX15" y="connsiteY15"/>
+              </a:cxn>
+              <a:cxn ang="0">
+                <a:pos x="connsiteX16" y="connsiteY16"/>
+              </a:cxn>
+              <a:cxn ang="0">
+                <a:pos x="connsiteX17" y="connsiteY17"/>
+              </a:cxn>
+              <a:cxn ang="0">
+                <a:pos x="connsiteX18" y="connsiteY18"/>
+              </a:cxn>
+              <a:cxn ang="0">
+                <a:pos x="connsiteX19" y="connsiteY19"/>
+              </a:cxn>
+              <a:cxn ang="0">
+                <a:pos x="connsiteX20" y="connsiteY20"/>
+              </a:cxn>
+              <a:cxn ang="0">
+                <a:pos x="connsiteX21" y="connsiteY21"/>
+              </a:cxn>
+              <a:cxn ang="0">
+                <a:pos x="connsiteX22" y="connsiteY22"/>
+              </a:cxn>
+              <a:cxn ang="0">
+                <a:pos x="connsiteX23" y="connsiteY23"/>
+              </a:cxn>
+              <a:cxn ang="0">
+                <a:pos x="connsiteX24" y="connsiteY24"/>
+              </a:cxn>
+              <a:cxn ang="0">
+                <a:pos x="connsiteX25" y="connsiteY25"/>
+              </a:cxn>
+              <a:cxn ang="0">
+                <a:pos x="connsiteX26" y="connsiteY26"/>
+              </a:cxn>
+              <a:cxn ang="0">
+                <a:pos x="connsiteX27" y="connsiteY27"/>
+              </a:cxn>
+              <a:cxn ang="0">
+                <a:pos x="connsiteX28" y="connsiteY28"/>
+              </a:cxn>
+              <a:cxn ang="0">
+                <a:pos x="connsiteX29" y="connsiteY29"/>
+              </a:cxn>
+            </a:cxnLst>
+            <a:rect l="l" t="t" r="r" b="b"/>
+            <a:pathLst>
+              <a:path w="2145671" h="2239110">
+                <a:moveTo>
+                  <a:pt x="1437086" y="0"/>
+                </a:moveTo>
+                <a:cubicBezTo>
+                  <a:pt x="1406606" y="0"/>
+                  <a:pt x="1372316" y="15240"/>
+                  <a:pt x="1318976" y="45720"/>
+                </a:cubicBezTo>
+                <a:cubicBezTo>
+                  <a:pt x="1212296" y="106680"/>
+                  <a:pt x="1006556" y="285750"/>
+                  <a:pt x="892256" y="411480"/>
+                </a:cubicBezTo>
+                <a:cubicBezTo>
+                  <a:pt x="777956" y="537210"/>
+                  <a:pt x="694136" y="722630"/>
+                  <a:pt x="633176" y="800100"/>
+                </a:cubicBezTo>
+                <a:cubicBezTo>
+                  <a:pt x="572216" y="877570"/>
+                  <a:pt x="592536" y="854710"/>
+                  <a:pt x="526496" y="876300"/>
+                </a:cubicBezTo>
+                <a:cubicBezTo>
+                  <a:pt x="460456" y="897890"/>
+                  <a:pt x="258526" y="829310"/>
+                  <a:pt x="236936" y="929640"/>
+                </a:cubicBezTo>
+                <a:cubicBezTo>
+                  <a:pt x="215346" y="1029970"/>
+                  <a:pt x="370286" y="1377950"/>
+                  <a:pt x="396956" y="1478280"/>
+                </a:cubicBezTo>
+                <a:cubicBezTo>
+                  <a:pt x="403624" y="1503363"/>
+                  <a:pt x="408942" y="1517809"/>
+                  <a:pt x="412672" y="1525727"/>
+                </a:cubicBezTo>
+                <a:lnTo>
+                  <a:pt x="413835" y="1527717"/>
+                </a:lnTo>
+                <a:lnTo>
+                  <a:pt x="414101" y="1527751"/>
+                </a:lnTo>
+                <a:cubicBezTo>
+                  <a:pt x="419459" y="1530400"/>
+                  <a:pt x="420173" y="1536844"/>
+                  <a:pt x="417048" y="1533220"/>
+                </a:cubicBezTo>
+                <a:lnTo>
+                  <a:pt x="413835" y="1527717"/>
+                </a:lnTo>
+                <a:lnTo>
+                  <a:pt x="407166" y="1526880"/>
+                </a:lnTo>
+                <a:cubicBezTo>
+                  <a:pt x="404318" y="1527354"/>
+                  <a:pt x="400925" y="1528763"/>
+                  <a:pt x="396956" y="1531620"/>
+                </a:cubicBezTo>
+                <a:cubicBezTo>
+                  <a:pt x="365206" y="1554480"/>
+                  <a:pt x="257018" y="1592501"/>
+                  <a:pt x="206456" y="1615440"/>
+                </a:cubicBezTo>
+                <a:cubicBezTo>
+                  <a:pt x="155894" y="1638379"/>
+                  <a:pt x="127478" y="1646159"/>
+                  <a:pt x="93585" y="1669257"/>
+                </a:cubicBezTo>
+                <a:cubicBezTo>
+                  <a:pt x="59692" y="1692355"/>
+                  <a:pt x="10956" y="1721088"/>
+                  <a:pt x="3098" y="1754029"/>
+                </a:cubicBezTo>
+                <a:cubicBezTo>
+                  <a:pt x="-4760" y="1786970"/>
+                  <a:pt x="-157" y="1841738"/>
+                  <a:pt x="46436" y="1866900"/>
+                </a:cubicBezTo>
+                <a:cubicBezTo>
+                  <a:pt x="93029" y="1892062"/>
+                  <a:pt x="174706" y="1908810"/>
+                  <a:pt x="282656" y="1905000"/>
+                </a:cubicBezTo>
+                <a:cubicBezTo>
+                  <a:pt x="390606" y="1901190"/>
+                  <a:pt x="596346" y="1850390"/>
+                  <a:pt x="694136" y="1844040"/>
+                </a:cubicBezTo>
+                <a:cubicBezTo>
+                  <a:pt x="791926" y="1837690"/>
+                  <a:pt x="824946" y="1842770"/>
+                  <a:pt x="869396" y="1866900"/>
+                </a:cubicBezTo>
+                <a:cubicBezTo>
+                  <a:pt x="913846" y="1891030"/>
+                  <a:pt x="935436" y="1935480"/>
+                  <a:pt x="960836" y="1988820"/>
+                </a:cubicBezTo>
+                <a:cubicBezTo>
+                  <a:pt x="986236" y="2042160"/>
+                  <a:pt x="984966" y="2104390"/>
+                  <a:pt x="1021796" y="2186940"/>
+                </a:cubicBezTo>
+                <a:lnTo>
+                  <a:pt x="1046205" y="2239110"/>
+                </a:lnTo>
+                <a:lnTo>
+                  <a:pt x="2145671" y="2239110"/>
+                </a:lnTo>
+                <a:lnTo>
+                  <a:pt x="2145671" y="1031773"/>
+                </a:lnTo>
+                <a:lnTo>
+                  <a:pt x="2141951" y="1024682"/>
+                </a:lnTo>
+                <a:cubicBezTo>
+                  <a:pt x="2041904" y="840701"/>
+                  <a:pt x="1870632" y="564833"/>
+                  <a:pt x="1776176" y="411480"/>
+                </a:cubicBezTo>
+                <a:cubicBezTo>
+                  <a:pt x="1668226" y="236220"/>
+                  <a:pt x="1608536" y="106680"/>
+                  <a:pt x="1532336" y="45720"/>
+                </a:cubicBezTo>
+                <a:cubicBezTo>
+                  <a:pt x="1494236" y="15240"/>
+                  <a:pt x="1467566" y="0"/>
+                  <a:pt x="1437086" y="0"/>
+                </a:cubicBezTo>
+                <a:close/>
+              </a:path>
+            </a:pathLst>
+          </a:custGeom>
+          <a:solidFill>
+            <a:srgbClr val="F6CBA8"/>
+          </a:solidFill>
+          <a:ln>
+            <a:noFill/>
+          </a:ln>
+        </p:spPr>
+        <p:style>
+          <a:lnRef idx="2">
+            <a:schemeClr val="accent1">
+              <a:shade val="50000"/>
+            </a:schemeClr>
+          </a:lnRef>
+          <a:fillRef idx="1">
+            <a:schemeClr val="accent1"/>
+          </a:fillRef>
+          <a:effectRef idx="0">
+            <a:schemeClr val="accent1"/>
+          </a:effectRef>
+          <a:fontRef idx="minor">
+            <a:schemeClr val="lt1"/>
+          </a:fontRef>
+        </p:style>
+        <p:txBody>
+          <a:bodyPr wrap="square" rtlCol="0" anchor="ctr">
+            <a:noAutofit/>
+          </a:bodyPr>
+          <a:lstStyle/>
+          <a:p>
+            <a:pPr algn="ctr"/>
+            <a:endParaRPr lang="ko-KR" altLang="en-US">
+              <a:solidFill>
+                <a:prstClr val="white"/>
+              </a:solidFill>
+            </a:endParaRPr>
+          </a:p>
+        </p:txBody>
+      </p:sp>
+      <p:grpSp>
+        <p:nvGrpSpPr>
+          <p:cNvPr id="38" name="그룹 37">
+            <a:extLst>
+              <a:ext uri="{FF2B5EF4-FFF2-40B4-BE49-F238E27FC236}">
+                <a16:creationId xmlns:a16="http://schemas.microsoft.com/office/drawing/2014/main" id="{C858215F-8B8E-83C0-6F1B-5D8A8C6B561C}"/>
+              </a:ext>
+            </a:extLst>
+          </p:cNvPr>
+          <p:cNvGrpSpPr/>
+          <p:nvPr/>
+        </p:nvGrpSpPr>
+        <p:grpSpPr>
+          <a:xfrm>
             <a:off x="582902" y="306970"/>
             <a:ext cx="11350256" cy="5962860"/>
             <a:chOff x="442443" y="285749"/>
@@ -30054,7 +34909,7 @@
 </p:sld>
 </file>
 
-<file path=ppt/slides/slide8.xml><?xml version="1.0" encoding="utf-8"?>
+<file path=ppt/slides/slide9.xml><?xml version="1.0" encoding="utf-8"?>
 <p:sld xmlns:a="http://schemas.openxmlformats.org/drawingml/2006/main" xmlns:r="http://schemas.openxmlformats.org/officeDocument/2006/relationships" xmlns:p="http://schemas.openxmlformats.org/presentationml/2006/main">
   <p:cSld>
     <p:bg>
@@ -32566,2351 +37421,6 @@
 </p:sld>
 </file>
 
-<file path=ppt/slides/slide9.xml><?xml version="1.0" encoding="utf-8"?>
-<p:sld xmlns:a="http://schemas.openxmlformats.org/drawingml/2006/main" xmlns:r="http://schemas.openxmlformats.org/officeDocument/2006/relationships" xmlns:p="http://schemas.openxmlformats.org/presentationml/2006/main">
-  <p:cSld>
-    <p:bg>
-      <p:bgPr>
-        <a:solidFill>
-          <a:schemeClr val="bg1">
-            <a:lumMod val="95000"/>
-          </a:schemeClr>
-        </a:solidFill>
-        <a:effectLst/>
-      </p:bgPr>
-    </p:bg>
-    <p:spTree>
-      <p:nvGrpSpPr>
-        <p:cNvPr id="1" name=""/>
-        <p:cNvGrpSpPr/>
-        <p:nvPr/>
-      </p:nvGrpSpPr>
-      <p:grpSpPr>
-        <a:xfrm>
-          <a:off x="0" y="0"/>
-          <a:ext cx="0" cy="0"/>
-          <a:chOff x="0" y="0"/>
-          <a:chExt cx="0" cy="0"/>
-        </a:xfrm>
-      </p:grpSpPr>
-      <p:sp>
-        <p:nvSpPr>
-          <p:cNvPr id="32" name="자유형: 도형 31">
-            <a:extLst>
-              <a:ext uri="{FF2B5EF4-FFF2-40B4-BE49-F238E27FC236}">
-                <a16:creationId xmlns:a16="http://schemas.microsoft.com/office/drawing/2014/main" id="{CFC1EEC6-0019-5687-83EA-CE49D849B703}"/>
-              </a:ext>
-            </a:extLst>
-          </p:cNvPr>
-          <p:cNvSpPr/>
-          <p:nvPr/>
-        </p:nvSpPr>
-        <p:spPr>
-          <a:xfrm>
-            <a:off x="10089470" y="4618890"/>
-            <a:ext cx="2145671" cy="2239110"/>
-          </a:xfrm>
-          <a:custGeom>
-            <a:avLst/>
-            <a:gdLst>
-              <a:gd name="connsiteX0" fmla="*/ 1437086 w 2145671"/>
-              <a:gd name="connsiteY0" fmla="*/ 0 h 2239110"/>
-              <a:gd name="connsiteX1" fmla="*/ 1318976 w 2145671"/>
-              <a:gd name="connsiteY1" fmla="*/ 45720 h 2239110"/>
-              <a:gd name="connsiteX2" fmla="*/ 892256 w 2145671"/>
-              <a:gd name="connsiteY2" fmla="*/ 411480 h 2239110"/>
-              <a:gd name="connsiteX3" fmla="*/ 633176 w 2145671"/>
-              <a:gd name="connsiteY3" fmla="*/ 800100 h 2239110"/>
-              <a:gd name="connsiteX4" fmla="*/ 526496 w 2145671"/>
-              <a:gd name="connsiteY4" fmla="*/ 876300 h 2239110"/>
-              <a:gd name="connsiteX5" fmla="*/ 236936 w 2145671"/>
-              <a:gd name="connsiteY5" fmla="*/ 929640 h 2239110"/>
-              <a:gd name="connsiteX6" fmla="*/ 396956 w 2145671"/>
-              <a:gd name="connsiteY6" fmla="*/ 1478280 h 2239110"/>
-              <a:gd name="connsiteX7" fmla="*/ 412672 w 2145671"/>
-              <a:gd name="connsiteY7" fmla="*/ 1525727 h 2239110"/>
-              <a:gd name="connsiteX8" fmla="*/ 413835 w 2145671"/>
-              <a:gd name="connsiteY8" fmla="*/ 1527717 h 2239110"/>
-              <a:gd name="connsiteX9" fmla="*/ 414101 w 2145671"/>
-              <a:gd name="connsiteY9" fmla="*/ 1527751 h 2239110"/>
-              <a:gd name="connsiteX10" fmla="*/ 417048 w 2145671"/>
-              <a:gd name="connsiteY10" fmla="*/ 1533220 h 2239110"/>
-              <a:gd name="connsiteX11" fmla="*/ 413835 w 2145671"/>
-              <a:gd name="connsiteY11" fmla="*/ 1527717 h 2239110"/>
-              <a:gd name="connsiteX12" fmla="*/ 407166 w 2145671"/>
-              <a:gd name="connsiteY12" fmla="*/ 1526880 h 2239110"/>
-              <a:gd name="connsiteX13" fmla="*/ 396956 w 2145671"/>
-              <a:gd name="connsiteY13" fmla="*/ 1531620 h 2239110"/>
-              <a:gd name="connsiteX14" fmla="*/ 206456 w 2145671"/>
-              <a:gd name="connsiteY14" fmla="*/ 1615440 h 2239110"/>
-              <a:gd name="connsiteX15" fmla="*/ 93585 w 2145671"/>
-              <a:gd name="connsiteY15" fmla="*/ 1669257 h 2239110"/>
-              <a:gd name="connsiteX16" fmla="*/ 3098 w 2145671"/>
-              <a:gd name="connsiteY16" fmla="*/ 1754029 h 2239110"/>
-              <a:gd name="connsiteX17" fmla="*/ 46436 w 2145671"/>
-              <a:gd name="connsiteY17" fmla="*/ 1866900 h 2239110"/>
-              <a:gd name="connsiteX18" fmla="*/ 282656 w 2145671"/>
-              <a:gd name="connsiteY18" fmla="*/ 1905000 h 2239110"/>
-              <a:gd name="connsiteX19" fmla="*/ 694136 w 2145671"/>
-              <a:gd name="connsiteY19" fmla="*/ 1844040 h 2239110"/>
-              <a:gd name="connsiteX20" fmla="*/ 869396 w 2145671"/>
-              <a:gd name="connsiteY20" fmla="*/ 1866900 h 2239110"/>
-              <a:gd name="connsiteX21" fmla="*/ 960836 w 2145671"/>
-              <a:gd name="connsiteY21" fmla="*/ 1988820 h 2239110"/>
-              <a:gd name="connsiteX22" fmla="*/ 1021796 w 2145671"/>
-              <a:gd name="connsiteY22" fmla="*/ 2186940 h 2239110"/>
-              <a:gd name="connsiteX23" fmla="*/ 1046205 w 2145671"/>
-              <a:gd name="connsiteY23" fmla="*/ 2239110 h 2239110"/>
-              <a:gd name="connsiteX24" fmla="*/ 2145671 w 2145671"/>
-              <a:gd name="connsiteY24" fmla="*/ 2239110 h 2239110"/>
-              <a:gd name="connsiteX25" fmla="*/ 2145671 w 2145671"/>
-              <a:gd name="connsiteY25" fmla="*/ 1031773 h 2239110"/>
-              <a:gd name="connsiteX26" fmla="*/ 2141951 w 2145671"/>
-              <a:gd name="connsiteY26" fmla="*/ 1024682 h 2239110"/>
-              <a:gd name="connsiteX27" fmla="*/ 1776176 w 2145671"/>
-              <a:gd name="connsiteY27" fmla="*/ 411480 h 2239110"/>
-              <a:gd name="connsiteX28" fmla="*/ 1532336 w 2145671"/>
-              <a:gd name="connsiteY28" fmla="*/ 45720 h 2239110"/>
-              <a:gd name="connsiteX29" fmla="*/ 1437086 w 2145671"/>
-              <a:gd name="connsiteY29" fmla="*/ 0 h 2239110"/>
-            </a:gdLst>
-            <a:ahLst/>
-            <a:cxnLst>
-              <a:cxn ang="0">
-                <a:pos x="connsiteX0" y="connsiteY0"/>
-              </a:cxn>
-              <a:cxn ang="0">
-                <a:pos x="connsiteX1" y="connsiteY1"/>
-              </a:cxn>
-              <a:cxn ang="0">
-                <a:pos x="connsiteX2" y="connsiteY2"/>
-              </a:cxn>
-              <a:cxn ang="0">
-                <a:pos x="connsiteX3" y="connsiteY3"/>
-              </a:cxn>
-              <a:cxn ang="0">
-                <a:pos x="connsiteX4" y="connsiteY4"/>
-              </a:cxn>
-              <a:cxn ang="0">
-                <a:pos x="connsiteX5" y="connsiteY5"/>
-              </a:cxn>
-              <a:cxn ang="0">
-                <a:pos x="connsiteX6" y="connsiteY6"/>
-              </a:cxn>
-              <a:cxn ang="0">
-                <a:pos x="connsiteX7" y="connsiteY7"/>
-              </a:cxn>
-              <a:cxn ang="0">
-                <a:pos x="connsiteX8" y="connsiteY8"/>
-              </a:cxn>
-              <a:cxn ang="0">
-                <a:pos x="connsiteX9" y="connsiteY9"/>
-              </a:cxn>
-              <a:cxn ang="0">
-                <a:pos x="connsiteX10" y="connsiteY10"/>
-              </a:cxn>
-              <a:cxn ang="0">
-                <a:pos x="connsiteX11" y="connsiteY11"/>
-              </a:cxn>
-              <a:cxn ang="0">
-                <a:pos x="connsiteX12" y="connsiteY12"/>
-              </a:cxn>
-              <a:cxn ang="0">
-                <a:pos x="connsiteX13" y="connsiteY13"/>
-              </a:cxn>
-              <a:cxn ang="0">
-                <a:pos x="connsiteX14" y="connsiteY14"/>
-              </a:cxn>
-              <a:cxn ang="0">
-                <a:pos x="connsiteX15" y="connsiteY15"/>
-              </a:cxn>
-              <a:cxn ang="0">
-                <a:pos x="connsiteX16" y="connsiteY16"/>
-              </a:cxn>
-              <a:cxn ang="0">
-                <a:pos x="connsiteX17" y="connsiteY17"/>
-              </a:cxn>
-              <a:cxn ang="0">
-                <a:pos x="connsiteX18" y="connsiteY18"/>
-              </a:cxn>
-              <a:cxn ang="0">
-                <a:pos x="connsiteX19" y="connsiteY19"/>
-              </a:cxn>
-              <a:cxn ang="0">
-                <a:pos x="connsiteX20" y="connsiteY20"/>
-              </a:cxn>
-              <a:cxn ang="0">
-                <a:pos x="connsiteX21" y="connsiteY21"/>
-              </a:cxn>
-              <a:cxn ang="0">
-                <a:pos x="connsiteX22" y="connsiteY22"/>
-              </a:cxn>
-              <a:cxn ang="0">
-                <a:pos x="connsiteX23" y="connsiteY23"/>
-              </a:cxn>
-              <a:cxn ang="0">
-                <a:pos x="connsiteX24" y="connsiteY24"/>
-              </a:cxn>
-              <a:cxn ang="0">
-                <a:pos x="connsiteX25" y="connsiteY25"/>
-              </a:cxn>
-              <a:cxn ang="0">
-                <a:pos x="connsiteX26" y="connsiteY26"/>
-              </a:cxn>
-              <a:cxn ang="0">
-                <a:pos x="connsiteX27" y="connsiteY27"/>
-              </a:cxn>
-              <a:cxn ang="0">
-                <a:pos x="connsiteX28" y="connsiteY28"/>
-              </a:cxn>
-              <a:cxn ang="0">
-                <a:pos x="connsiteX29" y="connsiteY29"/>
-              </a:cxn>
-            </a:cxnLst>
-            <a:rect l="l" t="t" r="r" b="b"/>
-            <a:pathLst>
-              <a:path w="2145671" h="2239110">
-                <a:moveTo>
-                  <a:pt x="1437086" y="0"/>
-                </a:moveTo>
-                <a:cubicBezTo>
-                  <a:pt x="1406606" y="0"/>
-                  <a:pt x="1372316" y="15240"/>
-                  <a:pt x="1318976" y="45720"/>
-                </a:cubicBezTo>
-                <a:cubicBezTo>
-                  <a:pt x="1212296" y="106680"/>
-                  <a:pt x="1006556" y="285750"/>
-                  <a:pt x="892256" y="411480"/>
-                </a:cubicBezTo>
-                <a:cubicBezTo>
-                  <a:pt x="777956" y="537210"/>
-                  <a:pt x="694136" y="722630"/>
-                  <a:pt x="633176" y="800100"/>
-                </a:cubicBezTo>
-                <a:cubicBezTo>
-                  <a:pt x="572216" y="877570"/>
-                  <a:pt x="592536" y="854710"/>
-                  <a:pt x="526496" y="876300"/>
-                </a:cubicBezTo>
-                <a:cubicBezTo>
-                  <a:pt x="460456" y="897890"/>
-                  <a:pt x="258526" y="829310"/>
-                  <a:pt x="236936" y="929640"/>
-                </a:cubicBezTo>
-                <a:cubicBezTo>
-                  <a:pt x="215346" y="1029970"/>
-                  <a:pt x="370286" y="1377950"/>
-                  <a:pt x="396956" y="1478280"/>
-                </a:cubicBezTo>
-                <a:cubicBezTo>
-                  <a:pt x="403624" y="1503363"/>
-                  <a:pt x="408942" y="1517809"/>
-                  <a:pt x="412672" y="1525727"/>
-                </a:cubicBezTo>
-                <a:lnTo>
-                  <a:pt x="413835" y="1527717"/>
-                </a:lnTo>
-                <a:lnTo>
-                  <a:pt x="414101" y="1527751"/>
-                </a:lnTo>
-                <a:cubicBezTo>
-                  <a:pt x="419459" y="1530400"/>
-                  <a:pt x="420173" y="1536844"/>
-                  <a:pt x="417048" y="1533220"/>
-                </a:cubicBezTo>
-                <a:lnTo>
-                  <a:pt x="413835" y="1527717"/>
-                </a:lnTo>
-                <a:lnTo>
-                  <a:pt x="407166" y="1526880"/>
-                </a:lnTo>
-                <a:cubicBezTo>
-                  <a:pt x="404318" y="1527354"/>
-                  <a:pt x="400925" y="1528763"/>
-                  <a:pt x="396956" y="1531620"/>
-                </a:cubicBezTo>
-                <a:cubicBezTo>
-                  <a:pt x="365206" y="1554480"/>
-                  <a:pt x="257018" y="1592501"/>
-                  <a:pt x="206456" y="1615440"/>
-                </a:cubicBezTo>
-                <a:cubicBezTo>
-                  <a:pt x="155894" y="1638379"/>
-                  <a:pt x="127478" y="1646159"/>
-                  <a:pt x="93585" y="1669257"/>
-                </a:cubicBezTo>
-                <a:cubicBezTo>
-                  <a:pt x="59692" y="1692355"/>
-                  <a:pt x="10956" y="1721088"/>
-                  <a:pt x="3098" y="1754029"/>
-                </a:cubicBezTo>
-                <a:cubicBezTo>
-                  <a:pt x="-4760" y="1786970"/>
-                  <a:pt x="-157" y="1841738"/>
-                  <a:pt x="46436" y="1866900"/>
-                </a:cubicBezTo>
-                <a:cubicBezTo>
-                  <a:pt x="93029" y="1892062"/>
-                  <a:pt x="174706" y="1908810"/>
-                  <a:pt x="282656" y="1905000"/>
-                </a:cubicBezTo>
-                <a:cubicBezTo>
-                  <a:pt x="390606" y="1901190"/>
-                  <a:pt x="596346" y="1850390"/>
-                  <a:pt x="694136" y="1844040"/>
-                </a:cubicBezTo>
-                <a:cubicBezTo>
-                  <a:pt x="791926" y="1837690"/>
-                  <a:pt x="824946" y="1842770"/>
-                  <a:pt x="869396" y="1866900"/>
-                </a:cubicBezTo>
-                <a:cubicBezTo>
-                  <a:pt x="913846" y="1891030"/>
-                  <a:pt x="935436" y="1935480"/>
-                  <a:pt x="960836" y="1988820"/>
-                </a:cubicBezTo>
-                <a:cubicBezTo>
-                  <a:pt x="986236" y="2042160"/>
-                  <a:pt x="984966" y="2104390"/>
-                  <a:pt x="1021796" y="2186940"/>
-                </a:cubicBezTo>
-                <a:lnTo>
-                  <a:pt x="1046205" y="2239110"/>
-                </a:lnTo>
-                <a:lnTo>
-                  <a:pt x="2145671" y="2239110"/>
-                </a:lnTo>
-                <a:lnTo>
-                  <a:pt x="2145671" y="1031773"/>
-                </a:lnTo>
-                <a:lnTo>
-                  <a:pt x="2141951" y="1024682"/>
-                </a:lnTo>
-                <a:cubicBezTo>
-                  <a:pt x="2041904" y="840701"/>
-                  <a:pt x="1870632" y="564833"/>
-                  <a:pt x="1776176" y="411480"/>
-                </a:cubicBezTo>
-                <a:cubicBezTo>
-                  <a:pt x="1668226" y="236220"/>
-                  <a:pt x="1608536" y="106680"/>
-                  <a:pt x="1532336" y="45720"/>
-                </a:cubicBezTo>
-                <a:cubicBezTo>
-                  <a:pt x="1494236" y="15240"/>
-                  <a:pt x="1467566" y="0"/>
-                  <a:pt x="1437086" y="0"/>
-                </a:cubicBezTo>
-                <a:close/>
-              </a:path>
-            </a:pathLst>
-          </a:custGeom>
-          <a:solidFill>
-            <a:srgbClr val="F6CBA8"/>
-          </a:solidFill>
-          <a:ln>
-            <a:noFill/>
-          </a:ln>
-        </p:spPr>
-        <p:style>
-          <a:lnRef idx="2">
-            <a:schemeClr val="accent1">
-              <a:shade val="50000"/>
-            </a:schemeClr>
-          </a:lnRef>
-          <a:fillRef idx="1">
-            <a:schemeClr val="accent1"/>
-          </a:fillRef>
-          <a:effectRef idx="0">
-            <a:schemeClr val="accent1"/>
-          </a:effectRef>
-          <a:fontRef idx="minor">
-            <a:schemeClr val="lt1"/>
-          </a:fontRef>
-        </p:style>
-        <p:txBody>
-          <a:bodyPr wrap="square" rtlCol="0" anchor="ctr">
-            <a:noAutofit/>
-          </a:bodyPr>
-          <a:lstStyle/>
-          <a:p>
-            <a:pPr algn="ctr"/>
-            <a:endParaRPr lang="ko-KR" altLang="en-US">
-              <a:solidFill>
-                <a:prstClr val="white"/>
-              </a:solidFill>
-            </a:endParaRPr>
-          </a:p>
-        </p:txBody>
-      </p:sp>
-      <p:sp>
-        <p:nvSpPr>
-          <p:cNvPr id="28" name="자유형: 도형 27">
-            <a:extLst>
-              <a:ext uri="{FF2B5EF4-FFF2-40B4-BE49-F238E27FC236}">
-                <a16:creationId xmlns:a16="http://schemas.microsoft.com/office/drawing/2014/main" id="{7E5CF1DA-6D18-450F-5B26-BD84048AC954}"/>
-              </a:ext>
-            </a:extLst>
-          </p:cNvPr>
-          <p:cNvSpPr/>
-          <p:nvPr/>
-        </p:nvSpPr>
-        <p:spPr>
-          <a:xfrm flipH="1">
-            <a:off x="1" y="4618890"/>
-            <a:ext cx="2145671" cy="2239110"/>
-          </a:xfrm>
-          <a:custGeom>
-            <a:avLst/>
-            <a:gdLst>
-              <a:gd name="connsiteX0" fmla="*/ 1437086 w 2145671"/>
-              <a:gd name="connsiteY0" fmla="*/ 0 h 2239110"/>
-              <a:gd name="connsiteX1" fmla="*/ 1318976 w 2145671"/>
-              <a:gd name="connsiteY1" fmla="*/ 45720 h 2239110"/>
-              <a:gd name="connsiteX2" fmla="*/ 892256 w 2145671"/>
-              <a:gd name="connsiteY2" fmla="*/ 411480 h 2239110"/>
-              <a:gd name="connsiteX3" fmla="*/ 633176 w 2145671"/>
-              <a:gd name="connsiteY3" fmla="*/ 800100 h 2239110"/>
-              <a:gd name="connsiteX4" fmla="*/ 526496 w 2145671"/>
-              <a:gd name="connsiteY4" fmla="*/ 876300 h 2239110"/>
-              <a:gd name="connsiteX5" fmla="*/ 236936 w 2145671"/>
-              <a:gd name="connsiteY5" fmla="*/ 929640 h 2239110"/>
-              <a:gd name="connsiteX6" fmla="*/ 396956 w 2145671"/>
-              <a:gd name="connsiteY6" fmla="*/ 1478280 h 2239110"/>
-              <a:gd name="connsiteX7" fmla="*/ 412672 w 2145671"/>
-              <a:gd name="connsiteY7" fmla="*/ 1525727 h 2239110"/>
-              <a:gd name="connsiteX8" fmla="*/ 413835 w 2145671"/>
-              <a:gd name="connsiteY8" fmla="*/ 1527717 h 2239110"/>
-              <a:gd name="connsiteX9" fmla="*/ 414101 w 2145671"/>
-              <a:gd name="connsiteY9" fmla="*/ 1527751 h 2239110"/>
-              <a:gd name="connsiteX10" fmla="*/ 417048 w 2145671"/>
-              <a:gd name="connsiteY10" fmla="*/ 1533220 h 2239110"/>
-              <a:gd name="connsiteX11" fmla="*/ 413835 w 2145671"/>
-              <a:gd name="connsiteY11" fmla="*/ 1527717 h 2239110"/>
-              <a:gd name="connsiteX12" fmla="*/ 407166 w 2145671"/>
-              <a:gd name="connsiteY12" fmla="*/ 1526880 h 2239110"/>
-              <a:gd name="connsiteX13" fmla="*/ 396956 w 2145671"/>
-              <a:gd name="connsiteY13" fmla="*/ 1531620 h 2239110"/>
-              <a:gd name="connsiteX14" fmla="*/ 206456 w 2145671"/>
-              <a:gd name="connsiteY14" fmla="*/ 1615440 h 2239110"/>
-              <a:gd name="connsiteX15" fmla="*/ 93585 w 2145671"/>
-              <a:gd name="connsiteY15" fmla="*/ 1669257 h 2239110"/>
-              <a:gd name="connsiteX16" fmla="*/ 3098 w 2145671"/>
-              <a:gd name="connsiteY16" fmla="*/ 1754029 h 2239110"/>
-              <a:gd name="connsiteX17" fmla="*/ 46436 w 2145671"/>
-              <a:gd name="connsiteY17" fmla="*/ 1866900 h 2239110"/>
-              <a:gd name="connsiteX18" fmla="*/ 282656 w 2145671"/>
-              <a:gd name="connsiteY18" fmla="*/ 1905000 h 2239110"/>
-              <a:gd name="connsiteX19" fmla="*/ 694136 w 2145671"/>
-              <a:gd name="connsiteY19" fmla="*/ 1844040 h 2239110"/>
-              <a:gd name="connsiteX20" fmla="*/ 869396 w 2145671"/>
-              <a:gd name="connsiteY20" fmla="*/ 1866900 h 2239110"/>
-              <a:gd name="connsiteX21" fmla="*/ 960836 w 2145671"/>
-              <a:gd name="connsiteY21" fmla="*/ 1988820 h 2239110"/>
-              <a:gd name="connsiteX22" fmla="*/ 1021796 w 2145671"/>
-              <a:gd name="connsiteY22" fmla="*/ 2186940 h 2239110"/>
-              <a:gd name="connsiteX23" fmla="*/ 1046205 w 2145671"/>
-              <a:gd name="connsiteY23" fmla="*/ 2239110 h 2239110"/>
-              <a:gd name="connsiteX24" fmla="*/ 2145671 w 2145671"/>
-              <a:gd name="connsiteY24" fmla="*/ 2239110 h 2239110"/>
-              <a:gd name="connsiteX25" fmla="*/ 2145671 w 2145671"/>
-              <a:gd name="connsiteY25" fmla="*/ 1031773 h 2239110"/>
-              <a:gd name="connsiteX26" fmla="*/ 2141951 w 2145671"/>
-              <a:gd name="connsiteY26" fmla="*/ 1024682 h 2239110"/>
-              <a:gd name="connsiteX27" fmla="*/ 1776176 w 2145671"/>
-              <a:gd name="connsiteY27" fmla="*/ 411480 h 2239110"/>
-              <a:gd name="connsiteX28" fmla="*/ 1532336 w 2145671"/>
-              <a:gd name="connsiteY28" fmla="*/ 45720 h 2239110"/>
-              <a:gd name="connsiteX29" fmla="*/ 1437086 w 2145671"/>
-              <a:gd name="connsiteY29" fmla="*/ 0 h 2239110"/>
-            </a:gdLst>
-            <a:ahLst/>
-            <a:cxnLst>
-              <a:cxn ang="0">
-                <a:pos x="connsiteX0" y="connsiteY0"/>
-              </a:cxn>
-              <a:cxn ang="0">
-                <a:pos x="connsiteX1" y="connsiteY1"/>
-              </a:cxn>
-              <a:cxn ang="0">
-                <a:pos x="connsiteX2" y="connsiteY2"/>
-              </a:cxn>
-              <a:cxn ang="0">
-                <a:pos x="connsiteX3" y="connsiteY3"/>
-              </a:cxn>
-              <a:cxn ang="0">
-                <a:pos x="connsiteX4" y="connsiteY4"/>
-              </a:cxn>
-              <a:cxn ang="0">
-                <a:pos x="connsiteX5" y="connsiteY5"/>
-              </a:cxn>
-              <a:cxn ang="0">
-                <a:pos x="connsiteX6" y="connsiteY6"/>
-              </a:cxn>
-              <a:cxn ang="0">
-                <a:pos x="connsiteX7" y="connsiteY7"/>
-              </a:cxn>
-              <a:cxn ang="0">
-                <a:pos x="connsiteX8" y="connsiteY8"/>
-              </a:cxn>
-              <a:cxn ang="0">
-                <a:pos x="connsiteX9" y="connsiteY9"/>
-              </a:cxn>
-              <a:cxn ang="0">
-                <a:pos x="connsiteX10" y="connsiteY10"/>
-              </a:cxn>
-              <a:cxn ang="0">
-                <a:pos x="connsiteX11" y="connsiteY11"/>
-              </a:cxn>
-              <a:cxn ang="0">
-                <a:pos x="connsiteX12" y="connsiteY12"/>
-              </a:cxn>
-              <a:cxn ang="0">
-                <a:pos x="connsiteX13" y="connsiteY13"/>
-              </a:cxn>
-              <a:cxn ang="0">
-                <a:pos x="connsiteX14" y="connsiteY14"/>
-              </a:cxn>
-              <a:cxn ang="0">
-                <a:pos x="connsiteX15" y="connsiteY15"/>
-              </a:cxn>
-              <a:cxn ang="0">
-                <a:pos x="connsiteX16" y="connsiteY16"/>
-              </a:cxn>
-              <a:cxn ang="0">
-                <a:pos x="connsiteX17" y="connsiteY17"/>
-              </a:cxn>
-              <a:cxn ang="0">
-                <a:pos x="connsiteX18" y="connsiteY18"/>
-              </a:cxn>
-              <a:cxn ang="0">
-                <a:pos x="connsiteX19" y="connsiteY19"/>
-              </a:cxn>
-              <a:cxn ang="0">
-                <a:pos x="connsiteX20" y="connsiteY20"/>
-              </a:cxn>
-              <a:cxn ang="0">
-                <a:pos x="connsiteX21" y="connsiteY21"/>
-              </a:cxn>
-              <a:cxn ang="0">
-                <a:pos x="connsiteX22" y="connsiteY22"/>
-              </a:cxn>
-              <a:cxn ang="0">
-                <a:pos x="connsiteX23" y="connsiteY23"/>
-              </a:cxn>
-              <a:cxn ang="0">
-                <a:pos x="connsiteX24" y="connsiteY24"/>
-              </a:cxn>
-              <a:cxn ang="0">
-                <a:pos x="connsiteX25" y="connsiteY25"/>
-              </a:cxn>
-              <a:cxn ang="0">
-                <a:pos x="connsiteX26" y="connsiteY26"/>
-              </a:cxn>
-              <a:cxn ang="0">
-                <a:pos x="connsiteX27" y="connsiteY27"/>
-              </a:cxn>
-              <a:cxn ang="0">
-                <a:pos x="connsiteX28" y="connsiteY28"/>
-              </a:cxn>
-              <a:cxn ang="0">
-                <a:pos x="connsiteX29" y="connsiteY29"/>
-              </a:cxn>
-            </a:cxnLst>
-            <a:rect l="l" t="t" r="r" b="b"/>
-            <a:pathLst>
-              <a:path w="2145671" h="2239110">
-                <a:moveTo>
-                  <a:pt x="1437086" y="0"/>
-                </a:moveTo>
-                <a:cubicBezTo>
-                  <a:pt x="1406606" y="0"/>
-                  <a:pt x="1372316" y="15240"/>
-                  <a:pt x="1318976" y="45720"/>
-                </a:cubicBezTo>
-                <a:cubicBezTo>
-                  <a:pt x="1212296" y="106680"/>
-                  <a:pt x="1006556" y="285750"/>
-                  <a:pt x="892256" y="411480"/>
-                </a:cubicBezTo>
-                <a:cubicBezTo>
-                  <a:pt x="777956" y="537210"/>
-                  <a:pt x="694136" y="722630"/>
-                  <a:pt x="633176" y="800100"/>
-                </a:cubicBezTo>
-                <a:cubicBezTo>
-                  <a:pt x="572216" y="877570"/>
-                  <a:pt x="592536" y="854710"/>
-                  <a:pt x="526496" y="876300"/>
-                </a:cubicBezTo>
-                <a:cubicBezTo>
-                  <a:pt x="460456" y="897890"/>
-                  <a:pt x="258526" y="829310"/>
-                  <a:pt x="236936" y="929640"/>
-                </a:cubicBezTo>
-                <a:cubicBezTo>
-                  <a:pt x="215346" y="1029970"/>
-                  <a:pt x="370286" y="1377950"/>
-                  <a:pt x="396956" y="1478280"/>
-                </a:cubicBezTo>
-                <a:cubicBezTo>
-                  <a:pt x="403624" y="1503363"/>
-                  <a:pt x="408942" y="1517809"/>
-                  <a:pt x="412672" y="1525727"/>
-                </a:cubicBezTo>
-                <a:lnTo>
-                  <a:pt x="413835" y="1527717"/>
-                </a:lnTo>
-                <a:lnTo>
-                  <a:pt x="414101" y="1527751"/>
-                </a:lnTo>
-                <a:cubicBezTo>
-                  <a:pt x="419459" y="1530400"/>
-                  <a:pt x="420173" y="1536844"/>
-                  <a:pt x="417048" y="1533220"/>
-                </a:cubicBezTo>
-                <a:lnTo>
-                  <a:pt x="413835" y="1527717"/>
-                </a:lnTo>
-                <a:lnTo>
-                  <a:pt x="407166" y="1526880"/>
-                </a:lnTo>
-                <a:cubicBezTo>
-                  <a:pt x="404318" y="1527354"/>
-                  <a:pt x="400925" y="1528763"/>
-                  <a:pt x="396956" y="1531620"/>
-                </a:cubicBezTo>
-                <a:cubicBezTo>
-                  <a:pt x="365206" y="1554480"/>
-                  <a:pt x="257018" y="1592501"/>
-                  <a:pt x="206456" y="1615440"/>
-                </a:cubicBezTo>
-                <a:cubicBezTo>
-                  <a:pt x="155894" y="1638379"/>
-                  <a:pt x="127478" y="1646159"/>
-                  <a:pt x="93585" y="1669257"/>
-                </a:cubicBezTo>
-                <a:cubicBezTo>
-                  <a:pt x="59692" y="1692355"/>
-                  <a:pt x="10956" y="1721088"/>
-                  <a:pt x="3098" y="1754029"/>
-                </a:cubicBezTo>
-                <a:cubicBezTo>
-                  <a:pt x="-4760" y="1786970"/>
-                  <a:pt x="-157" y="1841738"/>
-                  <a:pt x="46436" y="1866900"/>
-                </a:cubicBezTo>
-                <a:cubicBezTo>
-                  <a:pt x="93029" y="1892062"/>
-                  <a:pt x="174706" y="1908810"/>
-                  <a:pt x="282656" y="1905000"/>
-                </a:cubicBezTo>
-                <a:cubicBezTo>
-                  <a:pt x="390606" y="1901190"/>
-                  <a:pt x="596346" y="1850390"/>
-                  <a:pt x="694136" y="1844040"/>
-                </a:cubicBezTo>
-                <a:cubicBezTo>
-                  <a:pt x="791926" y="1837690"/>
-                  <a:pt x="824946" y="1842770"/>
-                  <a:pt x="869396" y="1866900"/>
-                </a:cubicBezTo>
-                <a:cubicBezTo>
-                  <a:pt x="913846" y="1891030"/>
-                  <a:pt x="935436" y="1935480"/>
-                  <a:pt x="960836" y="1988820"/>
-                </a:cubicBezTo>
-                <a:cubicBezTo>
-                  <a:pt x="986236" y="2042160"/>
-                  <a:pt x="984966" y="2104390"/>
-                  <a:pt x="1021796" y="2186940"/>
-                </a:cubicBezTo>
-                <a:lnTo>
-                  <a:pt x="1046205" y="2239110"/>
-                </a:lnTo>
-                <a:lnTo>
-                  <a:pt x="2145671" y="2239110"/>
-                </a:lnTo>
-                <a:lnTo>
-                  <a:pt x="2145671" y="1031773"/>
-                </a:lnTo>
-                <a:lnTo>
-                  <a:pt x="2141951" y="1024682"/>
-                </a:lnTo>
-                <a:cubicBezTo>
-                  <a:pt x="2041904" y="840701"/>
-                  <a:pt x="1870632" y="564833"/>
-                  <a:pt x="1776176" y="411480"/>
-                </a:cubicBezTo>
-                <a:cubicBezTo>
-                  <a:pt x="1668226" y="236220"/>
-                  <a:pt x="1608536" y="106680"/>
-                  <a:pt x="1532336" y="45720"/>
-                </a:cubicBezTo>
-                <a:cubicBezTo>
-                  <a:pt x="1494236" y="15240"/>
-                  <a:pt x="1467566" y="0"/>
-                  <a:pt x="1437086" y="0"/>
-                </a:cubicBezTo>
-                <a:close/>
-              </a:path>
-            </a:pathLst>
-          </a:custGeom>
-          <a:solidFill>
-            <a:srgbClr val="F6CBA8"/>
-          </a:solidFill>
-          <a:ln>
-            <a:noFill/>
-          </a:ln>
-        </p:spPr>
-        <p:style>
-          <a:lnRef idx="2">
-            <a:schemeClr val="accent1">
-              <a:shade val="50000"/>
-            </a:schemeClr>
-          </a:lnRef>
-          <a:fillRef idx="1">
-            <a:schemeClr val="accent1"/>
-          </a:fillRef>
-          <a:effectRef idx="0">
-            <a:schemeClr val="accent1"/>
-          </a:effectRef>
-          <a:fontRef idx="minor">
-            <a:schemeClr val="lt1"/>
-          </a:fontRef>
-        </p:style>
-        <p:txBody>
-          <a:bodyPr wrap="square" rtlCol="0" anchor="ctr">
-            <a:noAutofit/>
-          </a:bodyPr>
-          <a:lstStyle/>
-          <a:p>
-            <a:pPr algn="ctr"/>
-            <a:endParaRPr lang="ko-KR" altLang="en-US">
-              <a:solidFill>
-                <a:prstClr val="white"/>
-              </a:solidFill>
-            </a:endParaRPr>
-          </a:p>
-        </p:txBody>
-      </p:sp>
-      <p:grpSp>
-        <p:nvGrpSpPr>
-          <p:cNvPr id="38" name="그룹 37">
-            <a:extLst>
-              <a:ext uri="{FF2B5EF4-FFF2-40B4-BE49-F238E27FC236}">
-                <a16:creationId xmlns:a16="http://schemas.microsoft.com/office/drawing/2014/main" id="{C858215F-8B8E-83C0-6F1B-5D8A8C6B561C}"/>
-              </a:ext>
-            </a:extLst>
-          </p:cNvPr>
-          <p:cNvGrpSpPr/>
-          <p:nvPr/>
-        </p:nvGrpSpPr>
-        <p:grpSpPr>
-          <a:xfrm>
-            <a:off x="595841" y="290955"/>
-            <a:ext cx="11350256" cy="5962860"/>
-            <a:chOff x="442443" y="285749"/>
-            <a:chExt cx="11350256" cy="5962860"/>
-          </a:xfrm>
-        </p:grpSpPr>
-        <p:sp>
-          <p:nvSpPr>
-            <p:cNvPr id="4" name="사각형: 둥근 모서리 3">
-              <a:extLst>
-                <a:ext uri="{FF2B5EF4-FFF2-40B4-BE49-F238E27FC236}">
-                  <a16:creationId xmlns:a16="http://schemas.microsoft.com/office/drawing/2014/main" id="{7E70D90F-65C9-C903-5321-044BB5E0D378}"/>
-                </a:ext>
-              </a:extLst>
-            </p:cNvPr>
-            <p:cNvSpPr/>
-            <p:nvPr/>
-          </p:nvSpPr>
-          <p:spPr>
-            <a:xfrm>
-              <a:off x="442443" y="323901"/>
-              <a:ext cx="11350256" cy="5924708"/>
-            </a:xfrm>
-            <a:prstGeom prst="roundRect">
-              <a:avLst>
-                <a:gd name="adj" fmla="val 3635"/>
-              </a:avLst>
-            </a:prstGeom>
-            <a:solidFill>
-              <a:schemeClr val="bg1"/>
-            </a:solidFill>
-            <a:ln w="47625">
-              <a:solidFill>
-                <a:schemeClr val="tx1">
-                  <a:lumMod val="85000"/>
-                  <a:lumOff val="15000"/>
-                </a:schemeClr>
-              </a:solidFill>
-            </a:ln>
-          </p:spPr>
-          <p:style>
-            <a:lnRef idx="2">
-              <a:schemeClr val="accent1">
-                <a:shade val="50000"/>
-              </a:schemeClr>
-            </a:lnRef>
-            <a:fillRef idx="1">
-              <a:schemeClr val="accent1"/>
-            </a:fillRef>
-            <a:effectRef idx="0">
-              <a:schemeClr val="accent1"/>
-            </a:effectRef>
-            <a:fontRef idx="minor">
-              <a:schemeClr val="lt1"/>
-            </a:fontRef>
-          </p:style>
-          <p:txBody>
-            <a:bodyPr rtlCol="0" anchor="t"/>
-            <a:lstStyle/>
-            <a:p>
-              <a:pPr algn="ctr">
-                <a:defRPr/>
-              </a:pPr>
-              <a:r>
-                <a:rPr lang="en-US" altLang="ko-KR" i="1" kern="0" dirty="0" smtClean="0">
-                  <a:ln w="9525">
-                    <a:noFill/>
-                  </a:ln>
-                  <a:solidFill>
-                    <a:prstClr val="black">
-                      <a:lumMod val="75000"/>
-                      <a:lumOff val="25000"/>
-                    </a:prstClr>
-                  </a:solidFill>
-                  <a:latin typeface="Tmon몬소리 Black" panose="02000A03000000000000" pitchFamily="2" charset="-127"/>
-                  <a:ea typeface="Tmon몬소리 Black" panose="02000A03000000000000" pitchFamily="2" charset="-127"/>
-                </a:rPr>
-                <a:t>K-MARKET</a:t>
-              </a:r>
-              <a:endParaRPr lang="en-US" altLang="ko-KR" i="1" kern="0" dirty="0">
-                <a:ln w="9525">
-                  <a:noFill/>
-                </a:ln>
-                <a:solidFill>
-                  <a:prstClr val="black">
-                    <a:lumMod val="75000"/>
-                    <a:lumOff val="25000"/>
-                  </a:prstClr>
-                </a:solidFill>
-                <a:latin typeface="Tmon몬소리 Black" panose="02000A03000000000000" pitchFamily="2" charset="-127"/>
-                <a:ea typeface="Tmon몬소리 Black" panose="02000A03000000000000" pitchFamily="2" charset="-127"/>
-              </a:endParaRPr>
-            </a:p>
-          </p:txBody>
-        </p:sp>
-        <p:grpSp>
-          <p:nvGrpSpPr>
-            <p:cNvPr id="18" name="그룹 17">
-              <a:extLst>
-                <a:ext uri="{FF2B5EF4-FFF2-40B4-BE49-F238E27FC236}">
-                  <a16:creationId xmlns:a16="http://schemas.microsoft.com/office/drawing/2014/main" id="{38B549DE-7211-B296-D451-BC4EA2548B3D}"/>
-                </a:ext>
-              </a:extLst>
-            </p:cNvPr>
-            <p:cNvGrpSpPr/>
-            <p:nvPr/>
-          </p:nvGrpSpPr>
-          <p:grpSpPr>
-            <a:xfrm rot="16200000">
-              <a:off x="2329495" y="-348760"/>
-              <a:ext cx="50851" cy="1319870"/>
-              <a:chOff x="11785556" y="3326276"/>
-              <a:chExt cx="36001" cy="885419"/>
-            </a:xfrm>
-          </p:grpSpPr>
-          <p:sp>
-            <p:nvSpPr>
-              <p:cNvPr id="8" name="사각형: 둥근 위쪽 모서리 7">
-                <a:extLst>
-                  <a:ext uri="{FF2B5EF4-FFF2-40B4-BE49-F238E27FC236}">
-                    <a16:creationId xmlns:a16="http://schemas.microsoft.com/office/drawing/2014/main" id="{ED237E13-36A0-390E-2415-ACA61A3F520F}"/>
-                  </a:ext>
-                </a:extLst>
-              </p:cNvPr>
-              <p:cNvSpPr/>
-              <p:nvPr/>
-            </p:nvSpPr>
-            <p:spPr>
-              <a:xfrm rot="16200000">
-                <a:off x="11677556" y="3434276"/>
-                <a:ext cx="252000" cy="36000"/>
-              </a:xfrm>
-              <a:prstGeom prst="round2SameRect">
-                <a:avLst>
-                  <a:gd name="adj1" fmla="val 0"/>
-                  <a:gd name="adj2" fmla="val 50000"/>
-                </a:avLst>
-              </a:prstGeom>
-              <a:solidFill>
-                <a:schemeClr val="tx1">
-                  <a:lumMod val="85000"/>
-                  <a:lumOff val="15000"/>
-                </a:schemeClr>
-              </a:solidFill>
-              <a:ln w="28575">
-                <a:solidFill>
-                  <a:schemeClr val="tx1">
-                    <a:lumMod val="85000"/>
-                    <a:lumOff val="15000"/>
-                  </a:schemeClr>
-                </a:solidFill>
-              </a:ln>
-            </p:spPr>
-            <p:style>
-              <a:lnRef idx="2">
-                <a:schemeClr val="accent1">
-                  <a:shade val="50000"/>
-                </a:schemeClr>
-              </a:lnRef>
-              <a:fillRef idx="1">
-                <a:schemeClr val="accent1"/>
-              </a:fillRef>
-              <a:effectRef idx="0">
-                <a:schemeClr val="accent1"/>
-              </a:effectRef>
-              <a:fontRef idx="minor">
-                <a:schemeClr val="lt1"/>
-              </a:fontRef>
-            </p:style>
-            <p:txBody>
-              <a:bodyPr rtlCol="0" anchor="ctr"/>
-              <a:lstStyle/>
-              <a:p>
-                <a:pPr algn="ctr"/>
-                <a:endParaRPr lang="ko-KR" altLang="en-US">
-                  <a:solidFill>
-                    <a:prstClr val="white"/>
-                  </a:solidFill>
-                </a:endParaRPr>
-              </a:p>
-            </p:txBody>
-          </p:sp>
-          <p:sp>
-            <p:nvSpPr>
-              <p:cNvPr id="9" name="사각형: 둥근 위쪽 모서리 8">
-                <a:extLst>
-                  <a:ext uri="{FF2B5EF4-FFF2-40B4-BE49-F238E27FC236}">
-                    <a16:creationId xmlns:a16="http://schemas.microsoft.com/office/drawing/2014/main" id="{962C1E69-56B9-1ADF-2948-EE9391C9590F}"/>
-                  </a:ext>
-                </a:extLst>
-              </p:cNvPr>
-              <p:cNvSpPr/>
-              <p:nvPr/>
-            </p:nvSpPr>
-            <p:spPr>
-              <a:xfrm rot="16200000">
-                <a:off x="11677557" y="3703357"/>
-                <a:ext cx="252000" cy="36000"/>
-              </a:xfrm>
-              <a:prstGeom prst="round2SameRect">
-                <a:avLst>
-                  <a:gd name="adj1" fmla="val 0"/>
-                  <a:gd name="adj2" fmla="val 50000"/>
-                </a:avLst>
-              </a:prstGeom>
-              <a:solidFill>
-                <a:schemeClr val="tx1">
-                  <a:lumMod val="85000"/>
-                  <a:lumOff val="15000"/>
-                </a:schemeClr>
-              </a:solidFill>
-              <a:ln w="28575">
-                <a:solidFill>
-                  <a:schemeClr val="tx1">
-                    <a:lumMod val="85000"/>
-                    <a:lumOff val="15000"/>
-                  </a:schemeClr>
-                </a:solidFill>
-              </a:ln>
-            </p:spPr>
-            <p:style>
-              <a:lnRef idx="2">
-                <a:schemeClr val="accent1">
-                  <a:shade val="50000"/>
-                </a:schemeClr>
-              </a:lnRef>
-              <a:fillRef idx="1">
-                <a:schemeClr val="accent1"/>
-              </a:fillRef>
-              <a:effectRef idx="0">
-                <a:schemeClr val="accent1"/>
-              </a:effectRef>
-              <a:fontRef idx="minor">
-                <a:schemeClr val="lt1"/>
-              </a:fontRef>
-            </p:style>
-            <p:txBody>
-              <a:bodyPr rtlCol="0" anchor="ctr"/>
-              <a:lstStyle/>
-              <a:p>
-                <a:pPr algn="ctr"/>
-                <a:endParaRPr lang="ko-KR" altLang="en-US">
-                  <a:solidFill>
-                    <a:prstClr val="white"/>
-                  </a:solidFill>
-                </a:endParaRPr>
-              </a:p>
-            </p:txBody>
-          </p:sp>
-          <p:sp>
-            <p:nvSpPr>
-              <p:cNvPr id="10" name="사각형: 둥근 위쪽 모서리 9">
-                <a:extLst>
-                  <a:ext uri="{FF2B5EF4-FFF2-40B4-BE49-F238E27FC236}">
-                    <a16:creationId xmlns:a16="http://schemas.microsoft.com/office/drawing/2014/main" id="{1AD79268-AA98-EC68-7D05-82138453646B}"/>
-                  </a:ext>
-                </a:extLst>
-              </p:cNvPr>
-              <p:cNvSpPr/>
-              <p:nvPr/>
-            </p:nvSpPr>
-            <p:spPr>
-              <a:xfrm rot="16200000">
-                <a:off x="11695556" y="4085695"/>
-                <a:ext cx="216000" cy="36000"/>
-              </a:xfrm>
-              <a:prstGeom prst="round2SameRect">
-                <a:avLst>
-                  <a:gd name="adj1" fmla="val 0"/>
-                  <a:gd name="adj2" fmla="val 50000"/>
-                </a:avLst>
-              </a:prstGeom>
-              <a:solidFill>
-                <a:schemeClr val="tx1">
-                  <a:lumMod val="85000"/>
-                  <a:lumOff val="15000"/>
-                </a:schemeClr>
-              </a:solidFill>
-              <a:ln w="28575">
-                <a:solidFill>
-                  <a:schemeClr val="tx1">
-                    <a:lumMod val="85000"/>
-                    <a:lumOff val="15000"/>
-                  </a:schemeClr>
-                </a:solidFill>
-              </a:ln>
-            </p:spPr>
-            <p:style>
-              <a:lnRef idx="2">
-                <a:schemeClr val="accent1">
-                  <a:shade val="50000"/>
-                </a:schemeClr>
-              </a:lnRef>
-              <a:fillRef idx="1">
-                <a:schemeClr val="accent1"/>
-              </a:fillRef>
-              <a:effectRef idx="0">
-                <a:schemeClr val="accent1"/>
-              </a:effectRef>
-              <a:fontRef idx="minor">
-                <a:schemeClr val="lt1"/>
-              </a:fontRef>
-            </p:style>
-            <p:txBody>
-              <a:bodyPr rtlCol="0" anchor="ctr"/>
-              <a:lstStyle/>
-              <a:p>
-                <a:pPr algn="ctr"/>
-                <a:endParaRPr lang="ko-KR" altLang="en-US">
-                  <a:solidFill>
-                    <a:prstClr val="white"/>
-                  </a:solidFill>
-                </a:endParaRPr>
-              </a:p>
-            </p:txBody>
-          </p:sp>
-        </p:grpSp>
-      </p:grpSp>
-      <p:grpSp>
-        <p:nvGrpSpPr>
-          <p:cNvPr id="31" name="그룹 30">
-            <a:extLst>
-              <a:ext uri="{FF2B5EF4-FFF2-40B4-BE49-F238E27FC236}">
-                <a16:creationId xmlns:a16="http://schemas.microsoft.com/office/drawing/2014/main" id="{65D012EE-A2B9-5552-C285-D918B47A9E13}"/>
-              </a:ext>
-            </a:extLst>
-          </p:cNvPr>
-          <p:cNvGrpSpPr/>
-          <p:nvPr/>
-        </p:nvGrpSpPr>
-        <p:grpSpPr>
-          <a:xfrm>
-            <a:off x="91175" y="5411118"/>
-            <a:ext cx="1192258" cy="1453488"/>
-            <a:chOff x="91175" y="5411118"/>
-            <a:chExt cx="1192258" cy="1453488"/>
-          </a:xfrm>
-        </p:grpSpPr>
-        <p:sp>
-          <p:nvSpPr>
-            <p:cNvPr id="11" name="자유형: 도형 10">
-              <a:extLst>
-                <a:ext uri="{FF2B5EF4-FFF2-40B4-BE49-F238E27FC236}">
-                  <a16:creationId xmlns:a16="http://schemas.microsoft.com/office/drawing/2014/main" id="{342BF6A9-0D8D-EA91-C3E2-46F9DC71541A}"/>
-                </a:ext>
-              </a:extLst>
-            </p:cNvPr>
-            <p:cNvSpPr/>
-            <p:nvPr/>
-          </p:nvSpPr>
-          <p:spPr>
-            <a:xfrm flipH="1">
-              <a:off x="235459" y="6269830"/>
-              <a:ext cx="502729" cy="572655"/>
-            </a:xfrm>
-            <a:custGeom>
-              <a:avLst/>
-              <a:gdLst>
-                <a:gd name="connsiteX0" fmla="*/ 0 w 547694"/>
-                <a:gd name="connsiteY0" fmla="*/ 0 h 615998"/>
-                <a:gd name="connsiteX1" fmla="*/ 388133 w 547694"/>
-                <a:gd name="connsiteY1" fmla="*/ 0 h 615998"/>
-                <a:gd name="connsiteX2" fmla="*/ 387698 w 547694"/>
-                <a:gd name="connsiteY2" fmla="*/ 3738 h 615998"/>
-                <a:gd name="connsiteX3" fmla="*/ 402227 w 547694"/>
-                <a:gd name="connsiteY3" fmla="*/ 59753 h 615998"/>
-                <a:gd name="connsiteX4" fmla="*/ 480808 w 547694"/>
-                <a:gd name="connsiteY4" fmla="*/ 369316 h 615998"/>
-                <a:gd name="connsiteX5" fmla="*/ 542721 w 547694"/>
-                <a:gd name="connsiteY5" fmla="*/ 609822 h 615998"/>
-                <a:gd name="connsiteX6" fmla="*/ 347458 w 547694"/>
-                <a:gd name="connsiteY6" fmla="*/ 526478 h 615998"/>
-                <a:gd name="connsiteX7" fmla="*/ 145052 w 547694"/>
-                <a:gd name="connsiteY7" fmla="*/ 328835 h 615998"/>
-                <a:gd name="connsiteX8" fmla="*/ 25841 w 547694"/>
-                <a:gd name="connsiteY8" fmla="*/ 69204 h 615998"/>
-              </a:gdLst>
-              <a:ahLst/>
-              <a:cxnLst>
-                <a:cxn ang="0">
-                  <a:pos x="connsiteX0" y="connsiteY0"/>
-                </a:cxn>
-                <a:cxn ang="0">
-                  <a:pos x="connsiteX1" y="connsiteY1"/>
-                </a:cxn>
-                <a:cxn ang="0">
-                  <a:pos x="connsiteX2" y="connsiteY2"/>
-                </a:cxn>
-                <a:cxn ang="0">
-                  <a:pos x="connsiteX3" y="connsiteY3"/>
-                </a:cxn>
-                <a:cxn ang="0">
-                  <a:pos x="connsiteX4" y="connsiteY4"/>
-                </a:cxn>
-                <a:cxn ang="0">
-                  <a:pos x="connsiteX5" y="connsiteY5"/>
-                </a:cxn>
-                <a:cxn ang="0">
-                  <a:pos x="connsiteX6" y="connsiteY6"/>
-                </a:cxn>
-                <a:cxn ang="0">
-                  <a:pos x="connsiteX7" y="connsiteY7"/>
-                </a:cxn>
-                <a:cxn ang="0">
-                  <a:pos x="connsiteX8" y="connsiteY8"/>
-                </a:cxn>
-              </a:cxnLst>
-              <a:rect l="l" t="t" r="r" b="b"/>
-              <a:pathLst>
-                <a:path w="547694" h="615998">
-                  <a:moveTo>
-                    <a:pt x="0" y="0"/>
-                  </a:moveTo>
-                  <a:lnTo>
-                    <a:pt x="388133" y="0"/>
-                  </a:lnTo>
-                  <a:lnTo>
-                    <a:pt x="387698" y="3738"/>
-                  </a:lnTo>
-                  <a:cubicBezTo>
-                    <a:pt x="388659" y="18206"/>
-                    <a:pt x="392702" y="36338"/>
-                    <a:pt x="402227" y="59753"/>
-                  </a:cubicBezTo>
-                  <a:cubicBezTo>
-                    <a:pt x="440327" y="153415"/>
-                    <a:pt x="454614" y="276050"/>
-                    <a:pt x="480808" y="369316"/>
-                  </a:cubicBezTo>
-                  <a:cubicBezTo>
-                    <a:pt x="507002" y="462582"/>
-                    <a:pt x="564946" y="583628"/>
-                    <a:pt x="542721" y="609822"/>
-                  </a:cubicBezTo>
-                  <a:cubicBezTo>
-                    <a:pt x="520496" y="636016"/>
-                    <a:pt x="413736" y="573309"/>
-                    <a:pt x="347458" y="526478"/>
-                  </a:cubicBezTo>
-                  <a:cubicBezTo>
-                    <a:pt x="281180" y="479647"/>
-                    <a:pt x="203392" y="417735"/>
-                    <a:pt x="145052" y="328835"/>
-                  </a:cubicBezTo>
-                  <a:cubicBezTo>
-                    <a:pt x="101297" y="262160"/>
-                    <a:pt x="58211" y="154855"/>
-                    <a:pt x="25841" y="69204"/>
-                  </a:cubicBezTo>
-                  <a:close/>
-                </a:path>
-              </a:pathLst>
-            </a:custGeom>
-            <a:solidFill>
-              <a:srgbClr val="F3B080"/>
-            </a:solidFill>
-            <a:ln>
-              <a:noFill/>
-            </a:ln>
-          </p:spPr>
-          <p:style>
-            <a:lnRef idx="2">
-              <a:schemeClr val="accent1">
-                <a:shade val="50000"/>
-              </a:schemeClr>
-            </a:lnRef>
-            <a:fillRef idx="1">
-              <a:schemeClr val="accent1"/>
-            </a:fillRef>
-            <a:effectRef idx="0">
-              <a:schemeClr val="accent1"/>
-            </a:effectRef>
-            <a:fontRef idx="minor">
-              <a:schemeClr val="lt1"/>
-            </a:fontRef>
-          </p:style>
-          <p:txBody>
-            <a:bodyPr wrap="square" rtlCol="0" anchor="ctr">
-              <a:noAutofit/>
-            </a:bodyPr>
-            <a:lstStyle/>
-            <a:p>
-              <a:pPr algn="ctr"/>
-              <a:endParaRPr lang="ko-KR" altLang="en-US">
-                <a:solidFill>
-                  <a:prstClr val="white"/>
-                </a:solidFill>
-              </a:endParaRPr>
-            </a:p>
-          </p:txBody>
-        </p:sp>
-        <p:sp>
-          <p:nvSpPr>
-            <p:cNvPr id="15" name="직각 삼각형 14">
-              <a:extLst>
-                <a:ext uri="{FF2B5EF4-FFF2-40B4-BE49-F238E27FC236}">
-                  <a16:creationId xmlns:a16="http://schemas.microsoft.com/office/drawing/2014/main" id="{F9849F7F-968F-81FE-0D79-47328AC6E3D4}"/>
-                </a:ext>
-              </a:extLst>
-            </p:cNvPr>
-            <p:cNvSpPr/>
-            <p:nvPr/>
-          </p:nvSpPr>
-          <p:spPr>
-            <a:xfrm rot="10800000" flipV="1">
-              <a:off x="301984" y="5528951"/>
-              <a:ext cx="116363" cy="200949"/>
-            </a:xfrm>
-            <a:prstGeom prst="rtTriangle">
-              <a:avLst/>
-            </a:prstGeom>
-            <a:solidFill>
-              <a:srgbClr val="F3B080"/>
-            </a:solidFill>
-            <a:ln>
-              <a:noFill/>
-            </a:ln>
-          </p:spPr>
-          <p:style>
-            <a:lnRef idx="2">
-              <a:schemeClr val="accent1">
-                <a:shade val="50000"/>
-              </a:schemeClr>
-            </a:lnRef>
-            <a:fillRef idx="1">
-              <a:schemeClr val="accent1"/>
-            </a:fillRef>
-            <a:effectRef idx="0">
-              <a:schemeClr val="accent1"/>
-            </a:effectRef>
-            <a:fontRef idx="minor">
-              <a:schemeClr val="lt1"/>
-            </a:fontRef>
-          </p:style>
-          <p:txBody>
-            <a:bodyPr rtlCol="0" anchor="ctr"/>
-            <a:lstStyle/>
-            <a:p>
-              <a:pPr algn="ctr"/>
-              <a:endParaRPr lang="ko-KR" altLang="en-US">
-                <a:solidFill>
-                  <a:prstClr val="white"/>
-                </a:solidFill>
-              </a:endParaRPr>
-            </a:p>
-          </p:txBody>
-        </p:sp>
-        <p:sp>
-          <p:nvSpPr>
-            <p:cNvPr id="30" name="자유형: 도형 29">
-              <a:extLst>
-                <a:ext uri="{FF2B5EF4-FFF2-40B4-BE49-F238E27FC236}">
-                  <a16:creationId xmlns:a16="http://schemas.microsoft.com/office/drawing/2014/main" id="{651E76FB-F68D-DA35-F6FB-F1FCA269631E}"/>
-                </a:ext>
-              </a:extLst>
-            </p:cNvPr>
-            <p:cNvSpPr/>
-            <p:nvPr/>
-          </p:nvSpPr>
-          <p:spPr>
-            <a:xfrm flipH="1">
-              <a:off x="91175" y="5411118"/>
-              <a:ext cx="1192258" cy="1453488"/>
-            </a:xfrm>
-            <a:custGeom>
-              <a:avLst/>
-              <a:gdLst>
-                <a:gd name="connsiteX0" fmla="*/ 199642 w 1192258"/>
-                <a:gd name="connsiteY0" fmla="*/ 14 h 1453488"/>
-                <a:gd name="connsiteX1" fmla="*/ 121458 w 1192258"/>
-                <a:gd name="connsiteY1" fmla="*/ 2792 h 1453488"/>
-                <a:gd name="connsiteX2" fmla="*/ 51608 w 1192258"/>
-                <a:gd name="connsiteY2" fmla="*/ 28192 h 1453488"/>
-                <a:gd name="connsiteX3" fmla="*/ 7158 w 1192258"/>
-                <a:gd name="connsiteY3" fmla="*/ 117092 h 1453488"/>
-                <a:gd name="connsiteX4" fmla="*/ 13508 w 1192258"/>
-                <a:gd name="connsiteY4" fmla="*/ 231392 h 1453488"/>
-                <a:gd name="connsiteX5" fmla="*/ 134158 w 1192258"/>
-                <a:gd name="connsiteY5" fmla="*/ 358392 h 1453488"/>
-                <a:gd name="connsiteX6" fmla="*/ 343708 w 1192258"/>
-                <a:gd name="connsiteY6" fmla="*/ 402842 h 1453488"/>
-                <a:gd name="connsiteX7" fmla="*/ 496108 w 1192258"/>
-                <a:gd name="connsiteY7" fmla="*/ 447292 h 1453488"/>
-                <a:gd name="connsiteX8" fmla="*/ 559608 w 1192258"/>
-                <a:gd name="connsiteY8" fmla="*/ 510792 h 1453488"/>
-                <a:gd name="connsiteX9" fmla="*/ 591358 w 1192258"/>
-                <a:gd name="connsiteY9" fmla="*/ 625092 h 1453488"/>
-                <a:gd name="connsiteX10" fmla="*/ 616758 w 1192258"/>
-                <a:gd name="connsiteY10" fmla="*/ 821942 h 1453488"/>
-                <a:gd name="connsiteX11" fmla="*/ 673908 w 1192258"/>
-                <a:gd name="connsiteY11" fmla="*/ 1031492 h 1453488"/>
-                <a:gd name="connsiteX12" fmla="*/ 807258 w 1192258"/>
-                <a:gd name="connsiteY12" fmla="*/ 1285492 h 1453488"/>
-                <a:gd name="connsiteX13" fmla="*/ 973846 w 1192258"/>
-                <a:gd name="connsiteY13" fmla="*/ 1413881 h 1453488"/>
-                <a:gd name="connsiteX14" fmla="*/ 1041133 w 1192258"/>
-                <a:gd name="connsiteY14" fmla="*/ 1453488 h 1453488"/>
-                <a:gd name="connsiteX15" fmla="*/ 1182697 w 1192258"/>
-                <a:gd name="connsiteY15" fmla="*/ 1453488 h 1453488"/>
-                <a:gd name="connsiteX16" fmla="*/ 1186956 w 1192258"/>
-                <a:gd name="connsiteY16" fmla="*/ 1416238 h 1453488"/>
-                <a:gd name="connsiteX17" fmla="*/ 1189846 w 1192258"/>
-                <a:gd name="connsiteY17" fmla="*/ 1371217 h 1453488"/>
-                <a:gd name="connsiteX18" fmla="*/ 1169208 w 1192258"/>
-                <a:gd name="connsiteY18" fmla="*/ 1158492 h 1453488"/>
-                <a:gd name="connsiteX19" fmla="*/ 1063639 w 1192258"/>
-                <a:gd name="connsiteY19" fmla="*/ 459992 h 1453488"/>
-                <a:gd name="connsiteX20" fmla="*/ 849327 w 1192258"/>
-                <a:gd name="connsiteY20" fmla="*/ 179004 h 1453488"/>
-                <a:gd name="connsiteX21" fmla="*/ 721533 w 1192258"/>
-                <a:gd name="connsiteY21" fmla="*/ 74228 h 1453488"/>
-                <a:gd name="connsiteX22" fmla="*/ 597708 w 1192258"/>
-                <a:gd name="connsiteY22" fmla="*/ 21842 h 1453488"/>
-                <a:gd name="connsiteX23" fmla="*/ 305608 w 1192258"/>
-                <a:gd name="connsiteY23" fmla="*/ 2792 h 1453488"/>
-                <a:gd name="connsiteX24" fmla="*/ 199642 w 1192258"/>
-                <a:gd name="connsiteY24" fmla="*/ 14 h 1453488"/>
-              </a:gdLst>
-              <a:ahLst/>
-              <a:cxnLst>
-                <a:cxn ang="0">
-                  <a:pos x="connsiteX0" y="connsiteY0"/>
-                </a:cxn>
-                <a:cxn ang="0">
-                  <a:pos x="connsiteX1" y="connsiteY1"/>
-                </a:cxn>
-                <a:cxn ang="0">
-                  <a:pos x="connsiteX2" y="connsiteY2"/>
-                </a:cxn>
-                <a:cxn ang="0">
-                  <a:pos x="connsiteX3" y="connsiteY3"/>
-                </a:cxn>
-                <a:cxn ang="0">
-                  <a:pos x="connsiteX4" y="connsiteY4"/>
-                </a:cxn>
-                <a:cxn ang="0">
-                  <a:pos x="connsiteX5" y="connsiteY5"/>
-                </a:cxn>
-                <a:cxn ang="0">
-                  <a:pos x="connsiteX6" y="connsiteY6"/>
-                </a:cxn>
-                <a:cxn ang="0">
-                  <a:pos x="connsiteX7" y="connsiteY7"/>
-                </a:cxn>
-                <a:cxn ang="0">
-                  <a:pos x="connsiteX8" y="connsiteY8"/>
-                </a:cxn>
-                <a:cxn ang="0">
-                  <a:pos x="connsiteX9" y="connsiteY9"/>
-                </a:cxn>
-                <a:cxn ang="0">
-                  <a:pos x="connsiteX10" y="connsiteY10"/>
-                </a:cxn>
-                <a:cxn ang="0">
-                  <a:pos x="connsiteX11" y="connsiteY11"/>
-                </a:cxn>
-                <a:cxn ang="0">
-                  <a:pos x="connsiteX12" y="connsiteY12"/>
-                </a:cxn>
-                <a:cxn ang="0">
-                  <a:pos x="connsiteX13" y="connsiteY13"/>
-                </a:cxn>
-                <a:cxn ang="0">
-                  <a:pos x="connsiteX14" y="connsiteY14"/>
-                </a:cxn>
-                <a:cxn ang="0">
-                  <a:pos x="connsiteX15" y="connsiteY15"/>
-                </a:cxn>
-                <a:cxn ang="0">
-                  <a:pos x="connsiteX16" y="connsiteY16"/>
-                </a:cxn>
-                <a:cxn ang="0">
-                  <a:pos x="connsiteX17" y="connsiteY17"/>
-                </a:cxn>
-                <a:cxn ang="0">
-                  <a:pos x="connsiteX18" y="connsiteY18"/>
-                </a:cxn>
-                <a:cxn ang="0">
-                  <a:pos x="connsiteX19" y="connsiteY19"/>
-                </a:cxn>
-                <a:cxn ang="0">
-                  <a:pos x="connsiteX20" y="connsiteY20"/>
-                </a:cxn>
-                <a:cxn ang="0">
-                  <a:pos x="connsiteX21" y="connsiteY21"/>
-                </a:cxn>
-                <a:cxn ang="0">
-                  <a:pos x="connsiteX22" y="connsiteY22"/>
-                </a:cxn>
-                <a:cxn ang="0">
-                  <a:pos x="connsiteX23" y="connsiteY23"/>
-                </a:cxn>
-                <a:cxn ang="0">
-                  <a:pos x="connsiteX24" y="connsiteY24"/>
-                </a:cxn>
-              </a:cxnLst>
-              <a:rect l="l" t="t" r="r" b="b"/>
-              <a:pathLst>
-                <a:path w="1192258" h="1453488">
-                  <a:moveTo>
-                    <a:pt x="199642" y="14"/>
-                  </a:moveTo>
-                  <a:cubicBezTo>
-                    <a:pt x="168818" y="-118"/>
-                    <a:pt x="142625" y="676"/>
-                    <a:pt x="121458" y="2792"/>
-                  </a:cubicBezTo>
-                  <a:cubicBezTo>
-                    <a:pt x="79125" y="7025"/>
-                    <a:pt x="70658" y="9142"/>
-                    <a:pt x="51608" y="28192"/>
-                  </a:cubicBezTo>
-                  <a:cubicBezTo>
-                    <a:pt x="32558" y="47242"/>
-                    <a:pt x="13508" y="83225"/>
-                    <a:pt x="7158" y="117092"/>
-                  </a:cubicBezTo>
-                  <a:cubicBezTo>
-                    <a:pt x="808" y="150959"/>
-                    <a:pt x="-7659" y="191175"/>
-                    <a:pt x="13508" y="231392"/>
-                  </a:cubicBezTo>
-                  <a:cubicBezTo>
-                    <a:pt x="34675" y="271609"/>
-                    <a:pt x="79125" y="329817"/>
-                    <a:pt x="134158" y="358392"/>
-                  </a:cubicBezTo>
-                  <a:cubicBezTo>
-                    <a:pt x="189191" y="386967"/>
-                    <a:pt x="283383" y="388025"/>
-                    <a:pt x="343708" y="402842"/>
-                  </a:cubicBezTo>
-                  <a:cubicBezTo>
-                    <a:pt x="404033" y="417659"/>
-                    <a:pt x="460125" y="429300"/>
-                    <a:pt x="496108" y="447292"/>
-                  </a:cubicBezTo>
-                  <a:cubicBezTo>
-                    <a:pt x="532091" y="465284"/>
-                    <a:pt x="543733" y="481159"/>
-                    <a:pt x="559608" y="510792"/>
-                  </a:cubicBezTo>
-                  <a:cubicBezTo>
-                    <a:pt x="575483" y="540425"/>
-                    <a:pt x="581833" y="573234"/>
-                    <a:pt x="591358" y="625092"/>
-                  </a:cubicBezTo>
-                  <a:cubicBezTo>
-                    <a:pt x="600883" y="676950"/>
-                    <a:pt x="603000" y="754209"/>
-                    <a:pt x="616758" y="821942"/>
-                  </a:cubicBezTo>
-                  <a:cubicBezTo>
-                    <a:pt x="630516" y="889675"/>
-                    <a:pt x="642158" y="954234"/>
-                    <a:pt x="673908" y="1031492"/>
-                  </a:cubicBezTo>
-                  <a:cubicBezTo>
-                    <a:pt x="705658" y="1108750"/>
-                    <a:pt x="731058" y="1208234"/>
-                    <a:pt x="807258" y="1285492"/>
-                  </a:cubicBezTo>
-                  <a:cubicBezTo>
-                    <a:pt x="845358" y="1324121"/>
-                    <a:pt x="910379" y="1372937"/>
-                    <a:pt x="973846" y="1413881"/>
-                  </a:cubicBezTo>
-                  <a:lnTo>
-                    <a:pt x="1041133" y="1453488"/>
-                  </a:lnTo>
-                  <a:lnTo>
-                    <a:pt x="1182697" y="1453488"/>
-                  </a:lnTo>
-                  <a:lnTo>
-                    <a:pt x="1186956" y="1416238"/>
-                  </a:lnTo>
-                  <a:cubicBezTo>
-                    <a:pt x="1187779" y="1400884"/>
-                    <a:pt x="1188258" y="1385240"/>
-                    <a:pt x="1189846" y="1371217"/>
-                  </a:cubicBezTo>
-                  <a:cubicBezTo>
-                    <a:pt x="1196196" y="1315125"/>
-                    <a:pt x="1190242" y="1310363"/>
-                    <a:pt x="1169208" y="1158492"/>
-                  </a:cubicBezTo>
-                  <a:cubicBezTo>
-                    <a:pt x="1148174" y="1006621"/>
-                    <a:pt x="1116952" y="623240"/>
-                    <a:pt x="1063639" y="459992"/>
-                  </a:cubicBezTo>
-                  <a:cubicBezTo>
-                    <a:pt x="1010326" y="296744"/>
-                    <a:pt x="906345" y="243298"/>
-                    <a:pt x="849327" y="179004"/>
-                  </a:cubicBezTo>
-                  <a:cubicBezTo>
-                    <a:pt x="792309" y="114710"/>
-                    <a:pt x="763469" y="100422"/>
-                    <a:pt x="721533" y="74228"/>
-                  </a:cubicBezTo>
-                  <a:cubicBezTo>
-                    <a:pt x="679597" y="48034"/>
-                    <a:pt x="667029" y="33748"/>
-                    <a:pt x="597708" y="21842"/>
-                  </a:cubicBezTo>
-                  <a:cubicBezTo>
-                    <a:pt x="528387" y="9936"/>
-                    <a:pt x="384983" y="5967"/>
-                    <a:pt x="305608" y="2792"/>
-                  </a:cubicBezTo>
-                  <a:cubicBezTo>
-                    <a:pt x="265921" y="1205"/>
-                    <a:pt x="230466" y="147"/>
-                    <a:pt x="199642" y="14"/>
-                  </a:cubicBezTo>
-                  <a:close/>
-                </a:path>
-              </a:pathLst>
-            </a:custGeom>
-            <a:solidFill>
-              <a:srgbClr val="F6CBA8"/>
-            </a:solidFill>
-            <a:ln>
-              <a:noFill/>
-            </a:ln>
-          </p:spPr>
-          <p:style>
-            <a:lnRef idx="2">
-              <a:schemeClr val="accent1">
-                <a:shade val="50000"/>
-              </a:schemeClr>
-            </a:lnRef>
-            <a:fillRef idx="1">
-              <a:schemeClr val="accent1"/>
-            </a:fillRef>
-            <a:effectRef idx="0">
-              <a:schemeClr val="accent1"/>
-            </a:effectRef>
-            <a:fontRef idx="minor">
-              <a:schemeClr val="lt1"/>
-            </a:fontRef>
-          </p:style>
-          <p:txBody>
-            <a:bodyPr wrap="square" rtlCol="0" anchor="ctr">
-              <a:noAutofit/>
-            </a:bodyPr>
-            <a:lstStyle/>
-            <a:p>
-              <a:pPr algn="ctr"/>
-              <a:endParaRPr lang="ko-KR" altLang="en-US">
-                <a:solidFill>
-                  <a:prstClr val="white"/>
-                </a:solidFill>
-              </a:endParaRPr>
-            </a:p>
-          </p:txBody>
-        </p:sp>
-      </p:grpSp>
-      <p:grpSp>
-        <p:nvGrpSpPr>
-          <p:cNvPr id="33" name="그룹 32">
-            <a:extLst>
-              <a:ext uri="{FF2B5EF4-FFF2-40B4-BE49-F238E27FC236}">
-                <a16:creationId xmlns:a16="http://schemas.microsoft.com/office/drawing/2014/main" id="{3D783B5F-9E76-D3C0-6628-68872360C69F}"/>
-              </a:ext>
-            </a:extLst>
-          </p:cNvPr>
-          <p:cNvGrpSpPr/>
-          <p:nvPr/>
-        </p:nvGrpSpPr>
-        <p:grpSpPr>
-          <a:xfrm flipH="1">
-            <a:off x="10951709" y="5411118"/>
-            <a:ext cx="1192258" cy="1453488"/>
-            <a:chOff x="91175" y="5411118"/>
-            <a:chExt cx="1192258" cy="1453488"/>
-          </a:xfrm>
-        </p:grpSpPr>
-        <p:sp>
-          <p:nvSpPr>
-            <p:cNvPr id="34" name="자유형: 도형 33">
-              <a:extLst>
-                <a:ext uri="{FF2B5EF4-FFF2-40B4-BE49-F238E27FC236}">
-                  <a16:creationId xmlns:a16="http://schemas.microsoft.com/office/drawing/2014/main" id="{176C3540-C22C-F089-F791-42115230F119}"/>
-                </a:ext>
-              </a:extLst>
-            </p:cNvPr>
-            <p:cNvSpPr/>
-            <p:nvPr/>
-          </p:nvSpPr>
-          <p:spPr>
-            <a:xfrm flipH="1">
-              <a:off x="235460" y="6269830"/>
-              <a:ext cx="517295" cy="572656"/>
-            </a:xfrm>
-            <a:custGeom>
-              <a:avLst/>
-              <a:gdLst>
-                <a:gd name="connsiteX0" fmla="*/ 0 w 547694"/>
-                <a:gd name="connsiteY0" fmla="*/ 0 h 615998"/>
-                <a:gd name="connsiteX1" fmla="*/ 388133 w 547694"/>
-                <a:gd name="connsiteY1" fmla="*/ 0 h 615998"/>
-                <a:gd name="connsiteX2" fmla="*/ 387698 w 547694"/>
-                <a:gd name="connsiteY2" fmla="*/ 3738 h 615998"/>
-                <a:gd name="connsiteX3" fmla="*/ 402227 w 547694"/>
-                <a:gd name="connsiteY3" fmla="*/ 59753 h 615998"/>
-                <a:gd name="connsiteX4" fmla="*/ 480808 w 547694"/>
-                <a:gd name="connsiteY4" fmla="*/ 369316 h 615998"/>
-                <a:gd name="connsiteX5" fmla="*/ 542721 w 547694"/>
-                <a:gd name="connsiteY5" fmla="*/ 609822 h 615998"/>
-                <a:gd name="connsiteX6" fmla="*/ 347458 w 547694"/>
-                <a:gd name="connsiteY6" fmla="*/ 526478 h 615998"/>
-                <a:gd name="connsiteX7" fmla="*/ 145052 w 547694"/>
-                <a:gd name="connsiteY7" fmla="*/ 328835 h 615998"/>
-                <a:gd name="connsiteX8" fmla="*/ 25841 w 547694"/>
-                <a:gd name="connsiteY8" fmla="*/ 69204 h 615998"/>
-              </a:gdLst>
-              <a:ahLst/>
-              <a:cxnLst>
-                <a:cxn ang="0">
-                  <a:pos x="connsiteX0" y="connsiteY0"/>
-                </a:cxn>
-                <a:cxn ang="0">
-                  <a:pos x="connsiteX1" y="connsiteY1"/>
-                </a:cxn>
-                <a:cxn ang="0">
-                  <a:pos x="connsiteX2" y="connsiteY2"/>
-                </a:cxn>
-                <a:cxn ang="0">
-                  <a:pos x="connsiteX3" y="connsiteY3"/>
-                </a:cxn>
-                <a:cxn ang="0">
-                  <a:pos x="connsiteX4" y="connsiteY4"/>
-                </a:cxn>
-                <a:cxn ang="0">
-                  <a:pos x="connsiteX5" y="connsiteY5"/>
-                </a:cxn>
-                <a:cxn ang="0">
-                  <a:pos x="connsiteX6" y="connsiteY6"/>
-                </a:cxn>
-                <a:cxn ang="0">
-                  <a:pos x="connsiteX7" y="connsiteY7"/>
-                </a:cxn>
-                <a:cxn ang="0">
-                  <a:pos x="connsiteX8" y="connsiteY8"/>
-                </a:cxn>
-              </a:cxnLst>
-              <a:rect l="l" t="t" r="r" b="b"/>
-              <a:pathLst>
-                <a:path w="547694" h="615998">
-                  <a:moveTo>
-                    <a:pt x="0" y="0"/>
-                  </a:moveTo>
-                  <a:lnTo>
-                    <a:pt x="388133" y="0"/>
-                  </a:lnTo>
-                  <a:lnTo>
-                    <a:pt x="387698" y="3738"/>
-                  </a:lnTo>
-                  <a:cubicBezTo>
-                    <a:pt x="388659" y="18206"/>
-                    <a:pt x="392702" y="36338"/>
-                    <a:pt x="402227" y="59753"/>
-                  </a:cubicBezTo>
-                  <a:cubicBezTo>
-                    <a:pt x="440327" y="153415"/>
-                    <a:pt x="454614" y="276050"/>
-                    <a:pt x="480808" y="369316"/>
-                  </a:cubicBezTo>
-                  <a:cubicBezTo>
-                    <a:pt x="507002" y="462582"/>
-                    <a:pt x="564946" y="583628"/>
-                    <a:pt x="542721" y="609822"/>
-                  </a:cubicBezTo>
-                  <a:cubicBezTo>
-                    <a:pt x="520496" y="636016"/>
-                    <a:pt x="413736" y="573309"/>
-                    <a:pt x="347458" y="526478"/>
-                  </a:cubicBezTo>
-                  <a:cubicBezTo>
-                    <a:pt x="281180" y="479647"/>
-                    <a:pt x="203392" y="417735"/>
-                    <a:pt x="145052" y="328835"/>
-                  </a:cubicBezTo>
-                  <a:cubicBezTo>
-                    <a:pt x="101297" y="262160"/>
-                    <a:pt x="58211" y="154855"/>
-                    <a:pt x="25841" y="69204"/>
-                  </a:cubicBezTo>
-                  <a:close/>
-                </a:path>
-              </a:pathLst>
-            </a:custGeom>
-            <a:solidFill>
-              <a:srgbClr val="F3B080"/>
-            </a:solidFill>
-            <a:ln>
-              <a:noFill/>
-            </a:ln>
-          </p:spPr>
-          <p:style>
-            <a:lnRef idx="2">
-              <a:schemeClr val="accent1">
-                <a:shade val="50000"/>
-              </a:schemeClr>
-            </a:lnRef>
-            <a:fillRef idx="1">
-              <a:schemeClr val="accent1"/>
-            </a:fillRef>
-            <a:effectRef idx="0">
-              <a:schemeClr val="accent1"/>
-            </a:effectRef>
-            <a:fontRef idx="minor">
-              <a:schemeClr val="lt1"/>
-            </a:fontRef>
-          </p:style>
-          <p:txBody>
-            <a:bodyPr wrap="square" rtlCol="0" anchor="ctr">
-              <a:noAutofit/>
-            </a:bodyPr>
-            <a:lstStyle/>
-            <a:p>
-              <a:pPr algn="ctr"/>
-              <a:endParaRPr lang="ko-KR" altLang="en-US">
-                <a:solidFill>
-                  <a:prstClr val="white"/>
-                </a:solidFill>
-              </a:endParaRPr>
-            </a:p>
-          </p:txBody>
-        </p:sp>
-        <p:sp>
-          <p:nvSpPr>
-            <p:cNvPr id="35" name="직각 삼각형 34">
-              <a:extLst>
-                <a:ext uri="{FF2B5EF4-FFF2-40B4-BE49-F238E27FC236}">
-                  <a16:creationId xmlns:a16="http://schemas.microsoft.com/office/drawing/2014/main" id="{DE91808D-8AA4-3F45-E8D4-0453C09318AD}"/>
-                </a:ext>
-              </a:extLst>
-            </p:cNvPr>
-            <p:cNvSpPr/>
-            <p:nvPr/>
-          </p:nvSpPr>
-          <p:spPr>
-            <a:xfrm rot="10800000" flipV="1">
-              <a:off x="301984" y="5528951"/>
-              <a:ext cx="116363" cy="200949"/>
-            </a:xfrm>
-            <a:prstGeom prst="rtTriangle">
-              <a:avLst/>
-            </a:prstGeom>
-            <a:solidFill>
-              <a:srgbClr val="F3B080"/>
-            </a:solidFill>
-            <a:ln>
-              <a:noFill/>
-            </a:ln>
-          </p:spPr>
-          <p:style>
-            <a:lnRef idx="2">
-              <a:schemeClr val="accent1">
-                <a:shade val="50000"/>
-              </a:schemeClr>
-            </a:lnRef>
-            <a:fillRef idx="1">
-              <a:schemeClr val="accent1"/>
-            </a:fillRef>
-            <a:effectRef idx="0">
-              <a:schemeClr val="accent1"/>
-            </a:effectRef>
-            <a:fontRef idx="minor">
-              <a:schemeClr val="lt1"/>
-            </a:fontRef>
-          </p:style>
-          <p:txBody>
-            <a:bodyPr rtlCol="0" anchor="ctr"/>
-            <a:lstStyle/>
-            <a:p>
-              <a:pPr algn="ctr"/>
-              <a:endParaRPr lang="ko-KR" altLang="en-US">
-                <a:solidFill>
-                  <a:prstClr val="white"/>
-                </a:solidFill>
-              </a:endParaRPr>
-            </a:p>
-          </p:txBody>
-        </p:sp>
-        <p:sp>
-          <p:nvSpPr>
-            <p:cNvPr id="36" name="자유형: 도형 35">
-              <a:extLst>
-                <a:ext uri="{FF2B5EF4-FFF2-40B4-BE49-F238E27FC236}">
-                  <a16:creationId xmlns:a16="http://schemas.microsoft.com/office/drawing/2014/main" id="{B0B6B4A2-B138-B52A-FDD0-54F693C0AF81}"/>
-                </a:ext>
-              </a:extLst>
-            </p:cNvPr>
-            <p:cNvSpPr/>
-            <p:nvPr/>
-          </p:nvSpPr>
-          <p:spPr>
-            <a:xfrm flipH="1">
-              <a:off x="91175" y="5411118"/>
-              <a:ext cx="1192258" cy="1453488"/>
-            </a:xfrm>
-            <a:custGeom>
-              <a:avLst/>
-              <a:gdLst>
-                <a:gd name="connsiteX0" fmla="*/ 199642 w 1192258"/>
-                <a:gd name="connsiteY0" fmla="*/ 14 h 1453488"/>
-                <a:gd name="connsiteX1" fmla="*/ 121458 w 1192258"/>
-                <a:gd name="connsiteY1" fmla="*/ 2792 h 1453488"/>
-                <a:gd name="connsiteX2" fmla="*/ 51608 w 1192258"/>
-                <a:gd name="connsiteY2" fmla="*/ 28192 h 1453488"/>
-                <a:gd name="connsiteX3" fmla="*/ 7158 w 1192258"/>
-                <a:gd name="connsiteY3" fmla="*/ 117092 h 1453488"/>
-                <a:gd name="connsiteX4" fmla="*/ 13508 w 1192258"/>
-                <a:gd name="connsiteY4" fmla="*/ 231392 h 1453488"/>
-                <a:gd name="connsiteX5" fmla="*/ 134158 w 1192258"/>
-                <a:gd name="connsiteY5" fmla="*/ 358392 h 1453488"/>
-                <a:gd name="connsiteX6" fmla="*/ 343708 w 1192258"/>
-                <a:gd name="connsiteY6" fmla="*/ 402842 h 1453488"/>
-                <a:gd name="connsiteX7" fmla="*/ 496108 w 1192258"/>
-                <a:gd name="connsiteY7" fmla="*/ 447292 h 1453488"/>
-                <a:gd name="connsiteX8" fmla="*/ 559608 w 1192258"/>
-                <a:gd name="connsiteY8" fmla="*/ 510792 h 1453488"/>
-                <a:gd name="connsiteX9" fmla="*/ 591358 w 1192258"/>
-                <a:gd name="connsiteY9" fmla="*/ 625092 h 1453488"/>
-                <a:gd name="connsiteX10" fmla="*/ 616758 w 1192258"/>
-                <a:gd name="connsiteY10" fmla="*/ 821942 h 1453488"/>
-                <a:gd name="connsiteX11" fmla="*/ 673908 w 1192258"/>
-                <a:gd name="connsiteY11" fmla="*/ 1031492 h 1453488"/>
-                <a:gd name="connsiteX12" fmla="*/ 807258 w 1192258"/>
-                <a:gd name="connsiteY12" fmla="*/ 1285492 h 1453488"/>
-                <a:gd name="connsiteX13" fmla="*/ 973846 w 1192258"/>
-                <a:gd name="connsiteY13" fmla="*/ 1413881 h 1453488"/>
-                <a:gd name="connsiteX14" fmla="*/ 1041133 w 1192258"/>
-                <a:gd name="connsiteY14" fmla="*/ 1453488 h 1453488"/>
-                <a:gd name="connsiteX15" fmla="*/ 1182697 w 1192258"/>
-                <a:gd name="connsiteY15" fmla="*/ 1453488 h 1453488"/>
-                <a:gd name="connsiteX16" fmla="*/ 1186956 w 1192258"/>
-                <a:gd name="connsiteY16" fmla="*/ 1416238 h 1453488"/>
-                <a:gd name="connsiteX17" fmla="*/ 1189846 w 1192258"/>
-                <a:gd name="connsiteY17" fmla="*/ 1371217 h 1453488"/>
-                <a:gd name="connsiteX18" fmla="*/ 1169208 w 1192258"/>
-                <a:gd name="connsiteY18" fmla="*/ 1158492 h 1453488"/>
-                <a:gd name="connsiteX19" fmla="*/ 1063639 w 1192258"/>
-                <a:gd name="connsiteY19" fmla="*/ 459992 h 1453488"/>
-                <a:gd name="connsiteX20" fmla="*/ 849327 w 1192258"/>
-                <a:gd name="connsiteY20" fmla="*/ 179004 h 1453488"/>
-                <a:gd name="connsiteX21" fmla="*/ 721533 w 1192258"/>
-                <a:gd name="connsiteY21" fmla="*/ 74228 h 1453488"/>
-                <a:gd name="connsiteX22" fmla="*/ 597708 w 1192258"/>
-                <a:gd name="connsiteY22" fmla="*/ 21842 h 1453488"/>
-                <a:gd name="connsiteX23" fmla="*/ 305608 w 1192258"/>
-                <a:gd name="connsiteY23" fmla="*/ 2792 h 1453488"/>
-                <a:gd name="connsiteX24" fmla="*/ 199642 w 1192258"/>
-                <a:gd name="connsiteY24" fmla="*/ 14 h 1453488"/>
-              </a:gdLst>
-              <a:ahLst/>
-              <a:cxnLst>
-                <a:cxn ang="0">
-                  <a:pos x="connsiteX0" y="connsiteY0"/>
-                </a:cxn>
-                <a:cxn ang="0">
-                  <a:pos x="connsiteX1" y="connsiteY1"/>
-                </a:cxn>
-                <a:cxn ang="0">
-                  <a:pos x="connsiteX2" y="connsiteY2"/>
-                </a:cxn>
-                <a:cxn ang="0">
-                  <a:pos x="connsiteX3" y="connsiteY3"/>
-                </a:cxn>
-                <a:cxn ang="0">
-                  <a:pos x="connsiteX4" y="connsiteY4"/>
-                </a:cxn>
-                <a:cxn ang="0">
-                  <a:pos x="connsiteX5" y="connsiteY5"/>
-                </a:cxn>
-                <a:cxn ang="0">
-                  <a:pos x="connsiteX6" y="connsiteY6"/>
-                </a:cxn>
-                <a:cxn ang="0">
-                  <a:pos x="connsiteX7" y="connsiteY7"/>
-                </a:cxn>
-                <a:cxn ang="0">
-                  <a:pos x="connsiteX8" y="connsiteY8"/>
-                </a:cxn>
-                <a:cxn ang="0">
-                  <a:pos x="connsiteX9" y="connsiteY9"/>
-                </a:cxn>
-                <a:cxn ang="0">
-                  <a:pos x="connsiteX10" y="connsiteY10"/>
-                </a:cxn>
-                <a:cxn ang="0">
-                  <a:pos x="connsiteX11" y="connsiteY11"/>
-                </a:cxn>
-                <a:cxn ang="0">
-                  <a:pos x="connsiteX12" y="connsiteY12"/>
-                </a:cxn>
-                <a:cxn ang="0">
-                  <a:pos x="connsiteX13" y="connsiteY13"/>
-                </a:cxn>
-                <a:cxn ang="0">
-                  <a:pos x="connsiteX14" y="connsiteY14"/>
-                </a:cxn>
-                <a:cxn ang="0">
-                  <a:pos x="connsiteX15" y="connsiteY15"/>
-                </a:cxn>
-                <a:cxn ang="0">
-                  <a:pos x="connsiteX16" y="connsiteY16"/>
-                </a:cxn>
-                <a:cxn ang="0">
-                  <a:pos x="connsiteX17" y="connsiteY17"/>
-                </a:cxn>
-                <a:cxn ang="0">
-                  <a:pos x="connsiteX18" y="connsiteY18"/>
-                </a:cxn>
-                <a:cxn ang="0">
-                  <a:pos x="connsiteX19" y="connsiteY19"/>
-                </a:cxn>
-                <a:cxn ang="0">
-                  <a:pos x="connsiteX20" y="connsiteY20"/>
-                </a:cxn>
-                <a:cxn ang="0">
-                  <a:pos x="connsiteX21" y="connsiteY21"/>
-                </a:cxn>
-                <a:cxn ang="0">
-                  <a:pos x="connsiteX22" y="connsiteY22"/>
-                </a:cxn>
-                <a:cxn ang="0">
-                  <a:pos x="connsiteX23" y="connsiteY23"/>
-                </a:cxn>
-                <a:cxn ang="0">
-                  <a:pos x="connsiteX24" y="connsiteY24"/>
-                </a:cxn>
-              </a:cxnLst>
-              <a:rect l="l" t="t" r="r" b="b"/>
-              <a:pathLst>
-                <a:path w="1192258" h="1453488">
-                  <a:moveTo>
-                    <a:pt x="199642" y="14"/>
-                  </a:moveTo>
-                  <a:cubicBezTo>
-                    <a:pt x="168818" y="-118"/>
-                    <a:pt x="142625" y="676"/>
-                    <a:pt x="121458" y="2792"/>
-                  </a:cubicBezTo>
-                  <a:cubicBezTo>
-                    <a:pt x="79125" y="7025"/>
-                    <a:pt x="70658" y="9142"/>
-                    <a:pt x="51608" y="28192"/>
-                  </a:cubicBezTo>
-                  <a:cubicBezTo>
-                    <a:pt x="32558" y="47242"/>
-                    <a:pt x="13508" y="83225"/>
-                    <a:pt x="7158" y="117092"/>
-                  </a:cubicBezTo>
-                  <a:cubicBezTo>
-                    <a:pt x="808" y="150959"/>
-                    <a:pt x="-7659" y="191175"/>
-                    <a:pt x="13508" y="231392"/>
-                  </a:cubicBezTo>
-                  <a:cubicBezTo>
-                    <a:pt x="34675" y="271609"/>
-                    <a:pt x="79125" y="329817"/>
-                    <a:pt x="134158" y="358392"/>
-                  </a:cubicBezTo>
-                  <a:cubicBezTo>
-                    <a:pt x="189191" y="386967"/>
-                    <a:pt x="283383" y="388025"/>
-                    <a:pt x="343708" y="402842"/>
-                  </a:cubicBezTo>
-                  <a:cubicBezTo>
-                    <a:pt x="404033" y="417659"/>
-                    <a:pt x="460125" y="429300"/>
-                    <a:pt x="496108" y="447292"/>
-                  </a:cubicBezTo>
-                  <a:cubicBezTo>
-                    <a:pt x="532091" y="465284"/>
-                    <a:pt x="543733" y="481159"/>
-                    <a:pt x="559608" y="510792"/>
-                  </a:cubicBezTo>
-                  <a:cubicBezTo>
-                    <a:pt x="575483" y="540425"/>
-                    <a:pt x="581833" y="573234"/>
-                    <a:pt x="591358" y="625092"/>
-                  </a:cubicBezTo>
-                  <a:cubicBezTo>
-                    <a:pt x="600883" y="676950"/>
-                    <a:pt x="603000" y="754209"/>
-                    <a:pt x="616758" y="821942"/>
-                  </a:cubicBezTo>
-                  <a:cubicBezTo>
-                    <a:pt x="630516" y="889675"/>
-                    <a:pt x="642158" y="954234"/>
-                    <a:pt x="673908" y="1031492"/>
-                  </a:cubicBezTo>
-                  <a:cubicBezTo>
-                    <a:pt x="705658" y="1108750"/>
-                    <a:pt x="731058" y="1208234"/>
-                    <a:pt x="807258" y="1285492"/>
-                  </a:cubicBezTo>
-                  <a:cubicBezTo>
-                    <a:pt x="845358" y="1324121"/>
-                    <a:pt x="910379" y="1372937"/>
-                    <a:pt x="973846" y="1413881"/>
-                  </a:cubicBezTo>
-                  <a:lnTo>
-                    <a:pt x="1041133" y="1453488"/>
-                  </a:lnTo>
-                  <a:lnTo>
-                    <a:pt x="1182697" y="1453488"/>
-                  </a:lnTo>
-                  <a:lnTo>
-                    <a:pt x="1186956" y="1416238"/>
-                  </a:lnTo>
-                  <a:cubicBezTo>
-                    <a:pt x="1187779" y="1400884"/>
-                    <a:pt x="1188258" y="1385240"/>
-                    <a:pt x="1189846" y="1371217"/>
-                  </a:cubicBezTo>
-                  <a:cubicBezTo>
-                    <a:pt x="1196196" y="1315125"/>
-                    <a:pt x="1190242" y="1310363"/>
-                    <a:pt x="1169208" y="1158492"/>
-                  </a:cubicBezTo>
-                  <a:cubicBezTo>
-                    <a:pt x="1148174" y="1006621"/>
-                    <a:pt x="1116952" y="623240"/>
-                    <a:pt x="1063639" y="459992"/>
-                  </a:cubicBezTo>
-                  <a:cubicBezTo>
-                    <a:pt x="1010326" y="296744"/>
-                    <a:pt x="906345" y="243298"/>
-                    <a:pt x="849327" y="179004"/>
-                  </a:cubicBezTo>
-                  <a:cubicBezTo>
-                    <a:pt x="792309" y="114710"/>
-                    <a:pt x="763469" y="100422"/>
-                    <a:pt x="721533" y="74228"/>
-                  </a:cubicBezTo>
-                  <a:cubicBezTo>
-                    <a:pt x="679597" y="48034"/>
-                    <a:pt x="667029" y="33748"/>
-                    <a:pt x="597708" y="21842"/>
-                  </a:cubicBezTo>
-                  <a:cubicBezTo>
-                    <a:pt x="528387" y="9936"/>
-                    <a:pt x="384983" y="5967"/>
-                    <a:pt x="305608" y="2792"/>
-                  </a:cubicBezTo>
-                  <a:cubicBezTo>
-                    <a:pt x="265921" y="1205"/>
-                    <a:pt x="230466" y="147"/>
-                    <a:pt x="199642" y="14"/>
-                  </a:cubicBezTo>
-                  <a:close/>
-                </a:path>
-              </a:pathLst>
-            </a:custGeom>
-            <a:solidFill>
-              <a:srgbClr val="F6CBA8"/>
-            </a:solidFill>
-            <a:ln>
-              <a:noFill/>
-            </a:ln>
-          </p:spPr>
-          <p:style>
-            <a:lnRef idx="2">
-              <a:schemeClr val="accent1">
-                <a:shade val="50000"/>
-              </a:schemeClr>
-            </a:lnRef>
-            <a:fillRef idx="1">
-              <a:schemeClr val="accent1"/>
-            </a:fillRef>
-            <a:effectRef idx="0">
-              <a:schemeClr val="accent1"/>
-            </a:effectRef>
-            <a:fontRef idx="minor">
-              <a:schemeClr val="lt1"/>
-            </a:fontRef>
-          </p:style>
-          <p:txBody>
-            <a:bodyPr wrap="square" rtlCol="0" anchor="ctr">
-              <a:noAutofit/>
-            </a:bodyPr>
-            <a:lstStyle/>
-            <a:p>
-              <a:pPr algn="ctr"/>
-              <a:endParaRPr lang="ko-KR" altLang="en-US">
-                <a:solidFill>
-                  <a:prstClr val="white"/>
-                </a:solidFill>
-              </a:endParaRPr>
-            </a:p>
-          </p:txBody>
-        </p:sp>
-      </p:grpSp>
-      <p:sp>
-        <p:nvSpPr>
-          <p:cNvPr id="3" name="Rectangle 1"/>
-          <p:cNvSpPr>
-            <a:spLocks noChangeArrowheads="1"/>
-          </p:cNvSpPr>
-          <p:nvPr/>
-        </p:nvSpPr>
-        <p:spPr bwMode="auto">
-          <a:xfrm>
-            <a:off x="3408363" y="3424238"/>
-            <a:ext cx="12192000" cy="457200"/>
-          </a:xfrm>
-          <a:prstGeom prst="rect">
-            <a:avLst/>
-          </a:prstGeom>
-          <a:noFill/>
-          <a:ln>
-            <a:noFill/>
-          </a:ln>
-          <a:effectLst/>
-          <a:extLst>
-            <a:ext uri="{909E8E84-426E-40DD-AFC4-6F175D3DCCD1}">
-              <a14:hiddenFill xmlns:a14="http://schemas.microsoft.com/office/drawing/2010/main">
-                <a:solidFill>
-                  <a:schemeClr val="accent1"/>
-                </a:solidFill>
-              </a14:hiddenFill>
-            </a:ext>
-            <a:ext uri="{91240B29-F687-4F45-9708-019B960494DF}">
-              <a14:hiddenLine xmlns:a14="http://schemas.microsoft.com/office/drawing/2010/main" w="9525">
-                <a:solidFill>
-                  <a:schemeClr val="tx1"/>
-                </a:solidFill>
-                <a:miter lim="800000"/>
-                <a:headEnd/>
-                <a:tailEnd/>
-              </a14:hiddenLine>
-            </a:ext>
-            <a:ext uri="{AF507438-7753-43E0-B8FC-AC1667EBCBE1}">
-              <a14:hiddenEffects xmlns:a14="http://schemas.microsoft.com/office/drawing/2010/main">
-                <a:effectLst>
-                  <a:outerShdw dist="35921" dir="2700000" algn="ctr" rotWithShape="0">
-                    <a:schemeClr val="bg2"/>
-                  </a:outerShdw>
-                </a:effectLst>
-              </a14:hiddenEffects>
-            </a:ext>
-          </a:extLst>
-        </p:spPr>
-        <p:txBody>
-          <a:bodyPr vert="horz" wrap="none" lIns="91440" tIns="45720" rIns="91440" bIns="45720" numCol="1" anchor="ctr" anchorCtr="0" compatLnSpc="1">
-            <a:prstTxWarp prst="textNoShape">
-              <a:avLst/>
-            </a:prstTxWarp>
-            <a:spAutoFit/>
-          </a:bodyPr>
-          <a:lstStyle/>
-          <a:p>
-            <a:endParaRPr lang="ko-KR" altLang="en-US"/>
-          </a:p>
-        </p:txBody>
-      </p:sp>
-      <p:sp>
-        <p:nvSpPr>
-          <p:cNvPr id="7" name="Rectangle 1"/>
-          <p:cNvSpPr>
-            <a:spLocks noChangeArrowheads="1"/>
-          </p:cNvSpPr>
-          <p:nvPr/>
-        </p:nvSpPr>
-        <p:spPr bwMode="auto">
-          <a:xfrm>
-            <a:off x="3367088" y="2606675"/>
-            <a:ext cx="12192000" cy="457200"/>
-          </a:xfrm>
-          <a:prstGeom prst="rect">
-            <a:avLst/>
-          </a:prstGeom>
-          <a:noFill/>
-          <a:ln>
-            <a:noFill/>
-          </a:ln>
-          <a:effectLst/>
-          <a:extLst>
-            <a:ext uri="{909E8E84-426E-40DD-AFC4-6F175D3DCCD1}">
-              <a14:hiddenFill xmlns:a14="http://schemas.microsoft.com/office/drawing/2010/main">
-                <a:solidFill>
-                  <a:schemeClr val="accent1"/>
-                </a:solidFill>
-              </a14:hiddenFill>
-            </a:ext>
-            <a:ext uri="{91240B29-F687-4F45-9708-019B960494DF}">
-              <a14:hiddenLine xmlns:a14="http://schemas.microsoft.com/office/drawing/2010/main" w="9525">
-                <a:solidFill>
-                  <a:schemeClr val="tx1"/>
-                </a:solidFill>
-                <a:miter lim="800000"/>
-                <a:headEnd/>
-                <a:tailEnd/>
-              </a14:hiddenLine>
-            </a:ext>
-            <a:ext uri="{AF507438-7753-43E0-B8FC-AC1667EBCBE1}">
-              <a14:hiddenEffects xmlns:a14="http://schemas.microsoft.com/office/drawing/2010/main">
-                <a:effectLst>
-                  <a:outerShdw dist="35921" dir="2700000" algn="ctr" rotWithShape="0">
-                    <a:schemeClr val="bg2"/>
-                  </a:outerShdw>
-                </a:effectLst>
-              </a14:hiddenEffects>
-            </a:ext>
-          </a:extLst>
-        </p:spPr>
-        <p:txBody>
-          <a:bodyPr vert="horz" wrap="none" lIns="91440" tIns="45720" rIns="91440" bIns="45720" numCol="1" anchor="ctr" anchorCtr="0" compatLnSpc="1">
-            <a:prstTxWarp prst="textNoShape">
-              <a:avLst/>
-            </a:prstTxWarp>
-            <a:spAutoFit/>
-          </a:bodyPr>
-          <a:lstStyle/>
-          <a:p>
-            <a:endParaRPr lang="ko-KR" altLang="en-US"/>
-          </a:p>
-        </p:txBody>
-      </p:sp>
-      <p:sp>
-        <p:nvSpPr>
-          <p:cNvPr id="2" name="직사각형 1"/>
-          <p:cNvSpPr/>
-          <p:nvPr/>
-        </p:nvSpPr>
-        <p:spPr>
-          <a:xfrm>
-            <a:off x="4339862" y="2568812"/>
-            <a:ext cx="3836335" cy="938719"/>
-          </a:xfrm>
-          <a:prstGeom prst="rect">
-            <a:avLst/>
-          </a:prstGeom>
-        </p:spPr>
-        <p:txBody>
-          <a:bodyPr wrap="square">
-            <a:spAutoFit/>
-          </a:bodyPr>
-          <a:lstStyle/>
-          <a:p>
-            <a:pPr algn="ctr">
-              <a:defRPr/>
-            </a:pPr>
-            <a:r>
-              <a:rPr lang="en-US" altLang="ko-KR" sz="5500" i="1" kern="0" dirty="0" smtClean="0">
-                <a:ln w="9525">
-                  <a:noFill/>
-                </a:ln>
-                <a:solidFill>
-                  <a:prstClr val="black">
-                    <a:lumMod val="75000"/>
-                    <a:lumOff val="25000"/>
-                  </a:prstClr>
-                </a:solidFill>
-                <a:latin typeface="Tmon몬소리 Black" panose="02000A03000000000000" pitchFamily="2" charset="-127"/>
-                <a:ea typeface="Tmon몬소리 Black" panose="02000A03000000000000" pitchFamily="2" charset="-127"/>
-              </a:rPr>
-              <a:t>Q n A </a:t>
-            </a:r>
-            <a:endParaRPr lang="en-US" altLang="ko-KR" sz="5500" i="1" kern="0" dirty="0">
-              <a:ln w="9525">
-                <a:noFill/>
-              </a:ln>
-              <a:solidFill>
-                <a:prstClr val="black">
-                  <a:lumMod val="75000"/>
-                  <a:lumOff val="25000"/>
-                </a:prstClr>
-              </a:solidFill>
-              <a:latin typeface="Tmon몬소리 Black" panose="02000A03000000000000" pitchFamily="2" charset="-127"/>
-              <a:ea typeface="Tmon몬소리 Black" panose="02000A03000000000000" pitchFamily="2" charset="-127"/>
-            </a:endParaRPr>
-          </a:p>
-        </p:txBody>
-      </p:sp>
-    </p:spTree>
-    <p:extLst>
-      <p:ext uri="{BB962C8B-B14F-4D97-AF65-F5344CB8AC3E}">
-        <p14:creationId xmlns:p14="http://schemas.microsoft.com/office/powerpoint/2010/main" val="1799971757"/>
-      </p:ext>
-    </p:extLst>
-  </p:cSld>
-  <p:clrMapOvr>
-    <a:masterClrMapping/>
-  </p:clrMapOvr>
-  <p:timing>
-    <p:tnLst>
-      <p:par>
-        <p:cTn id="1" dur="indefinite" restart="never" nodeType="tmRoot"/>
-      </p:par>
-    </p:tnLst>
-  </p:timing>
-</p:sld>
-</file>
-
 <file path=ppt/theme/theme1.xml><?xml version="1.0" encoding="utf-8"?>
 <a:theme xmlns:a="http://schemas.openxmlformats.org/drawingml/2006/main" name="1_Office 테마">
   <a:themeElements>
